--- a/Presentación ejecutiva.pptx
+++ b/Presentación ejecutiva.pptx
@@ -5,7 +5,7 @@
     <p:sldMasterId id="2147483659" r:id="rId1"/>
   </p:sldMasterIdLst>
   <p:notesMasterIdLst>
-    <p:notesMasterId r:id="rId36"/>
+    <p:notesMasterId r:id="rId38"/>
   </p:notesMasterIdLst>
   <p:sldIdLst>
     <p:sldId id="256" r:id="rId2"/>
@@ -27,57 +27,59 @@
     <p:sldId id="272" r:id="rId18"/>
     <p:sldId id="273" r:id="rId19"/>
     <p:sldId id="274" r:id="rId20"/>
-    <p:sldId id="275" r:id="rId21"/>
-    <p:sldId id="276" r:id="rId22"/>
-    <p:sldId id="277" r:id="rId23"/>
-    <p:sldId id="278" r:id="rId24"/>
-    <p:sldId id="279" r:id="rId25"/>
-    <p:sldId id="280" r:id="rId26"/>
-    <p:sldId id="281" r:id="rId27"/>
-    <p:sldId id="282" r:id="rId28"/>
-    <p:sldId id="283" r:id="rId29"/>
-    <p:sldId id="284" r:id="rId30"/>
-    <p:sldId id="286" r:id="rId31"/>
-    <p:sldId id="287" r:id="rId32"/>
-    <p:sldId id="288" r:id="rId33"/>
-    <p:sldId id="289" r:id="rId34"/>
-    <p:sldId id="285" r:id="rId35"/>
+    <p:sldId id="290" r:id="rId21"/>
+    <p:sldId id="291" r:id="rId22"/>
+    <p:sldId id="275" r:id="rId23"/>
+    <p:sldId id="276" r:id="rId24"/>
+    <p:sldId id="277" r:id="rId25"/>
+    <p:sldId id="278" r:id="rId26"/>
+    <p:sldId id="279" r:id="rId27"/>
+    <p:sldId id="280" r:id="rId28"/>
+    <p:sldId id="281" r:id="rId29"/>
+    <p:sldId id="282" r:id="rId30"/>
+    <p:sldId id="283" r:id="rId31"/>
+    <p:sldId id="284" r:id="rId32"/>
+    <p:sldId id="286" r:id="rId33"/>
+    <p:sldId id="292" r:id="rId34"/>
+    <p:sldId id="287" r:id="rId35"/>
+    <p:sldId id="288" r:id="rId36"/>
+    <p:sldId id="285" r:id="rId37"/>
   </p:sldIdLst>
   <p:sldSz cx="9144000" cy="5143500" type="screen16x9"/>
   <p:notesSz cx="6858000" cy="9144000"/>
   <p:embeddedFontLst>
     <p:embeddedFont>
       <p:font typeface="Lato" panose="020F0502020204030203" pitchFamily="34" charset="0"/>
-      <p:regular r:id="rId37"/>
-      <p:bold r:id="rId38"/>
-      <p:italic r:id="rId39"/>
-      <p:boldItalic r:id="rId40"/>
+      <p:regular r:id="rId39"/>
+      <p:bold r:id="rId40"/>
+      <p:italic r:id="rId41"/>
+      <p:boldItalic r:id="rId42"/>
     </p:embeddedFont>
     <p:embeddedFont>
       <p:font typeface="Lora" pitchFamily="2" charset="0"/>
-      <p:regular r:id="rId41"/>
-      <p:bold r:id="rId42"/>
-      <p:italic r:id="rId43"/>
-      <p:boldItalic r:id="rId44"/>
+      <p:regular r:id="rId43"/>
+      <p:bold r:id="rId44"/>
+      <p:italic r:id="rId45"/>
+      <p:boldItalic r:id="rId46"/>
     </p:embeddedFont>
     <p:embeddedFont>
       <p:font typeface="Lora Medium" pitchFamily="2" charset="0"/>
-      <p:regular r:id="rId45"/>
-      <p:bold r:id="rId46"/>
-      <p:italic r:id="rId47"/>
-      <p:boldItalic r:id="rId48"/>
+      <p:regular r:id="rId47"/>
+      <p:bold r:id="rId48"/>
+      <p:italic r:id="rId49"/>
+      <p:boldItalic r:id="rId50"/>
     </p:embeddedFont>
     <p:embeddedFont>
       <p:font typeface="Montserrat" panose="00000500000000000000" pitchFamily="2" charset="0"/>
-      <p:regular r:id="rId49"/>
-      <p:bold r:id="rId50"/>
-      <p:italic r:id="rId51"/>
-      <p:boldItalic r:id="rId52"/>
+      <p:regular r:id="rId51"/>
+      <p:bold r:id="rId52"/>
+      <p:italic r:id="rId53"/>
+      <p:boldItalic r:id="rId54"/>
     </p:embeddedFont>
     <p:embeddedFont>
       <p:font typeface="Oswald SemiBold" panose="00000700000000000000" pitchFamily="2" charset="0"/>
-      <p:regular r:id="rId53"/>
-      <p:bold r:id="rId54"/>
+      <p:regular r:id="rId55"/>
+      <p:bold r:id="rId56"/>
     </p:embeddedFont>
   </p:embeddedFontLst>
   <p:defaultTextStyle>
@@ -1838,7 +1840,7 @@
         </p:nvSpPr>
         <p:spPr>
           <a:xfrm>
-            <a:off x="381300" y="685800"/>
+            <a:off x="381000" y="685800"/>
             <a:ext cx="6096000" cy="3429000"/>
           </a:xfrm>
           <a:custGeom>
@@ -2022,6 +2024,224 @@
   <p:cSld>
     <p:spTree>
       <p:nvGrpSpPr>
+        <p:cNvPr id="1" name="Shape 276"/>
+        <p:cNvGrpSpPr/>
+        <p:nvPr/>
+      </p:nvGrpSpPr>
+      <p:grpSpPr>
+        <a:xfrm>
+          <a:off x="0" y="0"/>
+          <a:ext cx="0" cy="0"/>
+          <a:chOff x="0" y="0"/>
+          <a:chExt cx="0" cy="0"/>
+        </a:xfrm>
+      </p:grpSpPr>
+      <p:sp>
+        <p:nvSpPr>
+          <p:cNvPr id="277" name="Google Shape;277;g13f2ac8db08_1_67:notes"/>
+          <p:cNvSpPr>
+            <a:spLocks noGrp="1" noRot="1" noChangeAspect="1"/>
+          </p:cNvSpPr>
+          <p:nvPr>
+            <p:ph type="sldImg" idx="2"/>
+          </p:nvPr>
+        </p:nvSpPr>
+        <p:spPr>
+          <a:xfrm>
+            <a:off x="381000" y="685800"/>
+            <a:ext cx="6096000" cy="3429000"/>
+          </a:xfrm>
+          <a:custGeom>
+            <a:avLst/>
+            <a:gdLst/>
+            <a:ahLst/>
+            <a:cxnLst/>
+            <a:rect l="l" t="t" r="r" b="b"/>
+            <a:pathLst>
+              <a:path w="120000" h="120000" extrusionOk="0">
+                <a:moveTo>
+                  <a:pt x="0" y="0"/>
+                </a:moveTo>
+                <a:lnTo>
+                  <a:pt x="120000" y="0"/>
+                </a:lnTo>
+                <a:lnTo>
+                  <a:pt x="120000" y="120000"/>
+                </a:lnTo>
+                <a:lnTo>
+                  <a:pt x="0" y="120000"/>
+                </a:lnTo>
+                <a:close/>
+              </a:path>
+            </a:pathLst>
+          </a:custGeom>
+        </p:spPr>
+      </p:sp>
+      <p:sp>
+        <p:nvSpPr>
+          <p:cNvPr id="278" name="Google Shape;278;g13f2ac8db08_1_67:notes"/>
+          <p:cNvSpPr txBox="1">
+            <a:spLocks noGrp="1"/>
+          </p:cNvSpPr>
+          <p:nvPr>
+            <p:ph type="body" idx="1"/>
+          </p:nvPr>
+        </p:nvSpPr>
+        <p:spPr>
+          <a:xfrm>
+            <a:off x="685800" y="4343400"/>
+            <a:ext cx="5486400" cy="4114800"/>
+          </a:xfrm>
+          <a:prstGeom prst="rect">
+            <a:avLst/>
+          </a:prstGeom>
+        </p:spPr>
+        <p:txBody>
+          <a:bodyPr spcFirstLastPara="1" wrap="square" lIns="91425" tIns="91425" rIns="91425" bIns="91425" anchor="t" anchorCtr="0">
+            <a:noAutofit/>
+          </a:bodyPr>
+          <a:lstStyle/>
+          <a:p>
+            <a:pPr marL="0" lvl="0" indent="0" algn="l" rtl="0">
+              <a:spcBef>
+                <a:spcPts val="0"/>
+              </a:spcBef>
+              <a:spcAft>
+                <a:spcPts val="0"/>
+              </a:spcAft>
+              <a:buNone/>
+            </a:pPr>
+            <a:endParaRPr/>
+          </a:p>
+        </p:txBody>
+      </p:sp>
+    </p:spTree>
+    <p:extLst>
+      <p:ext uri="{BB962C8B-B14F-4D97-AF65-F5344CB8AC3E}">
+        <p14:creationId xmlns:p14="http://schemas.microsoft.com/office/powerpoint/2010/main" val="2144727544"/>
+      </p:ext>
+    </p:extLst>
+  </p:cSld>
+  <p:clrMapOvr>
+    <a:masterClrMapping/>
+  </p:clrMapOvr>
+</p:notes>
+</file>
+
+<file path=ppt/notesSlides/notesSlide21.xml><?xml version="1.0" encoding="utf-8"?>
+<p:notes xmlns:a="http://schemas.openxmlformats.org/drawingml/2006/main" xmlns:r="http://schemas.openxmlformats.org/officeDocument/2006/relationships" xmlns:p="http://schemas.openxmlformats.org/presentationml/2006/main" showMasterSp="0" showMasterPhAnim="0">
+  <p:cSld>
+    <p:spTree>
+      <p:nvGrpSpPr>
+        <p:cNvPr id="1" name="Shape 276"/>
+        <p:cNvGrpSpPr/>
+        <p:nvPr/>
+      </p:nvGrpSpPr>
+      <p:grpSpPr>
+        <a:xfrm>
+          <a:off x="0" y="0"/>
+          <a:ext cx="0" cy="0"/>
+          <a:chOff x="0" y="0"/>
+          <a:chExt cx="0" cy="0"/>
+        </a:xfrm>
+      </p:grpSpPr>
+      <p:sp>
+        <p:nvSpPr>
+          <p:cNvPr id="277" name="Google Shape;277;g13f2ac8db08_1_67:notes"/>
+          <p:cNvSpPr>
+            <a:spLocks noGrp="1" noRot="1" noChangeAspect="1"/>
+          </p:cNvSpPr>
+          <p:nvPr>
+            <p:ph type="sldImg" idx="2"/>
+          </p:nvPr>
+        </p:nvSpPr>
+        <p:spPr>
+          <a:xfrm>
+            <a:off x="381000" y="685800"/>
+            <a:ext cx="6096000" cy="3429000"/>
+          </a:xfrm>
+          <a:custGeom>
+            <a:avLst/>
+            <a:gdLst/>
+            <a:ahLst/>
+            <a:cxnLst/>
+            <a:rect l="l" t="t" r="r" b="b"/>
+            <a:pathLst>
+              <a:path w="120000" h="120000" extrusionOk="0">
+                <a:moveTo>
+                  <a:pt x="0" y="0"/>
+                </a:moveTo>
+                <a:lnTo>
+                  <a:pt x="120000" y="0"/>
+                </a:lnTo>
+                <a:lnTo>
+                  <a:pt x="120000" y="120000"/>
+                </a:lnTo>
+                <a:lnTo>
+                  <a:pt x="0" y="120000"/>
+                </a:lnTo>
+                <a:close/>
+              </a:path>
+            </a:pathLst>
+          </a:custGeom>
+        </p:spPr>
+      </p:sp>
+      <p:sp>
+        <p:nvSpPr>
+          <p:cNvPr id="278" name="Google Shape;278;g13f2ac8db08_1_67:notes"/>
+          <p:cNvSpPr txBox="1">
+            <a:spLocks noGrp="1"/>
+          </p:cNvSpPr>
+          <p:nvPr>
+            <p:ph type="body" idx="1"/>
+          </p:nvPr>
+        </p:nvSpPr>
+        <p:spPr>
+          <a:xfrm>
+            <a:off x="685800" y="4343400"/>
+            <a:ext cx="5486400" cy="4114800"/>
+          </a:xfrm>
+          <a:prstGeom prst="rect">
+            <a:avLst/>
+          </a:prstGeom>
+        </p:spPr>
+        <p:txBody>
+          <a:bodyPr spcFirstLastPara="1" wrap="square" lIns="91425" tIns="91425" rIns="91425" bIns="91425" anchor="t" anchorCtr="0">
+            <a:noAutofit/>
+          </a:bodyPr>
+          <a:lstStyle/>
+          <a:p>
+            <a:pPr marL="0" lvl="0" indent="0" algn="l" rtl="0">
+              <a:spcBef>
+                <a:spcPts val="0"/>
+              </a:spcBef>
+              <a:spcAft>
+                <a:spcPts val="0"/>
+              </a:spcAft>
+              <a:buNone/>
+            </a:pPr>
+            <a:endParaRPr/>
+          </a:p>
+        </p:txBody>
+      </p:sp>
+    </p:spTree>
+    <p:extLst>
+      <p:ext uri="{BB962C8B-B14F-4D97-AF65-F5344CB8AC3E}">
+        <p14:creationId xmlns:p14="http://schemas.microsoft.com/office/powerpoint/2010/main" val="2348768886"/>
+      </p:ext>
+    </p:extLst>
+  </p:cSld>
+  <p:clrMapOvr>
+    <a:masterClrMapping/>
+  </p:clrMapOvr>
+</p:notes>
+</file>
+
+<file path=ppt/notesSlides/notesSlide22.xml><?xml version="1.0" encoding="utf-8"?>
+<p:notes xmlns:a="http://schemas.openxmlformats.org/drawingml/2006/main" xmlns:r="http://schemas.openxmlformats.org/officeDocument/2006/relationships" xmlns:p="http://schemas.openxmlformats.org/presentationml/2006/main" showMasterSp="0" showMasterPhAnim="0">
+  <p:cSld>
+    <p:spTree>
+      <p:nvGrpSpPr>
         <p:cNvPr id="1" name="Shape 284"/>
         <p:cNvGrpSpPr/>
         <p:nvPr/>
@@ -2121,7 +2341,7 @@
 </p:notes>
 </file>
 
-<file path=ppt/notesSlides/notesSlide21.xml><?xml version="1.0" encoding="utf-8"?>
+<file path=ppt/notesSlides/notesSlide23.xml><?xml version="1.0" encoding="utf-8"?>
 <p:notes xmlns:a="http://schemas.openxmlformats.org/drawingml/2006/main" xmlns:r="http://schemas.openxmlformats.org/officeDocument/2006/relationships" xmlns:p="http://schemas.openxmlformats.org/presentationml/2006/main" showMasterSp="0" showMasterPhAnim="0">
   <p:cSld>
     <p:spTree>
@@ -2150,7 +2370,7 @@
         </p:nvSpPr>
         <p:spPr>
           <a:xfrm>
-            <a:off x="381300" y="685800"/>
+            <a:off x="381000" y="685800"/>
             <a:ext cx="6096000" cy="3429000"/>
           </a:xfrm>
           <a:custGeom>
@@ -2225,7 +2445,7 @@
 </p:notes>
 </file>
 
-<file path=ppt/notesSlides/notesSlide22.xml><?xml version="1.0" encoding="utf-8"?>
+<file path=ppt/notesSlides/notesSlide24.xml><?xml version="1.0" encoding="utf-8"?>
 <p:notes xmlns:a="http://schemas.openxmlformats.org/drawingml/2006/main" xmlns:r="http://schemas.openxmlformats.org/officeDocument/2006/relationships" xmlns:p="http://schemas.openxmlformats.org/presentationml/2006/main" showMasterSp="0" showMasterPhAnim="0">
   <p:cSld>
     <p:spTree>
@@ -2254,7 +2474,7 @@
         </p:nvSpPr>
         <p:spPr>
           <a:xfrm>
-            <a:off x="381300" y="685800"/>
+            <a:off x="381000" y="685800"/>
             <a:ext cx="6096000" cy="3429000"/>
           </a:xfrm>
           <a:custGeom>
@@ -2329,7 +2549,7 @@
 </p:notes>
 </file>
 
-<file path=ppt/notesSlides/notesSlide23.xml><?xml version="1.0" encoding="utf-8"?>
+<file path=ppt/notesSlides/notesSlide25.xml><?xml version="1.0" encoding="utf-8"?>
 <p:notes xmlns:a="http://schemas.openxmlformats.org/drawingml/2006/main" xmlns:r="http://schemas.openxmlformats.org/officeDocument/2006/relationships" xmlns:p="http://schemas.openxmlformats.org/presentationml/2006/main" showMasterSp="0" showMasterPhAnim="0">
   <p:cSld>
     <p:spTree>
@@ -2433,7 +2653,7 @@
 </p:notes>
 </file>
 
-<file path=ppt/notesSlides/notesSlide24.xml><?xml version="1.0" encoding="utf-8"?>
+<file path=ppt/notesSlides/notesSlide26.xml><?xml version="1.0" encoding="utf-8"?>
 <p:notes xmlns:a="http://schemas.openxmlformats.org/drawingml/2006/main" xmlns:r="http://schemas.openxmlformats.org/officeDocument/2006/relationships" xmlns:p="http://schemas.openxmlformats.org/presentationml/2006/main" showMasterSp="0" showMasterPhAnim="0">
   <p:cSld>
     <p:spTree>
@@ -2537,7 +2757,7 @@
 </p:notes>
 </file>
 
-<file path=ppt/notesSlides/notesSlide25.xml><?xml version="1.0" encoding="utf-8"?>
+<file path=ppt/notesSlides/notesSlide27.xml><?xml version="1.0" encoding="utf-8"?>
 <p:notes xmlns:a="http://schemas.openxmlformats.org/drawingml/2006/main" xmlns:r="http://schemas.openxmlformats.org/officeDocument/2006/relationships" xmlns:p="http://schemas.openxmlformats.org/presentationml/2006/main" showMasterSp="0" showMasterPhAnim="0">
   <p:cSld>
     <p:spTree>
@@ -2566,7 +2786,7 @@
         </p:nvSpPr>
         <p:spPr>
           <a:xfrm>
-            <a:off x="381300" y="685800"/>
+            <a:off x="381000" y="685800"/>
             <a:ext cx="6096000" cy="3429000"/>
           </a:xfrm>
           <a:custGeom>
@@ -2641,7 +2861,7 @@
 </p:notes>
 </file>
 
-<file path=ppt/notesSlides/notesSlide26.xml><?xml version="1.0" encoding="utf-8"?>
+<file path=ppt/notesSlides/notesSlide28.xml><?xml version="1.0" encoding="utf-8"?>
 <p:notes xmlns:a="http://schemas.openxmlformats.org/drawingml/2006/main" xmlns:r="http://schemas.openxmlformats.org/officeDocument/2006/relationships" xmlns:p="http://schemas.openxmlformats.org/presentationml/2006/main" showMasterSp="0" showMasterPhAnim="0">
   <p:cSld>
     <p:spTree>
@@ -2670,7 +2890,7 @@
         </p:nvSpPr>
         <p:spPr>
           <a:xfrm>
-            <a:off x="381300" y="685800"/>
+            <a:off x="381000" y="685800"/>
             <a:ext cx="6096000" cy="3429000"/>
           </a:xfrm>
           <a:custGeom>
@@ -2745,7 +2965,7 @@
 </p:notes>
 </file>
 
-<file path=ppt/notesSlides/notesSlide27.xml><?xml version="1.0" encoding="utf-8"?>
+<file path=ppt/notesSlides/notesSlide29.xml><?xml version="1.0" encoding="utf-8"?>
 <p:notes xmlns:a="http://schemas.openxmlformats.org/drawingml/2006/main" xmlns:r="http://schemas.openxmlformats.org/officeDocument/2006/relationships" xmlns:p="http://schemas.openxmlformats.org/presentationml/2006/main" showMasterSp="0" showMasterPhAnim="0">
   <p:cSld>
     <p:spTree>
@@ -2806,214 +3026,6 @@
       <p:sp>
         <p:nvSpPr>
           <p:cNvPr id="345" name="Google Shape;345;g13f2ac8db08_1_96:notes"/>
-          <p:cNvSpPr txBox="1">
-            <a:spLocks noGrp="1"/>
-          </p:cNvSpPr>
-          <p:nvPr>
-            <p:ph type="body" idx="1"/>
-          </p:nvPr>
-        </p:nvSpPr>
-        <p:spPr>
-          <a:xfrm>
-            <a:off x="685800" y="4343400"/>
-            <a:ext cx="5486400" cy="4114800"/>
-          </a:xfrm>
-          <a:prstGeom prst="rect">
-            <a:avLst/>
-          </a:prstGeom>
-        </p:spPr>
-        <p:txBody>
-          <a:bodyPr spcFirstLastPara="1" wrap="square" lIns="91425" tIns="91425" rIns="91425" bIns="91425" anchor="t" anchorCtr="0">
-            <a:noAutofit/>
-          </a:bodyPr>
-          <a:lstStyle/>
-          <a:p>
-            <a:pPr marL="0" lvl="0" indent="0" algn="l" rtl="0">
-              <a:spcBef>
-                <a:spcPts val="0"/>
-              </a:spcBef>
-              <a:spcAft>
-                <a:spcPts val="0"/>
-              </a:spcAft>
-              <a:buNone/>
-            </a:pPr>
-            <a:endParaRPr/>
-          </a:p>
-        </p:txBody>
-      </p:sp>
-    </p:spTree>
-  </p:cSld>
-  <p:clrMapOvr>
-    <a:masterClrMapping/>
-  </p:clrMapOvr>
-</p:notes>
-</file>
-
-<file path=ppt/notesSlides/notesSlide28.xml><?xml version="1.0" encoding="utf-8"?>
-<p:notes xmlns:a="http://schemas.openxmlformats.org/drawingml/2006/main" xmlns:r="http://schemas.openxmlformats.org/officeDocument/2006/relationships" xmlns:p="http://schemas.openxmlformats.org/presentationml/2006/main" showMasterSp="0" showMasterPhAnim="0">
-  <p:cSld>
-    <p:spTree>
-      <p:nvGrpSpPr>
-        <p:cNvPr id="1" name="Shape 351"/>
-        <p:cNvGrpSpPr/>
-        <p:nvPr/>
-      </p:nvGrpSpPr>
-      <p:grpSpPr>
-        <a:xfrm>
-          <a:off x="0" y="0"/>
-          <a:ext cx="0" cy="0"/>
-          <a:chOff x="0" y="0"/>
-          <a:chExt cx="0" cy="0"/>
-        </a:xfrm>
-      </p:grpSpPr>
-      <p:sp>
-        <p:nvSpPr>
-          <p:cNvPr id="352" name="Google Shape;352;g13f2ac8db08_1_110:notes"/>
-          <p:cNvSpPr>
-            <a:spLocks noGrp="1" noRot="1" noChangeAspect="1"/>
-          </p:cNvSpPr>
-          <p:nvPr>
-            <p:ph type="sldImg" idx="2"/>
-          </p:nvPr>
-        </p:nvSpPr>
-        <p:spPr>
-          <a:xfrm>
-            <a:off x="381000" y="685800"/>
-            <a:ext cx="6096000" cy="3429000"/>
-          </a:xfrm>
-          <a:custGeom>
-            <a:avLst/>
-            <a:gdLst/>
-            <a:ahLst/>
-            <a:cxnLst/>
-            <a:rect l="l" t="t" r="r" b="b"/>
-            <a:pathLst>
-              <a:path w="120000" h="120000" extrusionOk="0">
-                <a:moveTo>
-                  <a:pt x="0" y="0"/>
-                </a:moveTo>
-                <a:lnTo>
-                  <a:pt x="120000" y="0"/>
-                </a:lnTo>
-                <a:lnTo>
-                  <a:pt x="120000" y="120000"/>
-                </a:lnTo>
-                <a:lnTo>
-                  <a:pt x="0" y="120000"/>
-                </a:lnTo>
-                <a:close/>
-              </a:path>
-            </a:pathLst>
-          </a:custGeom>
-        </p:spPr>
-      </p:sp>
-      <p:sp>
-        <p:nvSpPr>
-          <p:cNvPr id="353" name="Google Shape;353;g13f2ac8db08_1_110:notes"/>
-          <p:cNvSpPr txBox="1">
-            <a:spLocks noGrp="1"/>
-          </p:cNvSpPr>
-          <p:nvPr>
-            <p:ph type="body" idx="1"/>
-          </p:nvPr>
-        </p:nvSpPr>
-        <p:spPr>
-          <a:xfrm>
-            <a:off x="685800" y="4343400"/>
-            <a:ext cx="5486400" cy="4114800"/>
-          </a:xfrm>
-          <a:prstGeom prst="rect">
-            <a:avLst/>
-          </a:prstGeom>
-        </p:spPr>
-        <p:txBody>
-          <a:bodyPr spcFirstLastPara="1" wrap="square" lIns="91425" tIns="91425" rIns="91425" bIns="91425" anchor="t" anchorCtr="0">
-            <a:noAutofit/>
-          </a:bodyPr>
-          <a:lstStyle/>
-          <a:p>
-            <a:pPr marL="0" lvl="0" indent="0" algn="l" rtl="0">
-              <a:spcBef>
-                <a:spcPts val="0"/>
-              </a:spcBef>
-              <a:spcAft>
-                <a:spcPts val="0"/>
-              </a:spcAft>
-              <a:buNone/>
-            </a:pPr>
-            <a:endParaRPr/>
-          </a:p>
-        </p:txBody>
-      </p:sp>
-    </p:spTree>
-  </p:cSld>
-  <p:clrMapOvr>
-    <a:masterClrMapping/>
-  </p:clrMapOvr>
-</p:notes>
-</file>
-
-<file path=ppt/notesSlides/notesSlide29.xml><?xml version="1.0" encoding="utf-8"?>
-<p:notes xmlns:a="http://schemas.openxmlformats.org/drawingml/2006/main" xmlns:r="http://schemas.openxmlformats.org/officeDocument/2006/relationships" xmlns:p="http://schemas.openxmlformats.org/presentationml/2006/main" showMasterSp="0" showMasterPhAnim="0">
-  <p:cSld>
-    <p:spTree>
-      <p:nvGrpSpPr>
-        <p:cNvPr id="1" name="Shape 359"/>
-        <p:cNvGrpSpPr/>
-        <p:nvPr/>
-      </p:nvGrpSpPr>
-      <p:grpSpPr>
-        <a:xfrm>
-          <a:off x="0" y="0"/>
-          <a:ext cx="0" cy="0"/>
-          <a:chOff x="0" y="0"/>
-          <a:chExt cx="0" cy="0"/>
-        </a:xfrm>
-      </p:grpSpPr>
-      <p:sp>
-        <p:nvSpPr>
-          <p:cNvPr id="360" name="Google Shape;360;g13f2ac8db08_1_118:notes"/>
-          <p:cNvSpPr>
-            <a:spLocks noGrp="1" noRot="1" noChangeAspect="1"/>
-          </p:cNvSpPr>
-          <p:nvPr>
-            <p:ph type="sldImg" idx="2"/>
-          </p:nvPr>
-        </p:nvSpPr>
-        <p:spPr>
-          <a:xfrm>
-            <a:off x="381300" y="685800"/>
-            <a:ext cx="6096000" cy="3429000"/>
-          </a:xfrm>
-          <a:custGeom>
-            <a:avLst/>
-            <a:gdLst/>
-            <a:ahLst/>
-            <a:cxnLst/>
-            <a:rect l="l" t="t" r="r" b="b"/>
-            <a:pathLst>
-              <a:path w="120000" h="120000" extrusionOk="0">
-                <a:moveTo>
-                  <a:pt x="0" y="0"/>
-                </a:moveTo>
-                <a:lnTo>
-                  <a:pt x="120000" y="0"/>
-                </a:lnTo>
-                <a:lnTo>
-                  <a:pt x="120000" y="120000"/>
-                </a:lnTo>
-                <a:lnTo>
-                  <a:pt x="0" y="120000"/>
-                </a:lnTo>
-                <a:close/>
-              </a:path>
-            </a:pathLst>
-          </a:custGeom>
-        </p:spPr>
-      </p:sp>
-      <p:sp>
-        <p:nvSpPr>
-          <p:cNvPr id="361" name="Google Shape;361;g13f2ac8db08_1_118:notes"/>
           <p:cNvSpPr txBox="1">
             <a:spLocks noGrp="1"/>
           </p:cNvSpPr>
@@ -3166,6 +3178,110 @@
   <p:cSld>
     <p:spTree>
       <p:nvGrpSpPr>
+        <p:cNvPr id="1" name="Shape 351"/>
+        <p:cNvGrpSpPr/>
+        <p:nvPr/>
+      </p:nvGrpSpPr>
+      <p:grpSpPr>
+        <a:xfrm>
+          <a:off x="0" y="0"/>
+          <a:ext cx="0" cy="0"/>
+          <a:chOff x="0" y="0"/>
+          <a:chExt cx="0" cy="0"/>
+        </a:xfrm>
+      </p:grpSpPr>
+      <p:sp>
+        <p:nvSpPr>
+          <p:cNvPr id="352" name="Google Shape;352;g13f2ac8db08_1_110:notes"/>
+          <p:cNvSpPr>
+            <a:spLocks noGrp="1" noRot="1" noChangeAspect="1"/>
+          </p:cNvSpPr>
+          <p:nvPr>
+            <p:ph type="sldImg" idx="2"/>
+          </p:nvPr>
+        </p:nvSpPr>
+        <p:spPr>
+          <a:xfrm>
+            <a:off x="381000" y="685800"/>
+            <a:ext cx="6096000" cy="3429000"/>
+          </a:xfrm>
+          <a:custGeom>
+            <a:avLst/>
+            <a:gdLst/>
+            <a:ahLst/>
+            <a:cxnLst/>
+            <a:rect l="l" t="t" r="r" b="b"/>
+            <a:pathLst>
+              <a:path w="120000" h="120000" extrusionOk="0">
+                <a:moveTo>
+                  <a:pt x="0" y="0"/>
+                </a:moveTo>
+                <a:lnTo>
+                  <a:pt x="120000" y="0"/>
+                </a:lnTo>
+                <a:lnTo>
+                  <a:pt x="120000" y="120000"/>
+                </a:lnTo>
+                <a:lnTo>
+                  <a:pt x="0" y="120000"/>
+                </a:lnTo>
+                <a:close/>
+              </a:path>
+            </a:pathLst>
+          </a:custGeom>
+        </p:spPr>
+      </p:sp>
+      <p:sp>
+        <p:nvSpPr>
+          <p:cNvPr id="353" name="Google Shape;353;g13f2ac8db08_1_110:notes"/>
+          <p:cNvSpPr txBox="1">
+            <a:spLocks noGrp="1"/>
+          </p:cNvSpPr>
+          <p:nvPr>
+            <p:ph type="body" idx="1"/>
+          </p:nvPr>
+        </p:nvSpPr>
+        <p:spPr>
+          <a:xfrm>
+            <a:off x="685800" y="4343400"/>
+            <a:ext cx="5486400" cy="4114800"/>
+          </a:xfrm>
+          <a:prstGeom prst="rect">
+            <a:avLst/>
+          </a:prstGeom>
+        </p:spPr>
+        <p:txBody>
+          <a:bodyPr spcFirstLastPara="1" wrap="square" lIns="91425" tIns="91425" rIns="91425" bIns="91425" anchor="t" anchorCtr="0">
+            <a:noAutofit/>
+          </a:bodyPr>
+          <a:lstStyle/>
+          <a:p>
+            <a:pPr marL="0" lvl="0" indent="0" algn="l" rtl="0">
+              <a:spcBef>
+                <a:spcPts val="0"/>
+              </a:spcBef>
+              <a:spcAft>
+                <a:spcPts val="0"/>
+              </a:spcAft>
+              <a:buNone/>
+            </a:pPr>
+            <a:endParaRPr/>
+          </a:p>
+        </p:txBody>
+      </p:sp>
+    </p:spTree>
+  </p:cSld>
+  <p:clrMapOvr>
+    <a:masterClrMapping/>
+  </p:clrMapOvr>
+</p:notes>
+</file>
+
+<file path=ppt/notesSlides/notesSlide31.xml><?xml version="1.0" encoding="utf-8"?>
+<p:notes xmlns:a="http://schemas.openxmlformats.org/drawingml/2006/main" xmlns:r="http://schemas.openxmlformats.org/officeDocument/2006/relationships" xmlns:p="http://schemas.openxmlformats.org/presentationml/2006/main" showMasterSp="0" showMasterPhAnim="0">
+  <p:cSld>
+    <p:spTree>
+      <p:nvGrpSpPr>
         <p:cNvPr id="1" name="Shape 359"/>
         <p:cNvGrpSpPr/>
         <p:nvPr/>
@@ -3190,7 +3306,7 @@
         </p:nvSpPr>
         <p:spPr>
           <a:xfrm>
-            <a:off x="381000" y="685800"/>
+            <a:off x="381300" y="685800"/>
             <a:ext cx="6096000" cy="3429000"/>
           </a:xfrm>
           <a:custGeom>
@@ -3258,120 +3374,6 @@
         </p:txBody>
       </p:sp>
     </p:spTree>
-    <p:extLst>
-      <p:ext uri="{BB962C8B-B14F-4D97-AF65-F5344CB8AC3E}">
-        <p14:creationId xmlns:p14="http://schemas.microsoft.com/office/powerpoint/2010/main" val="655206035"/>
-      </p:ext>
-    </p:extLst>
-  </p:cSld>
-  <p:clrMapOvr>
-    <a:masterClrMapping/>
-  </p:clrMapOvr>
-</p:notes>
-</file>
-
-<file path=ppt/notesSlides/notesSlide31.xml><?xml version="1.0" encoding="utf-8"?>
-<p:notes xmlns:a="http://schemas.openxmlformats.org/drawingml/2006/main" xmlns:r="http://schemas.openxmlformats.org/officeDocument/2006/relationships" xmlns:p="http://schemas.openxmlformats.org/presentationml/2006/main" showMasterSp="0" showMasterPhAnim="0">
-  <p:cSld>
-    <p:spTree>
-      <p:nvGrpSpPr>
-        <p:cNvPr id="1" name="Shape 359"/>
-        <p:cNvGrpSpPr/>
-        <p:nvPr/>
-      </p:nvGrpSpPr>
-      <p:grpSpPr>
-        <a:xfrm>
-          <a:off x="0" y="0"/>
-          <a:ext cx="0" cy="0"/>
-          <a:chOff x="0" y="0"/>
-          <a:chExt cx="0" cy="0"/>
-        </a:xfrm>
-      </p:grpSpPr>
-      <p:sp>
-        <p:nvSpPr>
-          <p:cNvPr id="360" name="Google Shape;360;g13f2ac8db08_1_118:notes"/>
-          <p:cNvSpPr>
-            <a:spLocks noGrp="1" noRot="1" noChangeAspect="1"/>
-          </p:cNvSpPr>
-          <p:nvPr>
-            <p:ph type="sldImg" idx="2"/>
-          </p:nvPr>
-        </p:nvSpPr>
-        <p:spPr>
-          <a:xfrm>
-            <a:off x="381000" y="685800"/>
-            <a:ext cx="6096000" cy="3429000"/>
-          </a:xfrm>
-          <a:custGeom>
-            <a:avLst/>
-            <a:gdLst/>
-            <a:ahLst/>
-            <a:cxnLst/>
-            <a:rect l="l" t="t" r="r" b="b"/>
-            <a:pathLst>
-              <a:path w="120000" h="120000" extrusionOk="0">
-                <a:moveTo>
-                  <a:pt x="0" y="0"/>
-                </a:moveTo>
-                <a:lnTo>
-                  <a:pt x="120000" y="0"/>
-                </a:lnTo>
-                <a:lnTo>
-                  <a:pt x="120000" y="120000"/>
-                </a:lnTo>
-                <a:lnTo>
-                  <a:pt x="0" y="120000"/>
-                </a:lnTo>
-                <a:close/>
-              </a:path>
-            </a:pathLst>
-          </a:custGeom>
-        </p:spPr>
-      </p:sp>
-      <p:sp>
-        <p:nvSpPr>
-          <p:cNvPr id="361" name="Google Shape;361;g13f2ac8db08_1_118:notes"/>
-          <p:cNvSpPr txBox="1">
-            <a:spLocks noGrp="1"/>
-          </p:cNvSpPr>
-          <p:nvPr>
-            <p:ph type="body" idx="1"/>
-          </p:nvPr>
-        </p:nvSpPr>
-        <p:spPr>
-          <a:xfrm>
-            <a:off x="685800" y="4343400"/>
-            <a:ext cx="5486400" cy="4114800"/>
-          </a:xfrm>
-          <a:prstGeom prst="rect">
-            <a:avLst/>
-          </a:prstGeom>
-        </p:spPr>
-        <p:txBody>
-          <a:bodyPr spcFirstLastPara="1" wrap="square" lIns="91425" tIns="91425" rIns="91425" bIns="91425" anchor="t" anchorCtr="0">
-            <a:noAutofit/>
-          </a:bodyPr>
-          <a:lstStyle/>
-          <a:p>
-            <a:pPr marL="0" lvl="0" indent="0" algn="l" rtl="0">
-              <a:spcBef>
-                <a:spcPts val="0"/>
-              </a:spcBef>
-              <a:spcAft>
-                <a:spcPts val="0"/>
-              </a:spcAft>
-              <a:buNone/>
-            </a:pPr>
-            <a:endParaRPr/>
-          </a:p>
-        </p:txBody>
-      </p:sp>
-    </p:spTree>
-    <p:extLst>
-      <p:ext uri="{BB962C8B-B14F-4D97-AF65-F5344CB8AC3E}">
-        <p14:creationId xmlns:p14="http://schemas.microsoft.com/office/powerpoint/2010/main" val="3493378454"/>
-      </p:ext>
-    </p:extLst>
   </p:cSld>
   <p:clrMapOvr>
     <a:masterClrMapping/>
@@ -3478,7 +3480,7 @@
     </p:spTree>
     <p:extLst>
       <p:ext uri="{BB962C8B-B14F-4D97-AF65-F5344CB8AC3E}">
-        <p14:creationId xmlns:p14="http://schemas.microsoft.com/office/powerpoint/2010/main" val="3184789793"/>
+        <p14:creationId xmlns:p14="http://schemas.microsoft.com/office/powerpoint/2010/main" val="655206035"/>
       </p:ext>
     </p:extLst>
   </p:cSld>
@@ -3587,7 +3589,7 @@
     </p:spTree>
     <p:extLst>
       <p:ext uri="{BB962C8B-B14F-4D97-AF65-F5344CB8AC3E}">
-        <p14:creationId xmlns:p14="http://schemas.microsoft.com/office/powerpoint/2010/main" val="121036084"/>
+        <p14:creationId xmlns:p14="http://schemas.microsoft.com/office/powerpoint/2010/main" val="3884167353"/>
       </p:ext>
     </p:extLst>
   </p:cSld>
@@ -3598,6 +3600,224 @@
 </file>
 
 <file path=ppt/notesSlides/notesSlide34.xml><?xml version="1.0" encoding="utf-8"?>
+<p:notes xmlns:a="http://schemas.openxmlformats.org/drawingml/2006/main" xmlns:r="http://schemas.openxmlformats.org/officeDocument/2006/relationships" xmlns:p="http://schemas.openxmlformats.org/presentationml/2006/main" showMasterSp="0" showMasterPhAnim="0">
+  <p:cSld>
+    <p:spTree>
+      <p:nvGrpSpPr>
+        <p:cNvPr id="1" name="Shape 359"/>
+        <p:cNvGrpSpPr/>
+        <p:nvPr/>
+      </p:nvGrpSpPr>
+      <p:grpSpPr>
+        <a:xfrm>
+          <a:off x="0" y="0"/>
+          <a:ext cx="0" cy="0"/>
+          <a:chOff x="0" y="0"/>
+          <a:chExt cx="0" cy="0"/>
+        </a:xfrm>
+      </p:grpSpPr>
+      <p:sp>
+        <p:nvSpPr>
+          <p:cNvPr id="360" name="Google Shape;360;g13f2ac8db08_1_118:notes"/>
+          <p:cNvSpPr>
+            <a:spLocks noGrp="1" noRot="1" noChangeAspect="1"/>
+          </p:cNvSpPr>
+          <p:nvPr>
+            <p:ph type="sldImg" idx="2"/>
+          </p:nvPr>
+        </p:nvSpPr>
+        <p:spPr>
+          <a:xfrm>
+            <a:off x="381000" y="685800"/>
+            <a:ext cx="6096000" cy="3429000"/>
+          </a:xfrm>
+          <a:custGeom>
+            <a:avLst/>
+            <a:gdLst/>
+            <a:ahLst/>
+            <a:cxnLst/>
+            <a:rect l="l" t="t" r="r" b="b"/>
+            <a:pathLst>
+              <a:path w="120000" h="120000" extrusionOk="0">
+                <a:moveTo>
+                  <a:pt x="0" y="0"/>
+                </a:moveTo>
+                <a:lnTo>
+                  <a:pt x="120000" y="0"/>
+                </a:lnTo>
+                <a:lnTo>
+                  <a:pt x="120000" y="120000"/>
+                </a:lnTo>
+                <a:lnTo>
+                  <a:pt x="0" y="120000"/>
+                </a:lnTo>
+                <a:close/>
+              </a:path>
+            </a:pathLst>
+          </a:custGeom>
+        </p:spPr>
+      </p:sp>
+      <p:sp>
+        <p:nvSpPr>
+          <p:cNvPr id="361" name="Google Shape;361;g13f2ac8db08_1_118:notes"/>
+          <p:cNvSpPr txBox="1">
+            <a:spLocks noGrp="1"/>
+          </p:cNvSpPr>
+          <p:nvPr>
+            <p:ph type="body" idx="1"/>
+          </p:nvPr>
+        </p:nvSpPr>
+        <p:spPr>
+          <a:xfrm>
+            <a:off x="685800" y="4343400"/>
+            <a:ext cx="5486400" cy="4114800"/>
+          </a:xfrm>
+          <a:prstGeom prst="rect">
+            <a:avLst/>
+          </a:prstGeom>
+        </p:spPr>
+        <p:txBody>
+          <a:bodyPr spcFirstLastPara="1" wrap="square" lIns="91425" tIns="91425" rIns="91425" bIns="91425" anchor="t" anchorCtr="0">
+            <a:noAutofit/>
+          </a:bodyPr>
+          <a:lstStyle/>
+          <a:p>
+            <a:pPr marL="0" lvl="0" indent="0" algn="l" rtl="0">
+              <a:spcBef>
+                <a:spcPts val="0"/>
+              </a:spcBef>
+              <a:spcAft>
+                <a:spcPts val="0"/>
+              </a:spcAft>
+              <a:buNone/>
+            </a:pPr>
+            <a:endParaRPr/>
+          </a:p>
+        </p:txBody>
+      </p:sp>
+    </p:spTree>
+    <p:extLst>
+      <p:ext uri="{BB962C8B-B14F-4D97-AF65-F5344CB8AC3E}">
+        <p14:creationId xmlns:p14="http://schemas.microsoft.com/office/powerpoint/2010/main" val="3493378454"/>
+      </p:ext>
+    </p:extLst>
+  </p:cSld>
+  <p:clrMapOvr>
+    <a:masterClrMapping/>
+  </p:clrMapOvr>
+</p:notes>
+</file>
+
+<file path=ppt/notesSlides/notesSlide35.xml><?xml version="1.0" encoding="utf-8"?>
+<p:notes xmlns:a="http://schemas.openxmlformats.org/drawingml/2006/main" xmlns:r="http://schemas.openxmlformats.org/officeDocument/2006/relationships" xmlns:p="http://schemas.openxmlformats.org/presentationml/2006/main" showMasterSp="0" showMasterPhAnim="0">
+  <p:cSld>
+    <p:spTree>
+      <p:nvGrpSpPr>
+        <p:cNvPr id="1" name="Shape 359"/>
+        <p:cNvGrpSpPr/>
+        <p:nvPr/>
+      </p:nvGrpSpPr>
+      <p:grpSpPr>
+        <a:xfrm>
+          <a:off x="0" y="0"/>
+          <a:ext cx="0" cy="0"/>
+          <a:chOff x="0" y="0"/>
+          <a:chExt cx="0" cy="0"/>
+        </a:xfrm>
+      </p:grpSpPr>
+      <p:sp>
+        <p:nvSpPr>
+          <p:cNvPr id="360" name="Google Shape;360;g13f2ac8db08_1_118:notes"/>
+          <p:cNvSpPr>
+            <a:spLocks noGrp="1" noRot="1" noChangeAspect="1"/>
+          </p:cNvSpPr>
+          <p:nvPr>
+            <p:ph type="sldImg" idx="2"/>
+          </p:nvPr>
+        </p:nvSpPr>
+        <p:spPr>
+          <a:xfrm>
+            <a:off x="381000" y="685800"/>
+            <a:ext cx="6096000" cy="3429000"/>
+          </a:xfrm>
+          <a:custGeom>
+            <a:avLst/>
+            <a:gdLst/>
+            <a:ahLst/>
+            <a:cxnLst/>
+            <a:rect l="l" t="t" r="r" b="b"/>
+            <a:pathLst>
+              <a:path w="120000" h="120000" extrusionOk="0">
+                <a:moveTo>
+                  <a:pt x="0" y="0"/>
+                </a:moveTo>
+                <a:lnTo>
+                  <a:pt x="120000" y="0"/>
+                </a:lnTo>
+                <a:lnTo>
+                  <a:pt x="120000" y="120000"/>
+                </a:lnTo>
+                <a:lnTo>
+                  <a:pt x="0" y="120000"/>
+                </a:lnTo>
+                <a:close/>
+              </a:path>
+            </a:pathLst>
+          </a:custGeom>
+        </p:spPr>
+      </p:sp>
+      <p:sp>
+        <p:nvSpPr>
+          <p:cNvPr id="361" name="Google Shape;361;g13f2ac8db08_1_118:notes"/>
+          <p:cNvSpPr txBox="1">
+            <a:spLocks noGrp="1"/>
+          </p:cNvSpPr>
+          <p:nvPr>
+            <p:ph type="body" idx="1"/>
+          </p:nvPr>
+        </p:nvSpPr>
+        <p:spPr>
+          <a:xfrm>
+            <a:off x="685800" y="4343400"/>
+            <a:ext cx="5486400" cy="4114800"/>
+          </a:xfrm>
+          <a:prstGeom prst="rect">
+            <a:avLst/>
+          </a:prstGeom>
+        </p:spPr>
+        <p:txBody>
+          <a:bodyPr spcFirstLastPara="1" wrap="square" lIns="91425" tIns="91425" rIns="91425" bIns="91425" anchor="t" anchorCtr="0">
+            <a:noAutofit/>
+          </a:bodyPr>
+          <a:lstStyle/>
+          <a:p>
+            <a:pPr marL="0" lvl="0" indent="0" algn="l" rtl="0">
+              <a:spcBef>
+                <a:spcPts val="0"/>
+              </a:spcBef>
+              <a:spcAft>
+                <a:spcPts val="0"/>
+              </a:spcAft>
+              <a:buNone/>
+            </a:pPr>
+            <a:endParaRPr/>
+          </a:p>
+        </p:txBody>
+      </p:sp>
+    </p:spTree>
+    <p:extLst>
+      <p:ext uri="{BB962C8B-B14F-4D97-AF65-F5344CB8AC3E}">
+        <p14:creationId xmlns:p14="http://schemas.microsoft.com/office/powerpoint/2010/main" val="3184789793"/>
+      </p:ext>
+    </p:extLst>
+  </p:cSld>
+  <p:clrMapOvr>
+    <a:masterClrMapping/>
+  </p:clrMapOvr>
+</p:notes>
+</file>
+
+<file path=ppt/notesSlides/notesSlide36.xml><?xml version="1.0" encoding="utf-8"?>
 <p:notes xmlns:a="http://schemas.openxmlformats.org/drawingml/2006/main" xmlns:r="http://schemas.openxmlformats.org/officeDocument/2006/relationships" xmlns:p="http://schemas.openxmlformats.org/presentationml/2006/main" showMasterSp="0" showMasterPhAnim="0">
   <p:cSld>
     <p:spTree>
@@ -3626,7 +3846,7 @@
         </p:nvSpPr>
         <p:spPr>
           <a:xfrm>
-            <a:off x="381300" y="685800"/>
+            <a:off x="381000" y="685800"/>
             <a:ext cx="6096000" cy="3429000"/>
           </a:xfrm>
           <a:custGeom>
@@ -3834,7 +4054,7 @@
         </p:nvSpPr>
         <p:spPr>
           <a:xfrm>
-            <a:off x="381300" y="685800"/>
+            <a:off x="381000" y="685800"/>
             <a:ext cx="6096000" cy="3429000"/>
           </a:xfrm>
           <a:custGeom>
@@ -14855,7 +15075,7 @@
         </p:spPr>
         <p:txBody>
           <a:bodyPr spcFirstLastPara="1" wrap="square" lIns="91425" tIns="91425" rIns="91425" bIns="91425" anchor="t" anchorCtr="0">
-            <a:normAutofit fontScale="47500" lnSpcReduction="10000"/>
+            <a:normAutofit fontScale="47500" lnSpcReduction="20000"/>
           </a:bodyPr>
           <a:lstStyle/>
           <a:p>
@@ -16966,96 +17186,6 @@
       </p:sp>
       <p:sp>
         <p:nvSpPr>
-          <p:cNvPr id="282" name="Google Shape;282;p31"/>
-          <p:cNvSpPr txBox="1">
-            <a:spLocks noGrp="1"/>
-          </p:cNvSpPr>
-          <p:nvPr>
-            <p:ph type="body" idx="1"/>
-          </p:nvPr>
-        </p:nvSpPr>
-        <p:spPr>
-          <a:xfrm>
-            <a:off x="311700" y="1690950"/>
-            <a:ext cx="8229600" cy="3179400"/>
-          </a:xfrm>
-          <a:prstGeom prst="rect">
-            <a:avLst/>
-          </a:prstGeom>
-        </p:spPr>
-        <p:txBody>
-          <a:bodyPr spcFirstLastPara="1" wrap="square" lIns="91425" tIns="91425" rIns="91425" bIns="91425" anchor="t" anchorCtr="0">
-            <a:normAutofit/>
-          </a:bodyPr>
-          <a:lstStyle/>
-          <a:p>
-            <a:pPr marL="0" lvl="0" indent="0" algn="just" rtl="0">
-              <a:spcBef>
-                <a:spcPts val="0"/>
-              </a:spcBef>
-              <a:spcAft>
-                <a:spcPts val="0"/>
-              </a:spcAft>
-              <a:buNone/>
-            </a:pPr>
-            <a:r>
-              <a:rPr lang="es" sz="2860"/>
-              <a:t>{ En proceso }</a:t>
-            </a:r>
-            <a:endParaRPr sz="2860"/>
-          </a:p>
-          <a:p>
-            <a:pPr marL="0" lvl="0" indent="0" algn="l" rtl="0">
-              <a:spcBef>
-                <a:spcPts val="1200"/>
-              </a:spcBef>
-              <a:spcAft>
-                <a:spcPts val="0"/>
-              </a:spcAft>
-              <a:buNone/>
-            </a:pPr>
-            <a:endParaRPr/>
-          </a:p>
-          <a:p>
-            <a:pPr marL="0" lvl="0" indent="0" algn="l" rtl="0">
-              <a:spcBef>
-                <a:spcPts val="1200"/>
-              </a:spcBef>
-              <a:spcAft>
-                <a:spcPts val="0"/>
-              </a:spcAft>
-              <a:buNone/>
-            </a:pPr>
-            <a:endParaRPr/>
-          </a:p>
-          <a:p>
-            <a:pPr marL="0" lvl="0" indent="0" algn="l" rtl="0">
-              <a:spcBef>
-                <a:spcPts val="1200"/>
-              </a:spcBef>
-              <a:spcAft>
-                <a:spcPts val="0"/>
-              </a:spcAft>
-              <a:buNone/>
-            </a:pPr>
-            <a:endParaRPr/>
-          </a:p>
-          <a:p>
-            <a:pPr marL="0" lvl="0" indent="0" algn="l" rtl="0">
-              <a:spcBef>
-                <a:spcPts val="1200"/>
-              </a:spcBef>
-              <a:spcAft>
-                <a:spcPts val="1200"/>
-              </a:spcAft>
-              <a:buNone/>
-            </a:pPr>
-            <a:endParaRPr/>
-          </a:p>
-        </p:txBody>
-      </p:sp>
-      <p:sp>
-        <p:nvSpPr>
           <p:cNvPr id="283" name="Google Shape;283;p31"/>
           <p:cNvSpPr txBox="1">
             <a:spLocks noGrp="1"/>
@@ -17067,7 +17197,7 @@
         <p:spPr>
           <a:xfrm>
             <a:off x="1078725" y="557700"/>
-            <a:ext cx="3738300" cy="755700"/>
+            <a:ext cx="7406056" cy="755700"/>
           </a:xfrm>
           <a:prstGeom prst="rect">
             <a:avLst/>
@@ -17089,15 +17219,15 @@
               <a:buNone/>
             </a:pPr>
             <a:r>
-              <a:rPr lang="es" sz="2600">
+              <a:rPr lang="es" sz="2600" dirty="0">
                 <a:latin typeface="Lora"/>
                 <a:ea typeface="Lora"/>
                 <a:cs typeface="Lora"/>
                 <a:sym typeface="Lora"/>
               </a:rPr>
-              <a:t>PCA</a:t>
-            </a:r>
-            <a:endParaRPr sz="2600">
+              <a:t>PCA: Análisis de componentes</a:t>
+            </a:r>
+            <a:endParaRPr sz="2600" dirty="0">
               <a:latin typeface="Lora"/>
               <a:ea typeface="Lora"/>
               <a:cs typeface="Lora"/>
@@ -17106,6 +17236,151 @@
           </a:p>
         </p:txBody>
       </p:sp>
+      <p:sp>
+        <p:nvSpPr>
+          <p:cNvPr id="3" name="Marcador de texto 2">
+            <a:extLst>
+              <a:ext uri="{FF2B5EF4-FFF2-40B4-BE49-F238E27FC236}">
+                <a16:creationId xmlns:a16="http://schemas.microsoft.com/office/drawing/2014/main" id="{F4FCC436-7A01-A409-73A0-0363D2927580}"/>
+              </a:ext>
+            </a:extLst>
+          </p:cNvPr>
+          <p:cNvSpPr>
+            <a:spLocks noGrp="1"/>
+          </p:cNvSpPr>
+          <p:nvPr>
+            <p:ph type="body" idx="1"/>
+          </p:nvPr>
+        </p:nvSpPr>
+        <p:spPr>
+          <a:xfrm>
+            <a:off x="106326" y="1433680"/>
+            <a:ext cx="8782492" cy="2415900"/>
+          </a:xfrm>
+        </p:spPr>
+        <p:txBody>
+          <a:bodyPr>
+            <a:normAutofit/>
+          </a:bodyPr>
+          <a:lstStyle/>
+          <a:p>
+            <a:pPr marL="146050" indent="0" algn="just">
+              <a:buNone/>
+            </a:pPr>
+            <a:r>
+              <a:rPr lang="es-AR" sz="1400" dirty="0">
+                <a:latin typeface="Lora" pitchFamily="2" charset="0"/>
+              </a:rPr>
+              <a:t>El análisis de componentes principales, </a:t>
+            </a:r>
+            <a:r>
+              <a:rPr lang="es-AR" sz="1400" i="1" dirty="0">
+                <a:latin typeface="Lora" pitchFamily="2" charset="0"/>
+              </a:rPr>
+              <a:t>Principal </a:t>
+            </a:r>
+            <a:r>
+              <a:rPr lang="es-AR" sz="1400" i="1" dirty="0" err="1">
+                <a:latin typeface="Lora" pitchFamily="2" charset="0"/>
+              </a:rPr>
+              <a:t>Component</a:t>
+            </a:r>
+            <a:r>
+              <a:rPr lang="es-AR" sz="1400" i="1" dirty="0">
+                <a:latin typeface="Lora" pitchFamily="2" charset="0"/>
+              </a:rPr>
+              <a:t> </a:t>
+            </a:r>
+            <a:r>
+              <a:rPr lang="es-AR" sz="1400" i="1" dirty="0" err="1">
+                <a:latin typeface="Lora" pitchFamily="2" charset="0"/>
+              </a:rPr>
+              <a:t>Analysis</a:t>
+            </a:r>
+            <a:r>
+              <a:rPr lang="es-AR" sz="1400" i="1" dirty="0">
+                <a:latin typeface="Lora" pitchFamily="2" charset="0"/>
+              </a:rPr>
+              <a:t> PCA,</a:t>
+            </a:r>
+            <a:r>
+              <a:rPr lang="es-AR" sz="1400" dirty="0">
+                <a:latin typeface="Lora" pitchFamily="2" charset="0"/>
+              </a:rPr>
+              <a:t> es un método de reducción de dimensionalidad que permite simplificar la complejidad de espacios con múltiples dimensiones a la vez que conserva su información.</a:t>
+            </a:r>
+          </a:p>
+          <a:p>
+            <a:pPr marL="146050" indent="0" algn="just">
+              <a:buNone/>
+            </a:pPr>
+            <a:endParaRPr lang="es-AR" sz="1400" dirty="0">
+              <a:latin typeface="Lora" pitchFamily="2" charset="0"/>
+            </a:endParaRPr>
+          </a:p>
+          <a:p>
+            <a:pPr marL="146050" indent="0" algn="just">
+              <a:buNone/>
+            </a:pPr>
+            <a:r>
+              <a:rPr lang="es-AR" sz="1400" dirty="0">
+                <a:latin typeface="Lora" pitchFamily="2" charset="0"/>
+              </a:rPr>
+              <a:t>Extrajimos tantos componentes como variables presentes en nuestra base de datos, en este caso 12, y creamos un nuevo </a:t>
+            </a:r>
+            <a:r>
+              <a:rPr lang="es-AR" sz="1400" i="1" dirty="0" err="1">
+                <a:latin typeface="Lora" pitchFamily="2" charset="0"/>
+              </a:rPr>
+              <a:t>dataframe</a:t>
+            </a:r>
+            <a:r>
+              <a:rPr lang="es-AR" sz="1400" dirty="0">
+                <a:latin typeface="Lora" pitchFamily="2" charset="0"/>
+              </a:rPr>
+              <a:t> con la información de los componentes principales:</a:t>
+            </a:r>
+          </a:p>
+          <a:p>
+            <a:pPr marL="146050" indent="0" algn="just">
+              <a:buNone/>
+            </a:pPr>
+            <a:endParaRPr lang="es-AR" sz="1400" dirty="0">
+              <a:latin typeface="Lora" pitchFamily="2" charset="0"/>
+            </a:endParaRPr>
+          </a:p>
+        </p:txBody>
+      </p:sp>
+      <p:pic>
+        <p:nvPicPr>
+          <p:cNvPr id="5" name="Imagen 4">
+            <a:extLst>
+              <a:ext uri="{FF2B5EF4-FFF2-40B4-BE49-F238E27FC236}">
+                <a16:creationId xmlns:a16="http://schemas.microsoft.com/office/drawing/2014/main" id="{4935B735-FF97-08D3-07BA-FC2AD07EAE2F}"/>
+              </a:ext>
+            </a:extLst>
+          </p:cNvPr>
+          <p:cNvPicPr>
+            <a:picLocks noChangeAspect="1"/>
+          </p:cNvPicPr>
+          <p:nvPr/>
+        </p:nvPicPr>
+        <p:blipFill>
+          <a:blip r:embed="rId4"/>
+          <a:stretch>
+            <a:fillRect/>
+          </a:stretch>
+        </p:blipFill>
+        <p:spPr>
+          <a:xfrm>
+            <a:off x="308931" y="3141185"/>
+            <a:ext cx="8486775" cy="1657350"/>
+          </a:xfrm>
+          <a:prstGeom prst="rect">
+            <a:avLst/>
+          </a:prstGeom>
+        </p:spPr>
+      </p:pic>
     </p:spTree>
   </p:cSld>
   <p:clrMapOvr>
@@ -17163,50 +17438,6 @@
                                         <p:cTn id="7" dur="1000"/>
                                         <p:tgtEl>
                                           <p:spTgt spid="281"/>
-                                        </p:tgtEl>
-                                      </p:cBhvr>
-                                    </p:animEffect>
-                                  </p:childTnLst>
-                                </p:cTn>
-                              </p:par>
-                            </p:childTnLst>
-                          </p:cTn>
-                        </p:par>
-                        <p:par>
-                          <p:cTn id="8" fill="hold">
-                            <p:stCondLst>
-                              <p:cond delay="1000"/>
-                            </p:stCondLst>
-                            <p:childTnLst>
-                              <p:par>
-                                <p:cTn id="9" presetID="10" presetClass="entr" presetSubtype="0" fill="hold" nodeType="afterEffect">
-                                  <p:stCondLst>
-                                    <p:cond delay="0"/>
-                                  </p:stCondLst>
-                                  <p:childTnLst>
-                                    <p:set>
-                                      <p:cBhvr>
-                                        <p:cTn id="10" dur="1" fill="hold">
-                                          <p:stCondLst>
-                                            <p:cond delay="0"/>
-                                          </p:stCondLst>
-                                        </p:cTn>
-                                        <p:tgtEl>
-                                          <p:spTgt spid="282"/>
-                                        </p:tgtEl>
-                                        <p:attrNameLst>
-                                          <p:attrName>style.visibility</p:attrName>
-                                        </p:attrNameLst>
-                                      </p:cBhvr>
-                                      <p:to>
-                                        <p:strVal val="visible"/>
-                                      </p:to>
-                                    </p:set>
-                                    <p:animEffect transition="in" filter="fade">
-                                      <p:cBhvr>
-                                        <p:cTn id="11" dur="1000"/>
-                                        <p:tgtEl>
-                                          <p:spTgt spid="282"/>
                                         </p:tgtEl>
                                       </p:cBhvr>
                                     </p:animEffect>
@@ -17653,6 +17884,854 @@
   <p:cSld>
     <p:spTree>
       <p:nvGrpSpPr>
+        <p:cNvPr id="1" name="Shape 279"/>
+        <p:cNvGrpSpPr/>
+        <p:nvPr/>
+      </p:nvGrpSpPr>
+      <p:grpSpPr>
+        <a:xfrm>
+          <a:off x="0" y="0"/>
+          <a:ext cx="0" cy="0"/>
+          <a:chOff x="0" y="0"/>
+          <a:chExt cx="0" cy="0"/>
+        </a:xfrm>
+      </p:grpSpPr>
+      <p:pic>
+        <p:nvPicPr>
+          <p:cNvPr id="280" name="Google Shape;280;p31"/>
+          <p:cNvPicPr preferRelativeResize="0"/>
+          <p:nvPr/>
+        </p:nvPicPr>
+        <p:blipFill rotWithShape="1">
+          <a:blip r:embed="rId3">
+            <a:alphaModFix amt="21000"/>
+          </a:blip>
+          <a:srcRect l="-110" t="9719" r="-110" b="2714"/>
+          <a:stretch/>
+        </p:blipFill>
+        <p:spPr>
+          <a:xfrm>
+            <a:off x="0" y="0"/>
+            <a:ext cx="9144000" cy="5143500"/>
+          </a:xfrm>
+          <a:prstGeom prst="rect">
+            <a:avLst/>
+          </a:prstGeom>
+          <a:noFill/>
+          <a:ln>
+            <a:noFill/>
+          </a:ln>
+        </p:spPr>
+      </p:pic>
+      <p:sp>
+        <p:nvSpPr>
+          <p:cNvPr id="281" name="Google Shape;281;p31"/>
+          <p:cNvSpPr txBox="1">
+            <a:spLocks noGrp="1"/>
+          </p:cNvSpPr>
+          <p:nvPr>
+            <p:ph type="title"/>
+          </p:nvPr>
+        </p:nvSpPr>
+        <p:spPr>
+          <a:xfrm>
+            <a:off x="235500" y="555600"/>
+            <a:ext cx="843300" cy="755700"/>
+          </a:xfrm>
+          <a:prstGeom prst="rect">
+            <a:avLst/>
+          </a:prstGeom>
+        </p:spPr>
+        <p:txBody>
+          <a:bodyPr spcFirstLastPara="1" wrap="square" lIns="91425" tIns="91425" rIns="91425" bIns="91425" anchor="t" anchorCtr="0">
+            <a:noAutofit/>
+          </a:bodyPr>
+          <a:lstStyle/>
+          <a:p>
+            <a:pPr marL="0" lvl="0" indent="0" algn="l" rtl="0">
+              <a:spcBef>
+                <a:spcPts val="0"/>
+              </a:spcBef>
+              <a:spcAft>
+                <a:spcPts val="0"/>
+              </a:spcAft>
+              <a:buNone/>
+            </a:pPr>
+            <a:r>
+              <a:rPr lang="es" sz="4600">
+                <a:latin typeface="Oswald SemiBold"/>
+                <a:ea typeface="Oswald SemiBold"/>
+                <a:cs typeface="Oswald SemiBold"/>
+                <a:sym typeface="Oswald SemiBold"/>
+              </a:rPr>
+              <a:t>04</a:t>
+            </a:r>
+            <a:endParaRPr sz="4600">
+              <a:latin typeface="Oswald SemiBold"/>
+              <a:ea typeface="Oswald SemiBold"/>
+              <a:cs typeface="Oswald SemiBold"/>
+              <a:sym typeface="Oswald SemiBold"/>
+            </a:endParaRPr>
+          </a:p>
+        </p:txBody>
+      </p:sp>
+      <p:sp>
+        <p:nvSpPr>
+          <p:cNvPr id="283" name="Google Shape;283;p31"/>
+          <p:cNvSpPr txBox="1">
+            <a:spLocks noGrp="1"/>
+          </p:cNvSpPr>
+          <p:nvPr>
+            <p:ph type="title"/>
+          </p:nvPr>
+        </p:nvSpPr>
+        <p:spPr>
+          <a:xfrm>
+            <a:off x="1078725" y="557700"/>
+            <a:ext cx="7406056" cy="755700"/>
+          </a:xfrm>
+          <a:prstGeom prst="rect">
+            <a:avLst/>
+          </a:prstGeom>
+        </p:spPr>
+        <p:txBody>
+          <a:bodyPr spcFirstLastPara="1" wrap="square" lIns="91425" tIns="91425" rIns="91425" bIns="91425" anchor="t" anchorCtr="0">
+            <a:normAutofit/>
+          </a:bodyPr>
+          <a:lstStyle/>
+          <a:p>
+            <a:pPr marL="0" lvl="0" indent="0" algn="l" rtl="0">
+              <a:spcBef>
+                <a:spcPts val="0"/>
+              </a:spcBef>
+              <a:spcAft>
+                <a:spcPts val="0"/>
+              </a:spcAft>
+              <a:buNone/>
+            </a:pPr>
+            <a:r>
+              <a:rPr lang="es" sz="2600" dirty="0">
+                <a:latin typeface="Lora"/>
+                <a:ea typeface="Lora"/>
+                <a:cs typeface="Lora"/>
+                <a:sym typeface="Lora"/>
+              </a:rPr>
+              <a:t>PCA: Análisis de componentes</a:t>
+            </a:r>
+            <a:endParaRPr sz="2600" dirty="0">
+              <a:latin typeface="Lora"/>
+              <a:ea typeface="Lora"/>
+              <a:cs typeface="Lora"/>
+              <a:sym typeface="Lora"/>
+            </a:endParaRPr>
+          </a:p>
+        </p:txBody>
+      </p:sp>
+      <p:sp>
+        <p:nvSpPr>
+          <p:cNvPr id="3" name="Marcador de texto 2">
+            <a:extLst>
+              <a:ext uri="{FF2B5EF4-FFF2-40B4-BE49-F238E27FC236}">
+                <a16:creationId xmlns:a16="http://schemas.microsoft.com/office/drawing/2014/main" id="{F4FCC436-7A01-A409-73A0-0363D2927580}"/>
+              </a:ext>
+            </a:extLst>
+          </p:cNvPr>
+          <p:cNvSpPr>
+            <a:spLocks noGrp="1"/>
+          </p:cNvSpPr>
+          <p:nvPr>
+            <p:ph type="body" idx="1"/>
+          </p:nvPr>
+        </p:nvSpPr>
+        <p:spPr>
+          <a:xfrm>
+            <a:off x="106326" y="1433679"/>
+            <a:ext cx="8782492" cy="3542357"/>
+          </a:xfrm>
+        </p:spPr>
+        <p:txBody>
+          <a:bodyPr>
+            <a:normAutofit fontScale="92500" lnSpcReduction="10000"/>
+          </a:bodyPr>
+          <a:lstStyle/>
+          <a:p>
+            <a:pPr marL="146050" indent="0" algn="just">
+              <a:buNone/>
+            </a:pPr>
+            <a:r>
+              <a:rPr lang="es-AR" sz="1400" dirty="0">
+                <a:latin typeface="Lora" pitchFamily="2" charset="0"/>
+              </a:rPr>
+              <a:t>En segundo lugar, se realiza un análisis de correlaciones para ver qué variables de nuestro </a:t>
+            </a:r>
+            <a:r>
+              <a:rPr lang="es-AR" sz="1400" i="1" dirty="0" err="1">
+                <a:latin typeface="Lora" pitchFamily="2" charset="0"/>
+              </a:rPr>
+              <a:t>Dataset</a:t>
+            </a:r>
+            <a:r>
+              <a:rPr lang="es-AR" sz="1400" dirty="0">
+                <a:latin typeface="Lora" pitchFamily="2" charset="0"/>
+              </a:rPr>
+              <a:t> se explican mejor según cada componente principal, llegando a las siguientes conclusiones:</a:t>
+            </a:r>
+          </a:p>
+          <a:p>
+            <a:pPr marL="146050" indent="0" algn="just">
+              <a:buNone/>
+            </a:pPr>
+            <a:endParaRPr lang="es-AR" sz="1400" dirty="0">
+              <a:latin typeface="Lora" pitchFamily="2" charset="0"/>
+            </a:endParaRPr>
+          </a:p>
+          <a:p>
+            <a:pPr algn="just"/>
+            <a:r>
+              <a:rPr lang="es-AR" sz="1400" dirty="0">
+                <a:latin typeface="Lora" pitchFamily="2" charset="0"/>
+              </a:rPr>
+              <a:t>PC</a:t>
+            </a:r>
+            <a:r>
+              <a:rPr lang="es-AR" sz="1400" baseline="-25000" dirty="0">
+                <a:latin typeface="Lora" pitchFamily="2" charset="0"/>
+              </a:rPr>
+              <a:t>1</a:t>
+            </a:r>
+            <a:r>
+              <a:rPr lang="es-AR" sz="1400" dirty="0">
+                <a:latin typeface="Lora" pitchFamily="2" charset="0"/>
+              </a:rPr>
+              <a:t> está altamente correlacionada a las variables: ANTIGUEDAD CLIENTE, POINT RENTABLE, SCORE EXTERNO, SCORE INTERNO</a:t>
+            </a:r>
+          </a:p>
+          <a:p>
+            <a:pPr algn="just"/>
+            <a:endParaRPr lang="es-AR" sz="1400" dirty="0">
+              <a:latin typeface="Lora" pitchFamily="2" charset="0"/>
+            </a:endParaRPr>
+          </a:p>
+          <a:p>
+            <a:pPr algn="just"/>
+            <a:r>
+              <a:rPr lang="es-AR" sz="1400" dirty="0">
+                <a:latin typeface="Lora" pitchFamily="2" charset="0"/>
+              </a:rPr>
+              <a:t>PC</a:t>
+            </a:r>
+            <a:r>
+              <a:rPr lang="es-AR" sz="1400" baseline="-25000" dirty="0">
+                <a:latin typeface="Lora" pitchFamily="2" charset="0"/>
+              </a:rPr>
+              <a:t>2</a:t>
+            </a:r>
+            <a:r>
+              <a:rPr lang="es-AR" sz="1400" dirty="0">
+                <a:latin typeface="Lora" pitchFamily="2" charset="0"/>
+              </a:rPr>
+              <a:t> está altamente correlacionada a las variables: CANAL, SUBCANAL</a:t>
+            </a:r>
+          </a:p>
+          <a:p>
+            <a:pPr algn="just"/>
+            <a:endParaRPr lang="es-AR" sz="1400" dirty="0">
+              <a:latin typeface="Lora" pitchFamily="2" charset="0"/>
+            </a:endParaRPr>
+          </a:p>
+          <a:p>
+            <a:pPr algn="just"/>
+            <a:r>
+              <a:rPr lang="es-AR" sz="1400" dirty="0">
+                <a:latin typeface="Lora" pitchFamily="2" charset="0"/>
+              </a:rPr>
+              <a:t>PC</a:t>
+            </a:r>
+            <a:r>
+              <a:rPr lang="es-AR" sz="1400" baseline="-25000" dirty="0">
+                <a:latin typeface="Lora" pitchFamily="2" charset="0"/>
+              </a:rPr>
+              <a:t>3</a:t>
+            </a:r>
+            <a:r>
+              <a:rPr lang="es-AR" sz="1400" dirty="0">
+                <a:latin typeface="Lora" pitchFamily="2" charset="0"/>
+              </a:rPr>
+              <a:t> está altamente correlacionada a la variable: EDAD CONTRATACION</a:t>
+            </a:r>
+          </a:p>
+          <a:p>
+            <a:pPr algn="just"/>
+            <a:endParaRPr lang="es-AR" sz="1400" dirty="0">
+              <a:latin typeface="Lora" pitchFamily="2" charset="0"/>
+            </a:endParaRPr>
+          </a:p>
+          <a:p>
+            <a:pPr algn="just"/>
+            <a:r>
+              <a:rPr lang="es-AR" sz="1400" dirty="0">
+                <a:latin typeface="Lora" pitchFamily="2" charset="0"/>
+              </a:rPr>
+              <a:t>PC</a:t>
+            </a:r>
+            <a:r>
+              <a:rPr lang="es-AR" sz="1400" baseline="-25000" dirty="0">
+                <a:latin typeface="Lora" pitchFamily="2" charset="0"/>
+              </a:rPr>
+              <a:t>12</a:t>
+            </a:r>
+            <a:r>
+              <a:rPr lang="es-AR" sz="1400" dirty="0">
+                <a:latin typeface="Lora" pitchFamily="2" charset="0"/>
+              </a:rPr>
+              <a:t> está altamente correlacionada a las variables: EDAD, EDAD CONTRATACION Y PC</a:t>
+            </a:r>
+            <a:r>
+              <a:rPr lang="es-AR" sz="1400" baseline="-25000" dirty="0">
+                <a:latin typeface="Lora" pitchFamily="2" charset="0"/>
+              </a:rPr>
+              <a:t>1</a:t>
+            </a:r>
+          </a:p>
+          <a:p>
+            <a:pPr algn="just"/>
+            <a:endParaRPr lang="es-AR" sz="1400" dirty="0">
+              <a:latin typeface="Lora" pitchFamily="2" charset="0"/>
+            </a:endParaRPr>
+          </a:p>
+          <a:p>
+            <a:pPr algn="just"/>
+            <a:r>
+              <a:rPr lang="es-AR" sz="1400" dirty="0">
+                <a:latin typeface="Lora" pitchFamily="2" charset="0"/>
+              </a:rPr>
+              <a:t>PC</a:t>
+            </a:r>
+            <a:r>
+              <a:rPr lang="es-AR" sz="1400" baseline="-25000" dirty="0">
+                <a:latin typeface="Lora" pitchFamily="2" charset="0"/>
+              </a:rPr>
+              <a:t>1</a:t>
+            </a:r>
+            <a:r>
+              <a:rPr lang="es-AR" sz="1400" dirty="0">
+                <a:latin typeface="Lora" pitchFamily="2" charset="0"/>
+              </a:rPr>
+              <a:t> podría ser una nueva variable llamada "SCORES"</a:t>
+            </a:r>
+          </a:p>
+          <a:p>
+            <a:pPr algn="just"/>
+            <a:endParaRPr lang="es-AR" sz="1400" dirty="0">
+              <a:latin typeface="Lora" pitchFamily="2" charset="0"/>
+            </a:endParaRPr>
+          </a:p>
+          <a:p>
+            <a:pPr algn="just"/>
+            <a:r>
+              <a:rPr lang="es-AR" sz="1400" dirty="0">
+                <a:latin typeface="Lora" pitchFamily="2" charset="0"/>
+              </a:rPr>
+              <a:t>PC</a:t>
+            </a:r>
+            <a:r>
+              <a:rPr lang="es-AR" sz="1400" baseline="-25000" dirty="0">
+                <a:latin typeface="Lora" pitchFamily="2" charset="0"/>
+              </a:rPr>
+              <a:t>2</a:t>
+            </a:r>
+            <a:r>
+              <a:rPr lang="es-AR" sz="1400" dirty="0">
+                <a:latin typeface="Lora" pitchFamily="2" charset="0"/>
+              </a:rPr>
+              <a:t> podría ser una nueva variable llamada "CANALES"</a:t>
+            </a:r>
+          </a:p>
+        </p:txBody>
+      </p:sp>
+    </p:spTree>
+    <p:extLst>
+      <p:ext uri="{BB962C8B-B14F-4D97-AF65-F5344CB8AC3E}">
+        <p14:creationId xmlns:p14="http://schemas.microsoft.com/office/powerpoint/2010/main" val="3503303649"/>
+      </p:ext>
+    </p:extLst>
+  </p:cSld>
+  <p:clrMapOvr>
+    <a:masterClrMapping/>
+  </p:clrMapOvr>
+  <p:timing>
+    <p:tnLst>
+      <p:par>
+        <p:cTn id="1" dur="indefinite" restart="never" nodeType="tmRoot">
+          <p:childTnLst>
+            <p:seq concurrent="1" nextAc="seek">
+              <p:cTn id="2" dur="indefinite" nodeType="mainSeq">
+                <p:childTnLst>
+                  <p:par>
+                    <p:cTn id="3" fill="hold">
+                      <p:stCondLst>
+                        <p:cond delay="indefinite"/>
+                        <p:cond evt="onBegin" delay="0">
+                          <p:tn val="2"/>
+                        </p:cond>
+                      </p:stCondLst>
+                      <p:childTnLst>
+                        <p:par>
+                          <p:cTn id="4" fill="hold">
+                            <p:stCondLst>
+                              <p:cond delay="0"/>
+                            </p:stCondLst>
+                            <p:childTnLst>
+                              <p:par>
+                                <p:cTn id="5" presetID="10" presetClass="entr" presetSubtype="0" fill="hold" nodeType="afterEffect">
+                                  <p:stCondLst>
+                                    <p:cond delay="0"/>
+                                  </p:stCondLst>
+                                  <p:childTnLst>
+                                    <p:set>
+                                      <p:cBhvr>
+                                        <p:cTn id="6" dur="1" fill="hold">
+                                          <p:stCondLst>
+                                            <p:cond delay="0"/>
+                                          </p:stCondLst>
+                                        </p:cTn>
+                                        <p:tgtEl>
+                                          <p:spTgt spid="281"/>
+                                        </p:tgtEl>
+                                        <p:attrNameLst>
+                                          <p:attrName>style.visibility</p:attrName>
+                                        </p:attrNameLst>
+                                      </p:cBhvr>
+                                      <p:to>
+                                        <p:strVal val="visible"/>
+                                      </p:to>
+                                    </p:set>
+                                    <p:animEffect transition="in" filter="fade">
+                                      <p:cBhvr>
+                                        <p:cTn id="7" dur="1000"/>
+                                        <p:tgtEl>
+                                          <p:spTgt spid="281"/>
+                                        </p:tgtEl>
+                                      </p:cBhvr>
+                                    </p:animEffect>
+                                  </p:childTnLst>
+                                </p:cTn>
+                              </p:par>
+                            </p:childTnLst>
+                          </p:cTn>
+                        </p:par>
+                      </p:childTnLst>
+                    </p:cTn>
+                  </p:par>
+                </p:childTnLst>
+              </p:cTn>
+              <p:prevCondLst>
+                <p:cond evt="onPrev" delay="0">
+                  <p:tgtEl>
+                    <p:sldTgt/>
+                  </p:tgtEl>
+                </p:cond>
+              </p:prevCondLst>
+              <p:nextCondLst>
+                <p:cond evt="onNext" delay="0">
+                  <p:tgtEl>
+                    <p:sldTgt/>
+                  </p:tgtEl>
+                </p:cond>
+              </p:nextCondLst>
+            </p:seq>
+          </p:childTnLst>
+        </p:cTn>
+      </p:par>
+    </p:tnLst>
+  </p:timing>
+</p:sld>
+</file>
+
+<file path=ppt/slides/slide21.xml><?xml version="1.0" encoding="utf-8"?>
+<p:sld xmlns:a="http://schemas.openxmlformats.org/drawingml/2006/main" xmlns:r="http://schemas.openxmlformats.org/officeDocument/2006/relationships" xmlns:p="http://schemas.openxmlformats.org/presentationml/2006/main">
+  <p:cSld>
+    <p:spTree>
+      <p:nvGrpSpPr>
+        <p:cNvPr id="1" name="Shape 279"/>
+        <p:cNvGrpSpPr/>
+        <p:nvPr/>
+      </p:nvGrpSpPr>
+      <p:grpSpPr>
+        <a:xfrm>
+          <a:off x="0" y="0"/>
+          <a:ext cx="0" cy="0"/>
+          <a:chOff x="0" y="0"/>
+          <a:chExt cx="0" cy="0"/>
+        </a:xfrm>
+      </p:grpSpPr>
+      <p:pic>
+        <p:nvPicPr>
+          <p:cNvPr id="280" name="Google Shape;280;p31"/>
+          <p:cNvPicPr preferRelativeResize="0"/>
+          <p:nvPr/>
+        </p:nvPicPr>
+        <p:blipFill rotWithShape="1">
+          <a:blip r:embed="rId3">
+            <a:alphaModFix amt="21000"/>
+          </a:blip>
+          <a:srcRect l="-110" t="9719" r="-110" b="2714"/>
+          <a:stretch/>
+        </p:blipFill>
+        <p:spPr>
+          <a:xfrm>
+            <a:off x="0" y="0"/>
+            <a:ext cx="9144000" cy="5143500"/>
+          </a:xfrm>
+          <a:prstGeom prst="rect">
+            <a:avLst/>
+          </a:prstGeom>
+          <a:noFill/>
+          <a:ln>
+            <a:noFill/>
+          </a:ln>
+        </p:spPr>
+      </p:pic>
+      <p:sp>
+        <p:nvSpPr>
+          <p:cNvPr id="281" name="Google Shape;281;p31"/>
+          <p:cNvSpPr txBox="1">
+            <a:spLocks noGrp="1"/>
+          </p:cNvSpPr>
+          <p:nvPr>
+            <p:ph type="title"/>
+          </p:nvPr>
+        </p:nvSpPr>
+        <p:spPr>
+          <a:xfrm>
+            <a:off x="235500" y="555600"/>
+            <a:ext cx="843300" cy="755700"/>
+          </a:xfrm>
+          <a:prstGeom prst="rect">
+            <a:avLst/>
+          </a:prstGeom>
+        </p:spPr>
+        <p:txBody>
+          <a:bodyPr spcFirstLastPara="1" wrap="square" lIns="91425" tIns="91425" rIns="91425" bIns="91425" anchor="t" anchorCtr="0">
+            <a:noAutofit/>
+          </a:bodyPr>
+          <a:lstStyle/>
+          <a:p>
+            <a:pPr marL="0" lvl="0" indent="0" algn="l" rtl="0">
+              <a:spcBef>
+                <a:spcPts val="0"/>
+              </a:spcBef>
+              <a:spcAft>
+                <a:spcPts val="0"/>
+              </a:spcAft>
+              <a:buNone/>
+            </a:pPr>
+            <a:r>
+              <a:rPr lang="es" sz="4600">
+                <a:latin typeface="Oswald SemiBold"/>
+                <a:ea typeface="Oswald SemiBold"/>
+                <a:cs typeface="Oswald SemiBold"/>
+                <a:sym typeface="Oswald SemiBold"/>
+              </a:rPr>
+              <a:t>04</a:t>
+            </a:r>
+            <a:endParaRPr sz="4600">
+              <a:latin typeface="Oswald SemiBold"/>
+              <a:ea typeface="Oswald SemiBold"/>
+              <a:cs typeface="Oswald SemiBold"/>
+              <a:sym typeface="Oswald SemiBold"/>
+            </a:endParaRPr>
+          </a:p>
+        </p:txBody>
+      </p:sp>
+      <p:sp>
+        <p:nvSpPr>
+          <p:cNvPr id="283" name="Google Shape;283;p31"/>
+          <p:cNvSpPr txBox="1">
+            <a:spLocks noGrp="1"/>
+          </p:cNvSpPr>
+          <p:nvPr>
+            <p:ph type="title"/>
+          </p:nvPr>
+        </p:nvSpPr>
+        <p:spPr>
+          <a:xfrm>
+            <a:off x="1078725" y="557700"/>
+            <a:ext cx="7406056" cy="755700"/>
+          </a:xfrm>
+          <a:prstGeom prst="rect">
+            <a:avLst/>
+          </a:prstGeom>
+        </p:spPr>
+        <p:txBody>
+          <a:bodyPr spcFirstLastPara="1" wrap="square" lIns="91425" tIns="91425" rIns="91425" bIns="91425" anchor="t" anchorCtr="0">
+            <a:normAutofit/>
+          </a:bodyPr>
+          <a:lstStyle/>
+          <a:p>
+            <a:pPr marL="0" lvl="0" indent="0" algn="l" rtl="0">
+              <a:spcBef>
+                <a:spcPts val="0"/>
+              </a:spcBef>
+              <a:spcAft>
+                <a:spcPts val="0"/>
+              </a:spcAft>
+              <a:buNone/>
+            </a:pPr>
+            <a:r>
+              <a:rPr lang="es" sz="2600" dirty="0">
+                <a:latin typeface="Lora"/>
+                <a:ea typeface="Lora"/>
+                <a:cs typeface="Lora"/>
+                <a:sym typeface="Lora"/>
+              </a:rPr>
+              <a:t>PCA: Análisis de componentes</a:t>
+            </a:r>
+            <a:endParaRPr sz="2600" dirty="0">
+              <a:latin typeface="Lora"/>
+              <a:ea typeface="Lora"/>
+              <a:cs typeface="Lora"/>
+              <a:sym typeface="Lora"/>
+            </a:endParaRPr>
+          </a:p>
+        </p:txBody>
+      </p:sp>
+      <p:sp>
+        <p:nvSpPr>
+          <p:cNvPr id="3" name="Marcador de texto 2">
+            <a:extLst>
+              <a:ext uri="{FF2B5EF4-FFF2-40B4-BE49-F238E27FC236}">
+                <a16:creationId xmlns:a16="http://schemas.microsoft.com/office/drawing/2014/main" id="{F4FCC436-7A01-A409-73A0-0363D2927580}"/>
+              </a:ext>
+            </a:extLst>
+          </p:cNvPr>
+          <p:cNvSpPr>
+            <a:spLocks noGrp="1"/>
+          </p:cNvSpPr>
+          <p:nvPr>
+            <p:ph type="body" idx="1"/>
+          </p:nvPr>
+        </p:nvSpPr>
+        <p:spPr>
+          <a:xfrm>
+            <a:off x="106325" y="1341708"/>
+            <a:ext cx="8782492" cy="3542357"/>
+          </a:xfrm>
+        </p:spPr>
+        <p:txBody>
+          <a:bodyPr>
+            <a:normAutofit/>
+          </a:bodyPr>
+          <a:lstStyle/>
+          <a:p>
+            <a:pPr marL="146050" indent="0" algn="just">
+              <a:buNone/>
+            </a:pPr>
+            <a:r>
+              <a:rPr lang="es-AR" sz="1400" dirty="0">
+                <a:latin typeface="Lora" pitchFamily="2" charset="0"/>
+              </a:rPr>
+              <a:t>Como paso final, realizamos un gráfico de los componentes principales para analizar la varianza explicada por cada uno de ellos:</a:t>
+            </a:r>
+          </a:p>
+        </p:txBody>
+      </p:sp>
+      <p:pic>
+        <p:nvPicPr>
+          <p:cNvPr id="4" name="Imagen 3">
+            <a:extLst>
+              <a:ext uri="{FF2B5EF4-FFF2-40B4-BE49-F238E27FC236}">
+                <a16:creationId xmlns:a16="http://schemas.microsoft.com/office/drawing/2014/main" id="{C591AA47-993D-169A-3E91-7291FED003AB}"/>
+              </a:ext>
+            </a:extLst>
+          </p:cNvPr>
+          <p:cNvPicPr>
+            <a:picLocks noChangeAspect="1"/>
+          </p:cNvPicPr>
+          <p:nvPr/>
+        </p:nvPicPr>
+        <p:blipFill>
+          <a:blip r:embed="rId4"/>
+          <a:stretch>
+            <a:fillRect/>
+          </a:stretch>
+        </p:blipFill>
+        <p:spPr>
+          <a:xfrm>
+            <a:off x="345006" y="2136107"/>
+            <a:ext cx="4226994" cy="2776266"/>
+          </a:xfrm>
+          <a:prstGeom prst="rect">
+            <a:avLst/>
+          </a:prstGeom>
+        </p:spPr>
+      </p:pic>
+      <p:sp>
+        <p:nvSpPr>
+          <p:cNvPr id="5" name="CuadroTexto 4">
+            <a:extLst>
+              <a:ext uri="{FF2B5EF4-FFF2-40B4-BE49-F238E27FC236}">
+                <a16:creationId xmlns:a16="http://schemas.microsoft.com/office/drawing/2014/main" id="{70F8E5C5-9B48-C5B2-22DF-C1A72406DD3E}"/>
+              </a:ext>
+            </a:extLst>
+          </p:cNvPr>
+          <p:cNvSpPr txBox="1"/>
+          <p:nvPr/>
+        </p:nvSpPr>
+        <p:spPr>
+          <a:xfrm>
+            <a:off x="4818932" y="2849526"/>
+            <a:ext cx="4078136" cy="1169551"/>
+          </a:xfrm>
+          <a:prstGeom prst="rect">
+            <a:avLst/>
+          </a:prstGeom>
+          <a:noFill/>
+        </p:spPr>
+        <p:txBody>
+          <a:bodyPr wrap="square" rtlCol="0">
+            <a:spAutoFit/>
+          </a:bodyPr>
+          <a:lstStyle/>
+          <a:p>
+            <a:pPr algn="just"/>
+            <a:r>
+              <a:rPr lang="es-AR" u="sng" dirty="0">
+                <a:solidFill>
+                  <a:schemeClr val="bg1"/>
+                </a:solidFill>
+                <a:latin typeface="Lora" pitchFamily="2" charset="0"/>
+              </a:rPr>
+              <a:t>Conclusión:</a:t>
+            </a:r>
+          </a:p>
+          <a:p>
+            <a:pPr algn="just"/>
+            <a:endParaRPr lang="es-AR" u="sng" dirty="0">
+              <a:solidFill>
+                <a:schemeClr val="bg1"/>
+              </a:solidFill>
+              <a:latin typeface="Lora" pitchFamily="2" charset="0"/>
+            </a:endParaRPr>
+          </a:p>
+          <a:p>
+            <a:pPr algn="just"/>
+            <a:r>
+              <a:rPr lang="es-AR" i="1" dirty="0">
+                <a:solidFill>
+                  <a:schemeClr val="bg1"/>
+                </a:solidFill>
+                <a:latin typeface="Lora" pitchFamily="2" charset="0"/>
+              </a:rPr>
+              <a:t>Con los primeros cinco componentes explicamos más del 80% de la varianza. Podríamos trabajar sólo con estas cinco variables.</a:t>
+            </a:r>
+          </a:p>
+        </p:txBody>
+      </p:sp>
+    </p:spTree>
+    <p:extLst>
+      <p:ext uri="{BB962C8B-B14F-4D97-AF65-F5344CB8AC3E}">
+        <p14:creationId xmlns:p14="http://schemas.microsoft.com/office/powerpoint/2010/main" val="1974695731"/>
+      </p:ext>
+    </p:extLst>
+  </p:cSld>
+  <p:clrMapOvr>
+    <a:masterClrMapping/>
+  </p:clrMapOvr>
+  <p:timing>
+    <p:tnLst>
+      <p:par>
+        <p:cTn id="1" dur="indefinite" restart="never" nodeType="tmRoot">
+          <p:childTnLst>
+            <p:seq concurrent="1" nextAc="seek">
+              <p:cTn id="2" dur="indefinite" nodeType="mainSeq">
+                <p:childTnLst>
+                  <p:par>
+                    <p:cTn id="3" fill="hold">
+                      <p:stCondLst>
+                        <p:cond delay="indefinite"/>
+                        <p:cond evt="onBegin" delay="0">
+                          <p:tn val="2"/>
+                        </p:cond>
+                      </p:stCondLst>
+                      <p:childTnLst>
+                        <p:par>
+                          <p:cTn id="4" fill="hold">
+                            <p:stCondLst>
+                              <p:cond delay="0"/>
+                            </p:stCondLst>
+                            <p:childTnLst>
+                              <p:par>
+                                <p:cTn id="5" presetID="10" presetClass="entr" presetSubtype="0" fill="hold" nodeType="afterEffect">
+                                  <p:stCondLst>
+                                    <p:cond delay="0"/>
+                                  </p:stCondLst>
+                                  <p:childTnLst>
+                                    <p:set>
+                                      <p:cBhvr>
+                                        <p:cTn id="6" dur="1" fill="hold">
+                                          <p:stCondLst>
+                                            <p:cond delay="0"/>
+                                          </p:stCondLst>
+                                        </p:cTn>
+                                        <p:tgtEl>
+                                          <p:spTgt spid="281"/>
+                                        </p:tgtEl>
+                                        <p:attrNameLst>
+                                          <p:attrName>style.visibility</p:attrName>
+                                        </p:attrNameLst>
+                                      </p:cBhvr>
+                                      <p:to>
+                                        <p:strVal val="visible"/>
+                                      </p:to>
+                                    </p:set>
+                                    <p:animEffect transition="in" filter="fade">
+                                      <p:cBhvr>
+                                        <p:cTn id="7" dur="1000"/>
+                                        <p:tgtEl>
+                                          <p:spTgt spid="281"/>
+                                        </p:tgtEl>
+                                      </p:cBhvr>
+                                    </p:animEffect>
+                                  </p:childTnLst>
+                                </p:cTn>
+                              </p:par>
+                            </p:childTnLst>
+                          </p:cTn>
+                        </p:par>
+                      </p:childTnLst>
+                    </p:cTn>
+                  </p:par>
+                </p:childTnLst>
+              </p:cTn>
+              <p:prevCondLst>
+                <p:cond evt="onPrev" delay="0">
+                  <p:tgtEl>
+                    <p:sldTgt/>
+                  </p:tgtEl>
+                </p:cond>
+              </p:prevCondLst>
+              <p:nextCondLst>
+                <p:cond evt="onNext" delay="0">
+                  <p:tgtEl>
+                    <p:sldTgt/>
+                  </p:tgtEl>
+                </p:cond>
+              </p:nextCondLst>
+            </p:seq>
+          </p:childTnLst>
+        </p:cTn>
+      </p:par>
+    </p:tnLst>
+  </p:timing>
+</p:sld>
+</file>
+
+<file path=ppt/slides/slide22.xml><?xml version="1.0" encoding="utf-8"?>
+<p:sld xmlns:a="http://schemas.openxmlformats.org/drawingml/2006/main" xmlns:r="http://schemas.openxmlformats.org/officeDocument/2006/relationships" xmlns:p="http://schemas.openxmlformats.org/presentationml/2006/main">
+  <p:cSld>
+    <p:spTree>
+      <p:nvGrpSpPr>
         <p:cNvPr id="1" name="Shape 287"/>
         <p:cNvGrpSpPr/>
         <p:nvPr/>
@@ -17808,8 +18887,8 @@
         </p:nvSpPr>
         <p:spPr>
           <a:xfrm>
-            <a:off x="311700" y="1638400"/>
-            <a:ext cx="8524800" cy="3231900"/>
+            <a:off x="311700" y="1478844"/>
+            <a:ext cx="8524800" cy="3476978"/>
           </a:xfrm>
           <a:prstGeom prst="rect">
             <a:avLst/>
@@ -17817,7 +18896,7 @@
         </p:spPr>
         <p:txBody>
           <a:bodyPr spcFirstLastPara="1" wrap="square" lIns="91425" tIns="91425" rIns="91425" bIns="91425" anchor="t" anchorCtr="0">
-            <a:normAutofit lnSpcReduction="10000"/>
+            <a:noAutofit/>
           </a:bodyPr>
           <a:lstStyle/>
           <a:p>
@@ -17831,7 +18910,7 @@
               <a:buNone/>
             </a:pPr>
             <a:r>
-              <a:rPr lang="es" sz="1621" b="1" u="sng" dirty="0">
+              <a:rPr lang="es" sz="1100" b="1" u="sng" dirty="0">
                 <a:latin typeface="Lora"/>
                 <a:ea typeface="Lora"/>
                 <a:cs typeface="Lora"/>
@@ -17839,7 +18918,18 @@
               </a:rPr>
               <a:t>OBJETIVO</a:t>
             </a:r>
-            <a:endParaRPr sz="1621" b="1" u="sng" dirty="0">
+          </a:p>
+          <a:p>
+            <a:pPr marL="0" lvl="0" indent="0" algn="just" rtl="0">
+              <a:spcBef>
+                <a:spcPts val="0"/>
+              </a:spcBef>
+              <a:spcAft>
+                <a:spcPts val="0"/>
+              </a:spcAft>
+              <a:buNone/>
+            </a:pPr>
+            <a:endParaRPr sz="1100" b="1" u="sng" dirty="0">
               <a:latin typeface="Lora"/>
               <a:ea typeface="Lora"/>
               <a:cs typeface="Lora"/>
@@ -17847,27 +18937,91 @@
             </a:endParaRPr>
           </a:p>
           <a:p>
-            <a:pPr marL="457200" lvl="0" indent="-331587" algn="just" rtl="0">
+            <a:pPr marL="0" lvl="0" indent="0" algn="just">
+              <a:buNone/>
+            </a:pPr>
+            <a:r>
+              <a:rPr lang="es-ES" sz="1200" dirty="0">
+                <a:latin typeface="Lora Medium"/>
+                <a:ea typeface="Lora Medium"/>
+                <a:cs typeface="Lora Medium"/>
+                <a:sym typeface="Lora Medium"/>
+              </a:rPr>
+              <a:t>Con el </a:t>
+            </a:r>
+            <a:r>
+              <a:rPr lang="es-ES" sz="1200" dirty="0" err="1">
+                <a:latin typeface="Lora Medium"/>
+                <a:ea typeface="Lora Medium"/>
+                <a:cs typeface="Lora Medium"/>
+                <a:sym typeface="Lora Medium"/>
+              </a:rPr>
+              <a:t>dataset</a:t>
+            </a:r>
+            <a:r>
+              <a:rPr lang="es-ES" sz="1200" dirty="0">
+                <a:latin typeface="Lora Medium"/>
+                <a:ea typeface="Lora Medium"/>
+                <a:cs typeface="Lora Medium"/>
+                <a:sym typeface="Lora Medium"/>
+              </a:rPr>
+              <a:t> propuesto en este Proyecto, vamos a tratar de predecir cuál es el mejor producto que le podemos ofrecer a un nuevo cliente, dadas sus características. Esto permite personalizar al máximo el trato con el cliente y captar su atención para asegurar las ventas. Asimismo, nos permitirá orientar a un cliente a realizar un </a:t>
+            </a:r>
+            <a:r>
+              <a:rPr lang="es-ES" sz="1200" dirty="0" err="1">
+                <a:latin typeface="Lora Medium"/>
+                <a:ea typeface="Lora Medium"/>
+                <a:cs typeface="Lora Medium"/>
+                <a:sym typeface="Lora Medium"/>
+              </a:rPr>
+              <a:t>crosselling</a:t>
+            </a:r>
+            <a:r>
+              <a:rPr lang="es-ES" sz="1200" dirty="0">
+                <a:latin typeface="Lora Medium"/>
+                <a:ea typeface="Lora Medium"/>
+                <a:cs typeface="Lora Medium"/>
+                <a:sym typeface="Lora Medium"/>
+              </a:rPr>
+              <a:t> de producto.</a:t>
+            </a:r>
+          </a:p>
+          <a:p>
+            <a:pPr marL="0" lvl="0" indent="0" algn="just">
+              <a:buNone/>
+            </a:pPr>
+            <a:endParaRPr lang="es-ES" sz="1200" dirty="0">
+              <a:latin typeface="Lora Medium"/>
+              <a:ea typeface="Lora Medium"/>
+              <a:cs typeface="Lora Medium"/>
+              <a:sym typeface="Lora Medium"/>
+            </a:endParaRPr>
+          </a:p>
+          <a:p>
+            <a:pPr marL="0" lvl="0" indent="0" algn="just">
+              <a:buNone/>
+            </a:pPr>
+            <a:r>
+              <a:rPr lang="es-ES" sz="1200" dirty="0">
+                <a:latin typeface="Lora Medium"/>
+                <a:ea typeface="Lora Medium"/>
+                <a:cs typeface="Lora Medium"/>
+                <a:sym typeface="Lora Medium"/>
+              </a:rPr>
+              <a:t>En conclusión, los resultados de este proyecto permitirán mejorar la eficiencia y la agilidad de los procesos comerciales en toda la compañía,  y de esta forma, aumentar las ventas y la rentabilidad de la misma. </a:t>
+            </a:r>
+          </a:p>
+          <a:p>
+            <a:pPr marL="0" lvl="0" indent="0" algn="just" rtl="0">
               <a:spcBef>
                 <a:spcPts val="1200"/>
               </a:spcBef>
               <a:spcAft>
                 <a:spcPts val="0"/>
               </a:spcAft>
-              <a:buSzPts val="1622"/>
-              <a:buFont typeface="Lora"/>
-              <a:buChar char="●"/>
-            </a:pPr>
-            <a:r>
-              <a:rPr lang="es" sz="1621" dirty="0">
-                <a:latin typeface="Lora"/>
-                <a:ea typeface="Lora"/>
-                <a:cs typeface="Lora"/>
-                <a:sym typeface="Lora"/>
-              </a:rPr>
-              <a:t>Predecir cuál es el mejor producto para cada nuevo cliente</a:t>
-            </a:r>
-            <a:endParaRPr sz="1621" dirty="0">
+              <a:buNone/>
+            </a:pPr>
+            <a:endParaRPr sz="1100" dirty="0">
               <a:latin typeface="Lora"/>
               <a:ea typeface="Lora"/>
               <a:cs typeface="Lora"/>
@@ -17875,52 +19029,6 @@
             </a:endParaRPr>
           </a:p>
           <a:p>
-            <a:pPr marL="457200" lvl="0" indent="-331587" algn="just" rtl="0">
-              <a:spcBef>
-                <a:spcPts val="0"/>
-              </a:spcBef>
-              <a:spcAft>
-                <a:spcPts val="0"/>
-              </a:spcAft>
-              <a:buSzPts val="1622"/>
-              <a:buFont typeface="Lora"/>
-              <a:buChar char="●"/>
-            </a:pPr>
-            <a:r>
-              <a:rPr lang="es" sz="1621" dirty="0">
-                <a:latin typeface="Lora"/>
-                <a:ea typeface="Lora"/>
-                <a:cs typeface="Lora"/>
-                <a:sym typeface="Lora"/>
-              </a:rPr>
-              <a:t>Además, hacer un análisis </a:t>
-            </a:r>
-            <a:r>
-              <a:rPr lang="es" sz="1621" i="1" dirty="0">
-                <a:latin typeface="Lora"/>
-                <a:ea typeface="Lora"/>
-                <a:cs typeface="Lora"/>
-                <a:sym typeface="Lora"/>
-              </a:rPr>
-              <a:t>cross-selling</a:t>
-            </a:r>
-            <a:r>
-              <a:rPr lang="es" sz="1621" dirty="0">
-                <a:latin typeface="Lora"/>
-                <a:ea typeface="Lora"/>
-                <a:cs typeface="Lora"/>
-                <a:sym typeface="Lora"/>
-              </a:rPr>
-              <a:t> entre los clientes existentes para predecir qué otro producto se le puede ofrecer</a:t>
-            </a:r>
-            <a:endParaRPr sz="1621" dirty="0">
-              <a:latin typeface="Lora"/>
-              <a:ea typeface="Lora"/>
-              <a:cs typeface="Lora"/>
-              <a:sym typeface="Lora"/>
-            </a:endParaRPr>
-          </a:p>
-          <a:p>
             <a:pPr marL="0" lvl="0" indent="0" algn="just" rtl="0">
               <a:spcBef>
                 <a:spcPts val="1200"/>
@@ -17930,25 +19038,8 @@
               </a:spcAft>
               <a:buNone/>
             </a:pPr>
-            <a:endParaRPr sz="1621" dirty="0">
-              <a:latin typeface="Lora"/>
-              <a:ea typeface="Lora"/>
-              <a:cs typeface="Lora"/>
-              <a:sym typeface="Lora"/>
-            </a:endParaRPr>
-          </a:p>
-          <a:p>
-            <a:pPr marL="0" lvl="0" indent="0" algn="just" rtl="0">
-              <a:spcBef>
-                <a:spcPts val="1200"/>
-              </a:spcBef>
-              <a:spcAft>
-                <a:spcPts val="0"/>
-              </a:spcAft>
-              <a:buNone/>
-            </a:pPr>
-            <a:r>
-              <a:rPr lang="es" sz="1621" b="1" u="sng" dirty="0">
+            <a:r>
+              <a:rPr lang="es" sz="1100" b="1" u="sng" dirty="0">
                 <a:latin typeface="Lora"/>
                 <a:ea typeface="Lora"/>
                 <a:cs typeface="Lora"/>
@@ -17956,7 +19047,7 @@
               </a:rPr>
               <a:t>MODELOS APLICADOS</a:t>
             </a:r>
-            <a:endParaRPr sz="1621" b="1" u="sng" dirty="0">
+            <a:endParaRPr sz="1100" b="1" u="sng" dirty="0">
               <a:latin typeface="Lora"/>
               <a:ea typeface="Lora"/>
               <a:cs typeface="Lora"/>
@@ -17976,7 +19067,7 @@
               <a:buChar char="●"/>
             </a:pPr>
             <a:r>
-              <a:rPr lang="es" sz="1621" dirty="0">
+              <a:rPr lang="es" sz="1100" dirty="0">
                 <a:latin typeface="Lora"/>
                 <a:ea typeface="Lora"/>
                 <a:cs typeface="Lora"/>
@@ -17984,7 +19075,7 @@
               </a:rPr>
               <a:t>Árbol de decisión</a:t>
             </a:r>
-            <a:endParaRPr sz="1621" dirty="0">
+            <a:endParaRPr sz="1100" dirty="0">
               <a:latin typeface="Lora"/>
               <a:ea typeface="Lora"/>
               <a:cs typeface="Lora"/>
@@ -18004,7 +19095,7 @@
               <a:buChar char="●"/>
             </a:pPr>
             <a:r>
-              <a:rPr lang="es" sz="1621" dirty="0">
+              <a:rPr lang="es" sz="1100" dirty="0">
                 <a:latin typeface="Lora"/>
                 <a:ea typeface="Lora"/>
                 <a:cs typeface="Lora"/>
@@ -18023,7 +19114,7 @@
               <a:buChar char="●"/>
             </a:pPr>
             <a:r>
-              <a:rPr lang="es-AR" sz="1621" dirty="0">
+              <a:rPr lang="es-AR" sz="1100" dirty="0">
                 <a:latin typeface="Lora"/>
                 <a:ea typeface="Lora"/>
                 <a:cs typeface="Lora"/>
@@ -18031,7 +19122,7 @@
               <a:t>K-</a:t>
             </a:r>
             <a:r>
-              <a:rPr lang="es-AR" sz="1621" dirty="0" err="1">
+              <a:rPr lang="es-AR" sz="1100" dirty="0" err="1">
                 <a:latin typeface="Lora"/>
                 <a:ea typeface="Lora"/>
                 <a:cs typeface="Lora"/>
@@ -18039,7 +19130,7 @@
               <a:t>Nearest</a:t>
             </a:r>
             <a:r>
-              <a:rPr lang="es-AR" sz="1621" dirty="0">
+              <a:rPr lang="es-AR" sz="1100" dirty="0">
                 <a:latin typeface="Lora"/>
                 <a:ea typeface="Lora"/>
                 <a:cs typeface="Lora"/>
@@ -18047,14 +19138,14 @@
               <a:t>-</a:t>
             </a:r>
             <a:r>
-              <a:rPr lang="es-AR" sz="1621" dirty="0" err="1">
+              <a:rPr lang="es-AR" sz="1100" dirty="0" err="1">
                 <a:latin typeface="Lora"/>
                 <a:ea typeface="Lora"/>
                 <a:cs typeface="Lora"/>
               </a:rPr>
               <a:t>Neighbor</a:t>
             </a:r>
-            <a:endParaRPr sz="1621" dirty="0">
+            <a:endParaRPr sz="1100" dirty="0">
               <a:latin typeface="Lora"/>
               <a:ea typeface="Lora"/>
               <a:cs typeface="Lora"/>
@@ -18200,7 +19291,7 @@
 </p:sld>
 </file>
 
-<file path=ppt/slides/slide21.xml><?xml version="1.0" encoding="utf-8"?>
+<file path=ppt/slides/slide23.xml><?xml version="1.0" encoding="utf-8"?>
 <p:sld xmlns:a="http://schemas.openxmlformats.org/drawingml/2006/main" xmlns:r="http://schemas.openxmlformats.org/officeDocument/2006/relationships" xmlns:p="http://schemas.openxmlformats.org/presentationml/2006/main">
   <p:cSld>
     <p:spTree>
@@ -18317,10 +19408,35 @@
         </p:spPr>
         <p:txBody>
           <a:bodyPr spcFirstLastPara="1" wrap="square" lIns="91425" tIns="91425" rIns="91425" bIns="91425" anchor="t" anchorCtr="0">
-            <a:normAutofit lnSpcReduction="10000"/>
+            <a:normAutofit fontScale="77500" lnSpcReduction="20000"/>
           </a:bodyPr>
           <a:lstStyle/>
           <a:p>
+            <a:pPr marL="0" lvl="0" indent="0">
+              <a:buNone/>
+            </a:pPr>
+            <a:r>
+              <a:rPr lang="es-ES" sz="1800" dirty="0">
+                <a:latin typeface="Lora"/>
+                <a:ea typeface="Lora"/>
+                <a:cs typeface="Lora"/>
+                <a:sym typeface="Lora"/>
+              </a:rPr>
+              <a:t>Mediante un Árbol de decisión, vamos a representar gráficamente posibles soluciones a una decisión basadas en ciertas condiciones. Repartiendo las observaciones en función de sus atributos y prediciendo así el valor de la variable respuesta.</a:t>
+            </a:r>
+          </a:p>
+          <a:p>
+            <a:pPr marL="0" lvl="0" indent="0" algn="ctr">
+              <a:buNone/>
+            </a:pPr>
+            <a:endParaRPr lang="es" sz="1800" dirty="0">
+              <a:latin typeface="Lora"/>
+              <a:ea typeface="Lora"/>
+              <a:cs typeface="Lora"/>
+              <a:sym typeface="Lora"/>
+            </a:endParaRPr>
+          </a:p>
+          <a:p>
             <a:pPr marL="0" lvl="0" indent="0" algn="ctr" rtl="0">
               <a:spcBef>
                 <a:spcPts val="0"/>
@@ -18331,7 +19447,7 @@
               <a:buNone/>
             </a:pPr>
             <a:r>
-              <a:rPr lang="es" sz="1800">
+              <a:rPr lang="es" sz="1800" dirty="0">
                 <a:latin typeface="Lora"/>
                 <a:ea typeface="Lora"/>
                 <a:cs typeface="Lora"/>
@@ -18339,7 +19455,7 @@
               </a:rPr>
               <a:t>Los modelos fueron aplicados para cada uno de los 3 productos</a:t>
             </a:r>
-            <a:endParaRPr sz="1800" u="sng">
+            <a:endParaRPr sz="1800" u="sng" dirty="0">
               <a:latin typeface="Lora"/>
               <a:ea typeface="Lora"/>
               <a:cs typeface="Lora"/>
@@ -18357,7 +19473,7 @@
               <a:buNone/>
             </a:pPr>
             <a:r>
-              <a:rPr lang="es" sz="1800" u="sng">
+              <a:rPr lang="es" sz="1800" u="sng" dirty="0">
                 <a:latin typeface="Lora"/>
                 <a:ea typeface="Lora"/>
                 <a:cs typeface="Lora"/>
@@ -18365,7 +19481,7 @@
               </a:rPr>
               <a:t>PASOS</a:t>
             </a:r>
-            <a:endParaRPr sz="1800" u="sng">
+            <a:endParaRPr sz="1800" u="sng" dirty="0">
               <a:latin typeface="Lora"/>
               <a:ea typeface="Lora"/>
               <a:cs typeface="Lora"/>
@@ -18373,7 +19489,7 @@
             </a:endParaRPr>
           </a:p>
           <a:p>
-            <a:pPr marL="457200" lvl="0" indent="-330200" algn="l" rtl="0">
+            <a:pPr marL="469900" lvl="0" indent="-342900" algn="l" rtl="0">
               <a:spcBef>
                 <a:spcPts val="1200"/>
               </a:spcBef>
@@ -18381,11 +19497,11 @@
                 <a:spcPts val="0"/>
               </a:spcAft>
               <a:buSzPts val="1600"/>
-              <a:buFont typeface="Lora"/>
+              <a:buFont typeface="+mj-lt"/>
               <a:buAutoNum type="arabicParenR"/>
             </a:pPr>
             <a:r>
-              <a:rPr lang="es" sz="1600">
+              <a:rPr lang="es" sz="1600" dirty="0">
                 <a:latin typeface="Lora"/>
                 <a:ea typeface="Lora"/>
                 <a:cs typeface="Lora"/>
@@ -18394,7 +19510,7 @@
               <a:t>Se buscaron cuáles son los clientes más rentables para cada producto → </a:t>
             </a:r>
             <a:r>
-              <a:rPr lang="es" sz="1600" i="1">
+              <a:rPr lang="es" sz="1600" i="1" dirty="0">
                 <a:latin typeface="Lora"/>
                 <a:ea typeface="Lora"/>
                 <a:cs typeface="Lora"/>
@@ -18402,7 +19518,7 @@
               </a:rPr>
               <a:t>Supuesto: un cliente es rentable cuando tiene POINT_RENTABLE entre 8 y 10</a:t>
             </a:r>
-            <a:endParaRPr sz="1600" i="1">
+            <a:endParaRPr sz="1600" i="1" dirty="0">
               <a:latin typeface="Lora"/>
               <a:ea typeface="Lora"/>
               <a:cs typeface="Lora"/>
@@ -18410,16 +19526,17 @@
             </a:endParaRPr>
           </a:p>
           <a:p>
-            <a:pPr marL="457200" lvl="0" indent="0" algn="l" rtl="0">
+            <a:pPr marL="800100" lvl="0" indent="-342900" algn="l" rtl="0">
               <a:spcBef>
                 <a:spcPts val="1200"/>
               </a:spcBef>
               <a:spcAft>
                 <a:spcPts val="0"/>
               </a:spcAft>
-              <a:buNone/>
-            </a:pPr>
-            <a:endParaRPr sz="1600" i="1">
+              <a:buFont typeface="+mj-lt"/>
+              <a:buAutoNum type="arabicParenR"/>
+            </a:pPr>
+            <a:endParaRPr sz="1600" i="1" dirty="0">
               <a:latin typeface="Lora"/>
               <a:ea typeface="Lora"/>
               <a:cs typeface="Lora"/>
@@ -18427,7 +19544,7 @@
             </a:endParaRPr>
           </a:p>
           <a:p>
-            <a:pPr marL="457200" lvl="0" indent="-330200" algn="l" rtl="0">
+            <a:pPr marL="469900" lvl="0" indent="-342900" algn="l" rtl="0">
               <a:spcBef>
                 <a:spcPts val="1200"/>
               </a:spcBef>
@@ -18435,11 +19552,11 @@
                 <a:spcPts val="0"/>
               </a:spcAft>
               <a:buSzPts val="1600"/>
-              <a:buFont typeface="Lora"/>
+              <a:buFont typeface="+mj-lt"/>
               <a:buAutoNum type="arabicParenR"/>
             </a:pPr>
             <a:r>
-              <a:rPr lang="es" sz="1600">
+              <a:rPr lang="es" sz="1600" dirty="0">
                 <a:latin typeface="Lora"/>
                 <a:ea typeface="Lora"/>
                 <a:cs typeface="Lora"/>
@@ -18448,7 +19565,7 @@
               <a:t>Se separaron en variable ‘x’ e ‘y’ → Eliminamos del dataset la variable a predecir </a:t>
             </a:r>
             <a:r>
-              <a:rPr lang="es" sz="1600" i="1">
+              <a:rPr lang="es" sz="1600" i="1" dirty="0">
                 <a:latin typeface="Lora"/>
                 <a:ea typeface="Lora"/>
                 <a:cs typeface="Lora"/>
@@ -18457,7 +19574,7 @@
               <a:t>POINT_RENTABLE </a:t>
             </a:r>
             <a:r>
-              <a:rPr lang="es" sz="1600">
+              <a:rPr lang="es" sz="1600" dirty="0">
                 <a:latin typeface="Lora"/>
                 <a:ea typeface="Lora"/>
                 <a:cs typeface="Lora"/>
@@ -18465,7 +19582,7 @@
               </a:rPr>
               <a:t>(x) y la definimos como Target (y)</a:t>
             </a:r>
-            <a:endParaRPr sz="1600">
+            <a:endParaRPr sz="1600" dirty="0">
               <a:latin typeface="Lora"/>
               <a:ea typeface="Lora"/>
               <a:cs typeface="Lora"/>
@@ -18473,16 +19590,17 @@
             </a:endParaRPr>
           </a:p>
           <a:p>
-            <a:pPr marL="457200" lvl="0" indent="0" algn="l" rtl="0">
+            <a:pPr marL="800100" lvl="0" indent="-342900" algn="l" rtl="0">
               <a:spcBef>
                 <a:spcPts val="1200"/>
               </a:spcBef>
               <a:spcAft>
                 <a:spcPts val="0"/>
               </a:spcAft>
-              <a:buNone/>
-            </a:pPr>
-            <a:endParaRPr sz="1600">
+              <a:buFont typeface="+mj-lt"/>
+              <a:buAutoNum type="arabicParenR"/>
+            </a:pPr>
+            <a:endParaRPr sz="1600" dirty="0">
               <a:latin typeface="Lora"/>
               <a:ea typeface="Lora"/>
               <a:cs typeface="Lora"/>
@@ -18490,7 +19608,7 @@
             </a:endParaRPr>
           </a:p>
           <a:p>
-            <a:pPr marL="457200" lvl="0" indent="-330200" algn="l" rtl="0">
+            <a:pPr marL="469900" lvl="0" indent="-342900" algn="l" rtl="0">
               <a:spcBef>
                 <a:spcPts val="1200"/>
               </a:spcBef>
@@ -18498,11 +19616,11 @@
                 <a:spcPts val="0"/>
               </a:spcAft>
               <a:buSzPts val="1600"/>
-              <a:buFont typeface="Lora"/>
+              <a:buFont typeface="+mj-lt"/>
               <a:buAutoNum type="arabicParenR"/>
             </a:pPr>
             <a:r>
-              <a:rPr lang="es" sz="1600">
+              <a:rPr lang="es" sz="1600" dirty="0">
                 <a:latin typeface="Lora"/>
                 <a:ea typeface="Lora"/>
                 <a:cs typeface="Lora"/>
@@ -18510,7 +19628,7 @@
               </a:rPr>
               <a:t>Separamos entre train y test → Asignamos 20% y 80% respectivamente</a:t>
             </a:r>
-            <a:endParaRPr sz="1100"/>
+            <a:endParaRPr sz="1100" dirty="0"/>
           </a:p>
         </p:txBody>
       </p:sp>
@@ -18551,15 +19669,15 @@
               <a:buAutoNum type="arabicParenR"/>
             </a:pPr>
             <a:r>
-              <a:rPr lang="es" sz="2600">
+              <a:rPr lang="es" sz="2600" dirty="0">
                 <a:latin typeface="Lora"/>
                 <a:ea typeface="Lora"/>
                 <a:cs typeface="Lora"/>
                 <a:sym typeface="Lora"/>
               </a:rPr>
-              <a:t>ÁRBOL DE DECISIÓN</a:t>
-            </a:r>
-            <a:endParaRPr>
+              <a:t>ÁRBOL DE DECISIÓN: </a:t>
+            </a:r>
+            <a:endParaRPr dirty="0">
               <a:latin typeface="Oswald SemiBold"/>
               <a:ea typeface="Oswald SemiBold"/>
               <a:cs typeface="Oswald SemiBold"/>
@@ -18706,7 +19824,7 @@
 </p:sld>
 </file>
 
-<file path=ppt/slides/slide22.xml><?xml version="1.0" encoding="utf-8"?>
+<file path=ppt/slides/slide24.xml><?xml version="1.0" encoding="utf-8"?>
 <p:sld xmlns:a="http://schemas.openxmlformats.org/drawingml/2006/main" xmlns:r="http://schemas.openxmlformats.org/officeDocument/2006/relationships" xmlns:p="http://schemas.openxmlformats.org/presentationml/2006/main">
   <p:cSld>
     <p:spTree>
@@ -18891,15 +20009,15 @@
               <a:buNone/>
             </a:pPr>
             <a:r>
-              <a:rPr lang="es" sz="1600">
+              <a:rPr lang="es" sz="1600" dirty="0">
                 <a:latin typeface="Lora"/>
                 <a:ea typeface="Lora"/>
                 <a:cs typeface="Lora"/>
                 <a:sym typeface="Lora"/>
               </a:rPr>
-              <a:t>5) Entrenamos el modelo, calculamos el accuracy y obtenemos: </a:t>
-            </a:r>
-            <a:endParaRPr sz="1600">
+              <a:t>4) Entrenamos el modelo, calculamos el accuracy y obtenemos: </a:t>
+            </a:r>
+            <a:endParaRPr sz="1600" dirty="0">
               <a:latin typeface="Lora"/>
               <a:ea typeface="Lora"/>
               <a:cs typeface="Lora"/>
@@ -18919,7 +20037,7 @@
               <a:buChar char="●"/>
             </a:pPr>
             <a:r>
-              <a:rPr lang="es" sz="1600">
+              <a:rPr lang="es" sz="1600" dirty="0">
                 <a:latin typeface="Lora"/>
                 <a:ea typeface="Lora"/>
                 <a:cs typeface="Lora"/>
@@ -18927,7 +20045,7 @@
               </a:rPr>
               <a:t>% de aciertos sobre set de entrenamiento y evaluación</a:t>
             </a:r>
-            <a:endParaRPr sz="1600">
+            <a:endParaRPr sz="1600" dirty="0">
               <a:latin typeface="Lora"/>
               <a:ea typeface="Lora"/>
               <a:cs typeface="Lora"/>
@@ -18947,7 +20065,7 @@
               <a:buChar char="●"/>
             </a:pPr>
             <a:r>
-              <a:rPr lang="es" sz="1600">
+              <a:rPr lang="es" sz="1600" dirty="0">
                 <a:latin typeface="Lora"/>
                 <a:ea typeface="Lora"/>
                 <a:cs typeface="Lora"/>
@@ -18955,7 +20073,7 @@
               </a:rPr>
               <a:t>% Precisión</a:t>
             </a:r>
-            <a:endParaRPr sz="1600">
+            <a:endParaRPr sz="1600" dirty="0">
               <a:latin typeface="Lora"/>
               <a:ea typeface="Lora"/>
               <a:cs typeface="Lora"/>
@@ -18975,7 +20093,7 @@
               <a:buChar char="●"/>
             </a:pPr>
             <a:r>
-              <a:rPr lang="es" sz="1600">
+              <a:rPr lang="es" sz="1600" dirty="0">
                 <a:latin typeface="Lora"/>
                 <a:ea typeface="Lora"/>
                 <a:cs typeface="Lora"/>
@@ -18984,7 +20102,7 @@
               <a:t>% Recall (sensibilidad) → </a:t>
             </a:r>
             <a:r>
-              <a:rPr lang="es" sz="1600" i="1">
+              <a:rPr lang="es" sz="1600" i="1" dirty="0">
                 <a:latin typeface="Lora"/>
                 <a:ea typeface="Lora"/>
                 <a:cs typeface="Lora"/>
@@ -18992,7 +20110,7 @@
               </a:rPr>
               <a:t>Verdaderos positivos</a:t>
             </a:r>
-            <a:endParaRPr sz="1600" i="1">
+            <a:endParaRPr sz="1600" i="1" dirty="0">
               <a:latin typeface="Lora"/>
               <a:ea typeface="Lora"/>
               <a:cs typeface="Lora"/>
@@ -19012,7 +20130,7 @@
               <a:buChar char="●"/>
             </a:pPr>
             <a:r>
-              <a:rPr lang="es" sz="1600">
+              <a:rPr lang="es" sz="1600" dirty="0">
                 <a:latin typeface="Lora"/>
                 <a:ea typeface="Lora"/>
                 <a:cs typeface="Lora"/>
@@ -19020,7 +20138,7 @@
               </a:rPr>
               <a:t>% F1 score</a:t>
             </a:r>
-            <a:endParaRPr sz="1600">
+            <a:endParaRPr sz="1600" dirty="0">
               <a:latin typeface="Lora"/>
               <a:ea typeface="Lora"/>
               <a:cs typeface="Lora"/>
@@ -19038,7 +20156,7 @@
               <a:buNone/>
             </a:pPr>
             <a:r>
-              <a:rPr lang="es" sz="1600" u="sng">
+              <a:rPr lang="es" sz="1600" u="sng" dirty="0">
                 <a:latin typeface="Lora"/>
                 <a:ea typeface="Lora"/>
                 <a:cs typeface="Lora"/>
@@ -19046,7 +20164,7 @@
               </a:rPr>
               <a:t>Resultado producto Autos:</a:t>
             </a:r>
-            <a:endParaRPr sz="1600" u="sng">
+            <a:endParaRPr sz="1600" u="sng" dirty="0">
               <a:latin typeface="Lora"/>
               <a:ea typeface="Lora"/>
               <a:cs typeface="Lora"/>
@@ -19067,7 +20185,7 @@
               <a:buNone/>
             </a:pPr>
             <a:r>
-              <a:rPr lang="es" sz="1516">
+              <a:rPr lang="es" sz="1516" dirty="0">
                 <a:latin typeface="Courier New"/>
                 <a:ea typeface="Courier New"/>
                 <a:cs typeface="Courier New"/>
@@ -19075,7 +20193,7 @@
               </a:rPr>
               <a:t>% de aciertos sobre el set de entrenamiento: 0.899916</a:t>
             </a:r>
-            <a:endParaRPr sz="1516">
+            <a:endParaRPr sz="1516" dirty="0">
               <a:latin typeface="Courier New"/>
               <a:ea typeface="Courier New"/>
               <a:cs typeface="Courier New"/>
@@ -19096,7 +20214,7 @@
               <a:buNone/>
             </a:pPr>
             <a:r>
-              <a:rPr lang="es" sz="1516">
+              <a:rPr lang="es" sz="1516" dirty="0">
                 <a:latin typeface="Courier New"/>
                 <a:ea typeface="Courier New"/>
                 <a:cs typeface="Courier New"/>
@@ -19104,7 +20222,7 @@
               </a:rPr>
               <a:t>% de aciertos sobre el set de evaluación: 0.894932</a:t>
             </a:r>
-            <a:endParaRPr sz="1516">
+            <a:endParaRPr sz="1516" dirty="0">
               <a:latin typeface="Courier New"/>
               <a:ea typeface="Courier New"/>
               <a:cs typeface="Courier New"/>
@@ -19125,7 +20243,7 @@
               <a:buNone/>
             </a:pPr>
             <a:r>
-              <a:rPr lang="es" sz="1516">
+              <a:rPr lang="es" sz="1516" dirty="0">
                 <a:latin typeface="Courier New"/>
                 <a:ea typeface="Courier New"/>
                 <a:cs typeface="Courier New"/>
@@ -19133,7 +20251,7 @@
               </a:rPr>
               <a:t>Precision : 0.875594</a:t>
             </a:r>
-            <a:endParaRPr sz="1516">
+            <a:endParaRPr sz="1516" dirty="0">
               <a:latin typeface="Courier New"/>
               <a:ea typeface="Courier New"/>
               <a:cs typeface="Courier New"/>
@@ -19154,7 +20272,7 @@
               <a:buNone/>
             </a:pPr>
             <a:r>
-              <a:rPr lang="es" sz="1516">
+              <a:rPr lang="es" sz="1516" dirty="0">
                 <a:latin typeface="Courier New"/>
                 <a:ea typeface="Courier New"/>
                 <a:cs typeface="Courier New"/>
@@ -19162,7 +20280,7 @@
               </a:rPr>
               <a:t>Recall: 0.902115</a:t>
             </a:r>
-            <a:endParaRPr sz="1516">
+            <a:endParaRPr sz="1516" dirty="0">
               <a:latin typeface="Courier New"/>
               <a:ea typeface="Courier New"/>
               <a:cs typeface="Courier New"/>
@@ -19183,7 +20301,7 @@
               <a:buNone/>
             </a:pPr>
             <a:r>
-              <a:rPr lang="es" sz="1516">
+              <a:rPr lang="es" sz="1516" dirty="0">
                 <a:latin typeface="Courier New"/>
                 <a:ea typeface="Courier New"/>
                 <a:cs typeface="Courier New"/>
@@ -19191,7 +20309,7 @@
               </a:rPr>
               <a:t>F1 Score : 0.888657</a:t>
             </a:r>
-            <a:endParaRPr sz="1816">
+            <a:endParaRPr sz="1816" dirty="0">
               <a:latin typeface="Lora"/>
               <a:ea typeface="Lora"/>
               <a:cs typeface="Lora"/>
@@ -19338,7 +20456,7 @@
 </p:sld>
 </file>
 
-<file path=ppt/slides/slide23.xml><?xml version="1.0" encoding="utf-8"?>
+<file path=ppt/slides/slide25.xml><?xml version="1.0" encoding="utf-8"?>
 <p:sld xmlns:a="http://schemas.openxmlformats.org/drawingml/2006/main" xmlns:r="http://schemas.openxmlformats.org/officeDocument/2006/relationships" xmlns:p="http://schemas.openxmlformats.org/presentationml/2006/main">
   <p:cSld>
     <p:spTree>
@@ -19455,7 +20573,7 @@
         </p:spPr>
         <p:txBody>
           <a:bodyPr spcFirstLastPara="1" wrap="square" lIns="91425" tIns="91425" rIns="91425" bIns="91425" anchor="t" anchorCtr="0">
-            <a:normAutofit fontScale="92500" lnSpcReduction="10000"/>
+            <a:normAutofit fontScale="85000" lnSpcReduction="10000"/>
           </a:bodyPr>
           <a:lstStyle/>
           <a:p>
@@ -19469,15 +20587,15 @@
               <a:buNone/>
             </a:pPr>
             <a:r>
-              <a:rPr lang="es" sz="1600">
+              <a:rPr lang="es" sz="1600" dirty="0">
                 <a:latin typeface="Lora"/>
                 <a:ea typeface="Lora"/>
                 <a:cs typeface="Lora"/>
                 <a:sym typeface="Lora"/>
               </a:rPr>
-              <a:t>6) Creamos la matriz de confusión</a:t>
-            </a:r>
-            <a:endParaRPr sz="1600" u="sng">
+              <a:t>5) Creamos la matriz de confusión</a:t>
+            </a:r>
+            <a:endParaRPr sz="1600" u="sng" dirty="0">
               <a:latin typeface="Lora"/>
               <a:ea typeface="Lora"/>
               <a:cs typeface="Lora"/>
@@ -19494,7 +20612,7 @@
               </a:spcAft>
               <a:buNone/>
             </a:pPr>
-            <a:endParaRPr sz="1600" i="1" u="sng">
+            <a:endParaRPr sz="1600" i="1" u="sng" dirty="0">
               <a:latin typeface="Lora"/>
               <a:ea typeface="Lora"/>
               <a:cs typeface="Lora"/>
@@ -19512,7 +20630,7 @@
               <a:buNone/>
             </a:pPr>
             <a:r>
-              <a:rPr lang="es" sz="1500" i="1" u="sng">
+              <a:rPr lang="es" sz="1500" i="1" u="sng" dirty="0">
                 <a:latin typeface="Lora"/>
                 <a:ea typeface="Lora"/>
                 <a:cs typeface="Lora"/>
@@ -19520,7 +20638,7 @@
               </a:rPr>
               <a:t>MATRIZ DE CONFUSIÓN</a:t>
             </a:r>
-            <a:endParaRPr sz="1500" i="1" u="sng">
+            <a:endParaRPr sz="1500" i="1" u="sng" dirty="0">
               <a:latin typeface="Lora"/>
               <a:ea typeface="Lora"/>
               <a:cs typeface="Lora"/>
@@ -19528,25 +20646,31 @@
             </a:endParaRPr>
           </a:p>
           <a:p>
-            <a:pPr marL="0" lvl="0" indent="0" algn="l" rtl="0">
+            <a:pPr marL="0" lvl="0" indent="0" algn="just">
               <a:spcBef>
                 <a:spcPts val="1200"/>
               </a:spcBef>
-              <a:spcAft>
-                <a:spcPts val="0"/>
-              </a:spcAft>
-              <a:buNone/>
-            </a:pPr>
-            <a:r>
-              <a:rPr lang="es" sz="1500">
+              <a:buNone/>
+            </a:pPr>
+            <a:r>
+              <a:rPr lang="es" sz="1500" dirty="0">
                 <a:latin typeface="Lora"/>
                 <a:ea typeface="Lora"/>
                 <a:cs typeface="Lora"/>
                 <a:sym typeface="Lora"/>
               </a:rPr>
-              <a:t>Es una herramienta muy útil para valorar cómo de bueno es un modelo de clasificación basado en aprendizaje automático</a:t>
-            </a:r>
-            <a:endParaRPr sz="1500">
+              <a:t>Es una herramienta que valora que tan bueno es un modelo de clasificación basado en aprendizaje automático</a:t>
+            </a:r>
+            <a:r>
+              <a:rPr lang="es-ES" sz="1500" dirty="0">
+                <a:latin typeface="Lora"/>
+                <a:ea typeface="Lora"/>
+                <a:cs typeface="Lora"/>
+                <a:sym typeface="Lora"/>
+              </a:rPr>
+              <a:t>, representando en una tabla el número de predicciones correctas e incorrectas, para evaluar el rendimiento del modelo. </a:t>
+            </a:r>
+            <a:endParaRPr sz="1500" dirty="0">
               <a:latin typeface="Lora"/>
               <a:ea typeface="Lora"/>
               <a:cs typeface="Lora"/>
@@ -19554,7 +20678,7 @@
             </a:endParaRPr>
           </a:p>
           <a:p>
-            <a:pPr marL="0" lvl="0" indent="0" algn="l" rtl="0">
+            <a:pPr marL="0" lvl="0" indent="0" algn="just" rtl="0">
               <a:spcBef>
                 <a:spcPts val="1200"/>
               </a:spcBef>
@@ -19564,15 +20688,15 @@
               <a:buNone/>
             </a:pPr>
             <a:r>
-              <a:rPr lang="es" sz="1500">
+              <a:rPr lang="es" sz="1500" dirty="0">
                 <a:latin typeface="Lora"/>
                 <a:ea typeface="Lora"/>
                 <a:cs typeface="Lora"/>
                 <a:sym typeface="Lora"/>
               </a:rPr>
-              <a:t>En particular, sirve para mostrar de forma explícita cuándo una clase es confundida con otra, lo cual nos permite trabajar de forma separada con distintos tipos de error</a:t>
-            </a:r>
-            <a:endParaRPr sz="1500">
+              <a:t>Sirve para mostrar de forma explícita cuándo una clase es confundida con otra, lo cual nos permite trabajar de forma separada con distintos tipos de error</a:t>
+            </a:r>
+            <a:endParaRPr sz="1500" dirty="0">
               <a:latin typeface="Lora"/>
               <a:ea typeface="Lora"/>
               <a:cs typeface="Lora"/>
@@ -19618,7 +20742,7 @@
               <a:buAutoNum type="arabicParenR"/>
             </a:pPr>
             <a:r>
-              <a:rPr lang="es" sz="2600">
+              <a:rPr lang="es" sz="2600" dirty="0">
                 <a:latin typeface="Lora"/>
                 <a:ea typeface="Lora"/>
                 <a:cs typeface="Lora"/>
@@ -19626,7 +20750,7 @@
               </a:rPr>
               <a:t>ÁRBOL DE DECISIÓN</a:t>
             </a:r>
-            <a:endParaRPr>
+            <a:endParaRPr dirty="0">
               <a:latin typeface="Oswald SemiBold"/>
               <a:ea typeface="Oswald SemiBold"/>
               <a:cs typeface="Oswald SemiBold"/>
@@ -19801,7 +20925,7 @@
 </p:sld>
 </file>
 
-<file path=ppt/slides/slide24.xml><?xml version="1.0" encoding="utf-8"?>
+<file path=ppt/slides/slide26.xml><?xml version="1.0" encoding="utf-8"?>
 <p:sld xmlns:a="http://schemas.openxmlformats.org/drawingml/2006/main" xmlns:r="http://schemas.openxmlformats.org/officeDocument/2006/relationships" xmlns:p="http://schemas.openxmlformats.org/presentationml/2006/main">
   <p:cSld>
     <p:spTree>
@@ -19989,16 +21113,16 @@
               <a:buNone/>
             </a:pPr>
             <a:r>
-              <a:rPr lang="es" sz="1600">
+              <a:rPr lang="es" sz="1600" dirty="0">
                 <a:latin typeface="Lora"/>
                 <a:ea typeface="Lora"/>
                 <a:cs typeface="Lora"/>
                 <a:sym typeface="Lora"/>
               </a:rPr>
-              <a:t>7) Construimos la curva de ROC - </a:t>
-            </a:r>
-            <a:r>
-              <a:rPr lang="es" sz="1600" i="1">
+              <a:t>6) Construimos la curva de ROC - </a:t>
+            </a:r>
+            <a:r>
+              <a:rPr lang="es" sz="1600" i="1" dirty="0">
                 <a:latin typeface="Lora"/>
                 <a:ea typeface="Lora"/>
                 <a:cs typeface="Lora"/>
@@ -20006,7 +21130,7 @@
               </a:rPr>
               <a:t>Receiver Operating Characteristic</a:t>
             </a:r>
-            <a:endParaRPr sz="1600" i="1">
+            <a:endParaRPr sz="1600" i="1" dirty="0">
               <a:latin typeface="Lora"/>
               <a:ea typeface="Lora"/>
               <a:cs typeface="Lora"/>
@@ -20026,7 +21150,7 @@
               </a:spcAft>
               <a:buNone/>
             </a:pPr>
-            <a:endParaRPr sz="1600" i="1" u="sng">
+            <a:endParaRPr sz="1600" i="1" u="sng" dirty="0">
               <a:latin typeface="Lora"/>
               <a:ea typeface="Lora"/>
               <a:cs typeface="Lora"/>
@@ -20047,7 +21171,7 @@
               <a:buNone/>
             </a:pPr>
             <a:r>
-              <a:rPr lang="es" sz="1500" i="1" u="sng">
+              <a:rPr lang="es" sz="1500" i="1" u="sng" dirty="0">
                 <a:latin typeface="Lora"/>
                 <a:ea typeface="Lora"/>
                 <a:cs typeface="Lora"/>
@@ -20055,7 +21179,7 @@
               </a:rPr>
               <a:t>CURVA DE ROC</a:t>
             </a:r>
-            <a:endParaRPr sz="1500" i="1" u="sng">
+            <a:endParaRPr sz="1500" i="1" u="sng" dirty="0">
               <a:latin typeface="Lora"/>
               <a:ea typeface="Lora"/>
               <a:cs typeface="Lora"/>
@@ -20063,68 +21187,34 @@
             </a:endParaRPr>
           </a:p>
           <a:p>
-            <a:pPr marL="0" lvl="0" indent="0" algn="l" rtl="0">
+            <a:pPr marL="0" lvl="0" indent="0">
               <a:lnSpc>
                 <a:spcPct val="105000"/>
               </a:lnSpc>
               <a:spcBef>
                 <a:spcPts val="1200"/>
               </a:spcBef>
-              <a:spcAft>
-                <a:spcPts val="0"/>
-              </a:spcAft>
-              <a:buNone/>
-            </a:pPr>
-            <a:r>
-              <a:rPr lang="es" sz="1500">
+              <a:buNone/>
+            </a:pPr>
+            <a:r>
+              <a:rPr lang="es" sz="1500" dirty="0">
                 <a:latin typeface="Lora"/>
                 <a:ea typeface="Lora"/>
                 <a:cs typeface="Lora"/>
                 <a:sym typeface="Lora"/>
               </a:rPr>
-              <a:t>Ilustra la sensibilidad y especificidad de cada uno de los posibles puntos de corte de un test diagnóstico cuya escala de medición es continua</a:t>
-            </a:r>
-            <a:endParaRPr sz="1500">
-              <a:latin typeface="Lora"/>
-              <a:ea typeface="Lora"/>
-              <a:cs typeface="Lora"/>
-              <a:sym typeface="Lora"/>
-            </a:endParaRPr>
-          </a:p>
-          <a:p>
-            <a:pPr marL="0" lvl="0" indent="0" algn="l" rtl="0">
-              <a:lnSpc>
-                <a:spcPct val="105000"/>
-              </a:lnSpc>
-              <a:spcBef>
-                <a:spcPts val="1200"/>
-              </a:spcBef>
-              <a:spcAft>
-                <a:spcPts val="0"/>
-              </a:spcAft>
-              <a:buNone/>
-            </a:pPr>
-            <a:endParaRPr sz="1600">
-              <a:latin typeface="Lora"/>
-              <a:ea typeface="Lora"/>
-              <a:cs typeface="Lora"/>
-              <a:sym typeface="Lora"/>
-            </a:endParaRPr>
-          </a:p>
-          <a:p>
-            <a:pPr marL="0" lvl="0" indent="0" algn="l" rtl="0">
-              <a:lnSpc>
-                <a:spcPct val="105000"/>
-              </a:lnSpc>
-              <a:spcBef>
-                <a:spcPts val="1200"/>
-              </a:spcBef>
-              <a:spcAft>
-                <a:spcPts val="1200"/>
-              </a:spcAft>
-              <a:buNone/>
-            </a:pPr>
-            <a:endParaRPr sz="1600" i="1" u="sng">
+              <a:t>Ilustra la sensibilidad y especificidad de cada uno de los posibles puntos de corte de un test diagnóstico cuya escala de medición es continua, </a:t>
+            </a:r>
+            <a:r>
+              <a:rPr lang="es-ES" sz="1500" dirty="0">
+                <a:latin typeface="Lora"/>
+                <a:ea typeface="Lora"/>
+                <a:cs typeface="Lora"/>
+                <a:sym typeface="Lora"/>
+              </a:rPr>
+              <a:t>representando gráficamente el desempeño del modelo</a:t>
+            </a:r>
+            <a:endParaRPr sz="1600" i="1" u="sng" dirty="0">
               <a:latin typeface="Lora"/>
               <a:ea typeface="Lora"/>
               <a:cs typeface="Lora"/>
@@ -20299,7 +21389,7 @@
 </p:sld>
 </file>
 
-<file path=ppt/slides/slide25.xml><?xml version="1.0" encoding="utf-8"?>
+<file path=ppt/slides/slide27.xml><?xml version="1.0" encoding="utf-8"?>
 <p:sld xmlns:a="http://schemas.openxmlformats.org/drawingml/2006/main" xmlns:r="http://schemas.openxmlformats.org/officeDocument/2006/relationships" xmlns:p="http://schemas.openxmlformats.org/presentationml/2006/main">
   <p:cSld>
     <p:spTree>
@@ -20487,15 +21577,15 @@
               <a:buNone/>
             </a:pPr>
             <a:r>
-              <a:rPr lang="es" sz="1600">
+              <a:rPr lang="es" sz="1600" dirty="0">
                 <a:latin typeface="Lora"/>
                 <a:ea typeface="Lora"/>
                 <a:cs typeface="Lora"/>
                 <a:sym typeface="Lora"/>
               </a:rPr>
-              <a:t>8) Graficamos la importancia de las características</a:t>
-            </a:r>
-            <a:endParaRPr sz="1600">
+              <a:t>7) Graficamos la importancia de las características</a:t>
+            </a:r>
+            <a:endParaRPr sz="1600" dirty="0">
               <a:latin typeface="Lora"/>
               <a:ea typeface="Lora"/>
               <a:cs typeface="Lora"/>
@@ -20516,7 +21606,7 @@
               <a:buNone/>
             </a:pPr>
             <a:r>
-              <a:rPr lang="es" sz="1500">
+              <a:rPr lang="es" sz="1500" dirty="0">
                 <a:latin typeface="Lora"/>
                 <a:ea typeface="Lora"/>
                 <a:cs typeface="Lora"/>
@@ -20524,7 +21614,7 @@
               </a:rPr>
               <a:t>Para mejor visualización de los resultados, se aplicó la condición de tomar solamente las features que tengan un grado de importancia mayor a 0.001:</a:t>
             </a:r>
-            <a:endParaRPr sz="1500">
+            <a:endParaRPr sz="1500" dirty="0">
               <a:latin typeface="Lora"/>
               <a:ea typeface="Lora"/>
               <a:cs typeface="Lora"/>
@@ -20699,7 +21789,7 @@
 </p:sld>
 </file>
 
-<file path=ppt/slides/slide26.xml><?xml version="1.0" encoding="utf-8"?>
+<file path=ppt/slides/slide28.xml><?xml version="1.0" encoding="utf-8"?>
 <p:sld xmlns:a="http://schemas.openxmlformats.org/drawingml/2006/main" xmlns:r="http://schemas.openxmlformats.org/officeDocument/2006/relationships" xmlns:p="http://schemas.openxmlformats.org/presentationml/2006/main">
   <p:cSld>
     <p:spTree>
@@ -20868,9 +21958,58 @@
         </p:spPr>
         <p:txBody>
           <a:bodyPr spcFirstLastPara="1" wrap="square" lIns="91425" tIns="91425" rIns="91425" bIns="91425" anchor="t" anchorCtr="0">
-            <a:normAutofit/>
+            <a:normAutofit fontScale="92500" lnSpcReduction="20000"/>
           </a:bodyPr>
           <a:lstStyle/>
+          <a:p>
+            <a:pPr marL="0" lvl="0" indent="0">
+              <a:buNone/>
+            </a:pPr>
+            <a:r>
+              <a:rPr lang="es-ES" sz="1600" dirty="0">
+                <a:latin typeface="Lora"/>
+                <a:ea typeface="Lora"/>
+                <a:cs typeface="Lora"/>
+                <a:sym typeface="Lora"/>
+              </a:rPr>
+              <a:t>Mediante un </a:t>
+            </a:r>
+            <a:r>
+              <a:rPr lang="es-ES" sz="1600" dirty="0" err="1">
+                <a:latin typeface="Lora"/>
+                <a:ea typeface="Lora"/>
+                <a:cs typeface="Lora"/>
+                <a:sym typeface="Lora"/>
+              </a:rPr>
+              <a:t>Random</a:t>
+            </a:r>
+            <a:r>
+              <a:rPr lang="es-ES" sz="1600" dirty="0">
+                <a:latin typeface="Lora"/>
+                <a:ea typeface="Lora"/>
+                <a:cs typeface="Lora"/>
+                <a:sym typeface="Lora"/>
+              </a:rPr>
+              <a:t> Forest, creamos un grupo de modelos predictivos que permiten alcanzar una mejor precisión y estabilidad del modelo. Se combinan todos los resultados de los modelos lo que nos da un resultado final y, de esta forma, obtenemos una predicción que generaliza mejor.</a:t>
+            </a:r>
+          </a:p>
+          <a:p>
+            <a:pPr marL="0" lvl="0" indent="0" algn="l" rtl="0">
+              <a:spcBef>
+                <a:spcPts val="0"/>
+              </a:spcBef>
+              <a:spcAft>
+                <a:spcPts val="0"/>
+              </a:spcAft>
+              <a:buNone/>
+            </a:pPr>
+            <a:endParaRPr lang="es" sz="1600" dirty="0">
+              <a:latin typeface="Lora"/>
+              <a:ea typeface="Lora"/>
+              <a:cs typeface="Lora"/>
+              <a:sym typeface="Lora"/>
+            </a:endParaRPr>
+          </a:p>
           <a:p>
             <a:pPr marL="0" lvl="0" indent="0" algn="l" rtl="0">
               <a:spcBef>
@@ -21150,7 +22289,7 @@
 </p:sld>
 </file>
 
-<file path=ppt/slides/slide27.xml><?xml version="1.0" encoding="utf-8"?>
+<file path=ppt/slides/slide29.xml><?xml version="1.0" encoding="utf-8"?>
 <p:sld xmlns:a="http://schemas.openxmlformats.org/drawingml/2006/main" xmlns:r="http://schemas.openxmlformats.org/officeDocument/2006/relationships" xmlns:p="http://schemas.openxmlformats.org/presentationml/2006/main">
   <p:cSld>
     <p:spTree>
@@ -21707,7 +22846,203 @@
 </p:sld>
 </file>
 
-<file path=ppt/slides/slide28.xml><?xml version="1.0" encoding="utf-8"?>
+<file path=ppt/slides/slide3.xml><?xml version="1.0" encoding="utf-8"?>
+<p:sld xmlns:a="http://schemas.openxmlformats.org/drawingml/2006/main" xmlns:r="http://schemas.openxmlformats.org/officeDocument/2006/relationships" xmlns:p="http://schemas.openxmlformats.org/presentationml/2006/main">
+  <p:cSld>
+    <p:spTree>
+      <p:nvGrpSpPr>
+        <p:cNvPr id="1" name="Shape 146"/>
+        <p:cNvGrpSpPr/>
+        <p:nvPr/>
+      </p:nvGrpSpPr>
+      <p:grpSpPr>
+        <a:xfrm>
+          <a:off x="0" y="0"/>
+          <a:ext cx="0" cy="0"/>
+          <a:chOff x="0" y="0"/>
+          <a:chExt cx="0" cy="0"/>
+        </a:xfrm>
+      </p:grpSpPr>
+      <p:pic>
+        <p:nvPicPr>
+          <p:cNvPr id="147" name="Google Shape;147;p15"/>
+          <p:cNvPicPr preferRelativeResize="0"/>
+          <p:nvPr/>
+        </p:nvPicPr>
+        <p:blipFill rotWithShape="1">
+          <a:blip r:embed="rId3">
+            <a:alphaModFix amt="21000"/>
+          </a:blip>
+          <a:srcRect l="-110" t="9719" r="-110" b="2714"/>
+          <a:stretch/>
+        </p:blipFill>
+        <p:spPr>
+          <a:xfrm>
+            <a:off x="0" y="0"/>
+            <a:ext cx="9144000" cy="5143500"/>
+          </a:xfrm>
+          <a:prstGeom prst="rect">
+            <a:avLst/>
+          </a:prstGeom>
+          <a:noFill/>
+          <a:ln>
+            <a:noFill/>
+          </a:ln>
+        </p:spPr>
+      </p:pic>
+      <p:sp>
+        <p:nvSpPr>
+          <p:cNvPr id="148" name="Google Shape;148;p15"/>
+          <p:cNvSpPr txBox="1"/>
+          <p:nvPr/>
+        </p:nvSpPr>
+        <p:spPr>
+          <a:xfrm>
+            <a:off x="228300" y="1248000"/>
+            <a:ext cx="8729100" cy="2216400"/>
+          </a:xfrm>
+          <a:prstGeom prst="rect">
+            <a:avLst/>
+          </a:prstGeom>
+          <a:noFill/>
+          <a:ln>
+            <a:noFill/>
+          </a:ln>
+        </p:spPr>
+        <p:txBody>
+          <a:bodyPr spcFirstLastPara="1" wrap="square" lIns="91425" tIns="91425" rIns="91425" bIns="91425" anchor="t" anchorCtr="0">
+            <a:spAutoFit/>
+          </a:bodyPr>
+          <a:lstStyle/>
+          <a:p>
+            <a:pPr marL="0" lvl="0" indent="0" algn="ctr" rtl="0">
+              <a:spcBef>
+                <a:spcPts val="0"/>
+              </a:spcBef>
+              <a:spcAft>
+                <a:spcPts val="0"/>
+              </a:spcAft>
+              <a:buNone/>
+            </a:pPr>
+            <a:r>
+              <a:rPr lang="es" sz="3300" b="1" i="1">
+                <a:solidFill>
+                  <a:schemeClr val="lt1"/>
+                </a:solidFill>
+                <a:latin typeface="Lora"/>
+                <a:ea typeface="Lora"/>
+                <a:cs typeface="Lora"/>
+                <a:sym typeface="Lora"/>
+              </a:rPr>
+              <a:t>¿ES POSIBLE PREDECIR CUÁL ES EL MEJOR PRODUCTO QUE LE PODEMOS OFRECER A UN NUEVO CLIENTE EN BASE A SUS CARACTERÍSTICAS?</a:t>
+            </a:r>
+            <a:endParaRPr sz="3300" b="1" i="1">
+              <a:solidFill>
+                <a:schemeClr val="lt1"/>
+              </a:solidFill>
+              <a:latin typeface="Lora"/>
+              <a:ea typeface="Lora"/>
+              <a:cs typeface="Lora"/>
+              <a:sym typeface="Lora"/>
+            </a:endParaRPr>
+          </a:p>
+        </p:txBody>
+      </p:sp>
+    </p:spTree>
+  </p:cSld>
+  <p:clrMapOvr>
+    <a:masterClrMapping/>
+  </p:clrMapOvr>
+  <p:timing>
+    <p:tnLst>
+      <p:par>
+        <p:cTn id="1" dur="indefinite" restart="never" nodeType="tmRoot">
+          <p:childTnLst>
+            <p:seq concurrent="1" nextAc="seek">
+              <p:cTn id="2" dur="indefinite" nodeType="mainSeq">
+                <p:childTnLst>
+                  <p:par>
+                    <p:cTn id="3" fill="hold">
+                      <p:stCondLst>
+                        <p:cond delay="indefinite"/>
+                        <p:cond evt="onBegin" delay="0">
+                          <p:tn val="2"/>
+                        </p:cond>
+                      </p:stCondLst>
+                      <p:childTnLst>
+                        <p:par>
+                          <p:cTn id="4" fill="hold">
+                            <p:stCondLst>
+                              <p:cond delay="0"/>
+                            </p:stCondLst>
+                            <p:childTnLst>
+                              <p:par>
+                                <p:cTn id="5" presetID="10" presetClass="entr" presetSubtype="0" fill="hold" nodeType="afterEffect">
+                                  <p:stCondLst>
+                                    <p:cond delay="0"/>
+                                  </p:stCondLst>
+                                  <p:childTnLst>
+                                    <p:set>
+                                      <p:cBhvr>
+                                        <p:cTn id="6" dur="1" fill="hold">
+                                          <p:stCondLst>
+                                            <p:cond delay="0"/>
+                                          </p:stCondLst>
+                                        </p:cTn>
+                                        <p:tgtEl>
+                                          <p:spTgt spid="148"/>
+                                        </p:tgtEl>
+                                        <p:attrNameLst>
+                                          <p:attrName>style.visibility</p:attrName>
+                                        </p:attrNameLst>
+                                      </p:cBhvr>
+                                      <p:to>
+                                        <p:strVal val="visible"/>
+                                      </p:to>
+                                    </p:set>
+                                    <p:animEffect transition="in" filter="fade">
+                                      <p:cBhvr>
+                                        <p:cTn id="7" dur="1000"/>
+                                        <p:tgtEl>
+                                          <p:spTgt spid="148"/>
+                                        </p:tgtEl>
+                                      </p:cBhvr>
+                                    </p:animEffect>
+                                  </p:childTnLst>
+                                </p:cTn>
+                              </p:par>
+                            </p:childTnLst>
+                          </p:cTn>
+                        </p:par>
+                      </p:childTnLst>
+                    </p:cTn>
+                  </p:par>
+                </p:childTnLst>
+              </p:cTn>
+              <p:prevCondLst>
+                <p:cond evt="onPrev" delay="0">
+                  <p:tgtEl>
+                    <p:sldTgt/>
+                  </p:tgtEl>
+                </p:cond>
+              </p:prevCondLst>
+              <p:nextCondLst>
+                <p:cond evt="onNext" delay="0">
+                  <p:tgtEl>
+                    <p:sldTgt/>
+                  </p:tgtEl>
+                </p:cond>
+              </p:nextCondLst>
+            </p:seq>
+          </p:childTnLst>
+        </p:cTn>
+      </p:par>
+    </p:tnLst>
+  </p:timing>
+</p:sld>
+</file>
+
+<file path=ppt/slides/slide30.xml><?xml version="1.0" encoding="utf-8"?>
 <p:sld xmlns:a="http://schemas.openxmlformats.org/drawingml/2006/main" xmlns:r="http://schemas.openxmlformats.org/officeDocument/2006/relationships" xmlns:p="http://schemas.openxmlformats.org/presentationml/2006/main">
   <p:cSld>
     <p:spTree>
@@ -22355,1333 +23690,6 @@
 </p:sld>
 </file>
 
-<file path=ppt/slides/slide29.xml><?xml version="1.0" encoding="utf-8"?>
-<p:sld xmlns:a="http://schemas.openxmlformats.org/drawingml/2006/main" xmlns:r="http://schemas.openxmlformats.org/officeDocument/2006/relationships" xmlns:p="http://schemas.openxmlformats.org/presentationml/2006/main">
-  <p:cSld>
-    <p:spTree>
-      <p:nvGrpSpPr>
-        <p:cNvPr id="1" name="Shape 362"/>
-        <p:cNvGrpSpPr/>
-        <p:nvPr/>
-      </p:nvGrpSpPr>
-      <p:grpSpPr>
-        <a:xfrm>
-          <a:off x="0" y="0"/>
-          <a:ext cx="0" cy="0"/>
-          <a:chOff x="0" y="0"/>
-          <a:chExt cx="0" cy="0"/>
-        </a:xfrm>
-      </p:grpSpPr>
-      <p:pic>
-        <p:nvPicPr>
-          <p:cNvPr id="363" name="Google Shape;363;p41"/>
-          <p:cNvPicPr preferRelativeResize="0"/>
-          <p:nvPr/>
-        </p:nvPicPr>
-        <p:blipFill rotWithShape="1">
-          <a:blip r:embed="rId3">
-            <a:alphaModFix amt="21000"/>
-          </a:blip>
-          <a:srcRect l="-110" t="9719" r="-110" b="2714"/>
-          <a:stretch/>
-        </p:blipFill>
-        <p:spPr>
-          <a:xfrm>
-            <a:off x="0" y="0"/>
-            <a:ext cx="9144000" cy="5143500"/>
-          </a:xfrm>
-          <a:prstGeom prst="rect">
-            <a:avLst/>
-          </a:prstGeom>
-          <a:noFill/>
-          <a:ln>
-            <a:noFill/>
-          </a:ln>
-        </p:spPr>
-      </p:pic>
-      <p:sp>
-        <p:nvSpPr>
-          <p:cNvPr id="364" name="Google Shape;364;p41"/>
-          <p:cNvSpPr txBox="1">
-            <a:spLocks noGrp="1"/>
-          </p:cNvSpPr>
-          <p:nvPr>
-            <p:ph type="title"/>
-          </p:nvPr>
-        </p:nvSpPr>
-        <p:spPr>
-          <a:xfrm>
-            <a:off x="235500" y="555600"/>
-            <a:ext cx="843300" cy="755700"/>
-          </a:xfrm>
-          <a:prstGeom prst="rect">
-            <a:avLst/>
-          </a:prstGeom>
-        </p:spPr>
-        <p:txBody>
-          <a:bodyPr spcFirstLastPara="1" wrap="square" lIns="91425" tIns="91425" rIns="91425" bIns="91425" anchor="t" anchorCtr="0">
-            <a:noAutofit/>
-          </a:bodyPr>
-          <a:lstStyle/>
-          <a:p>
-            <a:pPr marL="0" lvl="0" indent="0" algn="l" rtl="0">
-              <a:spcBef>
-                <a:spcPts val="0"/>
-              </a:spcBef>
-              <a:spcAft>
-                <a:spcPts val="0"/>
-              </a:spcAft>
-              <a:buNone/>
-            </a:pPr>
-            <a:r>
-              <a:rPr lang="es" sz="4600">
-                <a:latin typeface="Oswald SemiBold"/>
-                <a:ea typeface="Oswald SemiBold"/>
-                <a:cs typeface="Oswald SemiBold"/>
-                <a:sym typeface="Oswald SemiBold"/>
-              </a:rPr>
-              <a:t>05</a:t>
-            </a:r>
-            <a:endParaRPr sz="4600">
-              <a:latin typeface="Oswald SemiBold"/>
-              <a:ea typeface="Oswald SemiBold"/>
-              <a:cs typeface="Oswald SemiBold"/>
-              <a:sym typeface="Oswald SemiBold"/>
-            </a:endParaRPr>
-          </a:p>
-        </p:txBody>
-      </p:sp>
-      <p:sp>
-        <p:nvSpPr>
-          <p:cNvPr id="365" name="Google Shape;365;p41"/>
-          <p:cNvSpPr txBox="1">
-            <a:spLocks noGrp="1"/>
-          </p:cNvSpPr>
-          <p:nvPr>
-            <p:ph type="title"/>
-          </p:nvPr>
-        </p:nvSpPr>
-        <p:spPr>
-          <a:xfrm>
-            <a:off x="1154925" y="633900"/>
-            <a:ext cx="5307600" cy="755700"/>
-          </a:xfrm>
-          <a:prstGeom prst="rect">
-            <a:avLst/>
-          </a:prstGeom>
-        </p:spPr>
-        <p:txBody>
-          <a:bodyPr spcFirstLastPara="1" wrap="square" lIns="91425" tIns="91425" rIns="91425" bIns="91425" anchor="t" anchorCtr="0">
-            <a:normAutofit/>
-          </a:bodyPr>
-          <a:lstStyle/>
-          <a:p>
-            <a:pPr marL="0" lvl="0" indent="0" algn="l" rtl="0">
-              <a:spcBef>
-                <a:spcPts val="0"/>
-              </a:spcBef>
-              <a:spcAft>
-                <a:spcPts val="0"/>
-              </a:spcAft>
-              <a:buNone/>
-            </a:pPr>
-            <a:r>
-              <a:rPr lang="es" sz="2600">
-                <a:latin typeface="Lora"/>
-                <a:ea typeface="Lora"/>
-                <a:cs typeface="Lora"/>
-                <a:sym typeface="Lora"/>
-              </a:rPr>
-              <a:t>2)  RANDOM FOREST</a:t>
-            </a:r>
-            <a:endParaRPr>
-              <a:latin typeface="Oswald SemiBold"/>
-              <a:ea typeface="Oswald SemiBold"/>
-              <a:cs typeface="Oswald SemiBold"/>
-              <a:sym typeface="Oswald SemiBold"/>
-            </a:endParaRPr>
-          </a:p>
-        </p:txBody>
-      </p:sp>
-      <p:sp>
-        <p:nvSpPr>
-          <p:cNvPr id="366" name="Google Shape;366;p41"/>
-          <p:cNvSpPr txBox="1">
-            <a:spLocks noGrp="1"/>
-          </p:cNvSpPr>
-          <p:nvPr>
-            <p:ph type="body" idx="1"/>
-          </p:nvPr>
-        </p:nvSpPr>
-        <p:spPr>
-          <a:xfrm>
-            <a:off x="540300" y="1598100"/>
-            <a:ext cx="4336500" cy="2700300"/>
-          </a:xfrm>
-          <a:prstGeom prst="rect">
-            <a:avLst/>
-          </a:prstGeom>
-        </p:spPr>
-        <p:txBody>
-          <a:bodyPr spcFirstLastPara="1" wrap="square" lIns="91425" tIns="91425" rIns="91425" bIns="91425" anchor="t" anchorCtr="0">
-            <a:normAutofit/>
-          </a:bodyPr>
-          <a:lstStyle/>
-          <a:p>
-            <a:pPr marL="0" lvl="0" indent="0" algn="l" rtl="0">
-              <a:spcBef>
-                <a:spcPts val="0"/>
-              </a:spcBef>
-              <a:spcAft>
-                <a:spcPts val="0"/>
-              </a:spcAft>
-              <a:buNone/>
-            </a:pPr>
-            <a:r>
-              <a:rPr lang="es" sz="1600" dirty="0">
-                <a:latin typeface="Lora"/>
-                <a:ea typeface="Lora"/>
-                <a:cs typeface="Lora"/>
-                <a:sym typeface="Lora"/>
-              </a:rPr>
-              <a:t>6) Creamos la matriz de confusión</a:t>
-            </a:r>
-            <a:endParaRPr sz="1600" dirty="0">
-              <a:latin typeface="Lora"/>
-              <a:ea typeface="Lora"/>
-              <a:cs typeface="Lora"/>
-              <a:sym typeface="Lora"/>
-            </a:endParaRPr>
-          </a:p>
-          <a:p>
-            <a:pPr marL="0" lvl="0" indent="0" algn="l" rtl="0">
-              <a:spcBef>
-                <a:spcPts val="1200"/>
-              </a:spcBef>
-              <a:spcAft>
-                <a:spcPts val="0"/>
-              </a:spcAft>
-              <a:buNone/>
-            </a:pPr>
-            <a:endParaRPr sz="1600" dirty="0">
-              <a:latin typeface="Lora"/>
-              <a:ea typeface="Lora"/>
-              <a:cs typeface="Lora"/>
-              <a:sym typeface="Lora"/>
-            </a:endParaRPr>
-          </a:p>
-          <a:p>
-            <a:pPr marL="0" lvl="0" indent="0" algn="l" rtl="0">
-              <a:spcBef>
-                <a:spcPts val="1200"/>
-              </a:spcBef>
-              <a:spcAft>
-                <a:spcPts val="0"/>
-              </a:spcAft>
-              <a:buNone/>
-            </a:pPr>
-            <a:endParaRPr sz="1600" dirty="0">
-              <a:latin typeface="Lora"/>
-              <a:ea typeface="Lora"/>
-              <a:cs typeface="Lora"/>
-              <a:sym typeface="Lora"/>
-            </a:endParaRPr>
-          </a:p>
-          <a:p>
-            <a:pPr marL="0" lvl="0" indent="0" algn="l" rtl="0">
-              <a:spcBef>
-                <a:spcPts val="1200"/>
-              </a:spcBef>
-              <a:spcAft>
-                <a:spcPts val="0"/>
-              </a:spcAft>
-              <a:buNone/>
-            </a:pPr>
-            <a:endParaRPr sz="1600" b="1" dirty="0">
-              <a:latin typeface="Lora"/>
-              <a:ea typeface="Lora"/>
-              <a:cs typeface="Lora"/>
-              <a:sym typeface="Lora"/>
-            </a:endParaRPr>
-          </a:p>
-          <a:p>
-            <a:pPr marL="0" lvl="0" indent="0" algn="l" rtl="0">
-              <a:lnSpc>
-                <a:spcPct val="105000"/>
-              </a:lnSpc>
-              <a:spcBef>
-                <a:spcPts val="1200"/>
-              </a:spcBef>
-              <a:spcAft>
-                <a:spcPts val="1200"/>
-              </a:spcAft>
-              <a:buNone/>
-            </a:pPr>
-            <a:endParaRPr sz="1600" dirty="0">
-              <a:latin typeface="Lora"/>
-              <a:ea typeface="Lora"/>
-              <a:cs typeface="Lora"/>
-              <a:sym typeface="Lora"/>
-            </a:endParaRPr>
-          </a:p>
-        </p:txBody>
-      </p:sp>
-      <p:pic>
-        <p:nvPicPr>
-          <p:cNvPr id="367" name="Google Shape;367;p41"/>
-          <p:cNvPicPr preferRelativeResize="0"/>
-          <p:nvPr/>
-        </p:nvPicPr>
-        <p:blipFill>
-          <a:blip r:embed="rId4">
-            <a:alphaModFix/>
-          </a:blip>
-          <a:stretch>
-            <a:fillRect/>
-          </a:stretch>
-        </p:blipFill>
-        <p:spPr>
-          <a:xfrm>
-            <a:off x="540400" y="2068150"/>
-            <a:ext cx="3600862" cy="2922625"/>
-          </a:xfrm>
-          <a:prstGeom prst="rect">
-            <a:avLst/>
-          </a:prstGeom>
-          <a:noFill/>
-          <a:ln>
-            <a:noFill/>
-          </a:ln>
-        </p:spPr>
-      </p:pic>
-      <p:sp>
-        <p:nvSpPr>
-          <p:cNvPr id="368" name="Google Shape;368;p41"/>
-          <p:cNvSpPr txBox="1"/>
-          <p:nvPr/>
-        </p:nvSpPr>
-        <p:spPr>
-          <a:xfrm>
-            <a:off x="4953000" y="1598100"/>
-            <a:ext cx="4667700" cy="837300"/>
-          </a:xfrm>
-          <a:prstGeom prst="rect">
-            <a:avLst/>
-          </a:prstGeom>
-          <a:noFill/>
-          <a:ln>
-            <a:noFill/>
-          </a:ln>
-        </p:spPr>
-        <p:txBody>
-          <a:bodyPr spcFirstLastPara="1" wrap="square" lIns="91425" tIns="91425" rIns="91425" bIns="91425" anchor="t" anchorCtr="0">
-            <a:spAutoFit/>
-          </a:bodyPr>
-          <a:lstStyle/>
-          <a:p>
-            <a:pPr marL="0" lvl="0" indent="0" algn="l" rtl="0">
-              <a:lnSpc>
-                <a:spcPct val="115000"/>
-              </a:lnSpc>
-              <a:spcBef>
-                <a:spcPts val="0"/>
-              </a:spcBef>
-              <a:spcAft>
-                <a:spcPts val="0"/>
-              </a:spcAft>
-              <a:buNone/>
-            </a:pPr>
-            <a:r>
-              <a:rPr lang="es" sz="1600">
-                <a:solidFill>
-                  <a:schemeClr val="lt1"/>
-                </a:solidFill>
-                <a:latin typeface="Lora"/>
-                <a:ea typeface="Lora"/>
-                <a:cs typeface="Lora"/>
-                <a:sym typeface="Lora"/>
-              </a:rPr>
-              <a:t>7) Construimos la curva de ROC</a:t>
-            </a:r>
-            <a:endParaRPr sz="1600" i="1">
-              <a:solidFill>
-                <a:schemeClr val="lt1"/>
-              </a:solidFill>
-              <a:latin typeface="Lora"/>
-              <a:ea typeface="Lora"/>
-              <a:cs typeface="Lora"/>
-              <a:sym typeface="Lora"/>
-            </a:endParaRPr>
-          </a:p>
-          <a:p>
-            <a:pPr marL="0" lvl="0" indent="0" algn="l" rtl="0">
-              <a:lnSpc>
-                <a:spcPct val="115000"/>
-              </a:lnSpc>
-              <a:spcBef>
-                <a:spcPts val="1200"/>
-              </a:spcBef>
-              <a:spcAft>
-                <a:spcPts val="1200"/>
-              </a:spcAft>
-              <a:buNone/>
-            </a:pPr>
-            <a:endParaRPr>
-              <a:latin typeface="Lato"/>
-              <a:ea typeface="Lato"/>
-              <a:cs typeface="Lato"/>
-              <a:sym typeface="Lato"/>
-            </a:endParaRPr>
-          </a:p>
-        </p:txBody>
-      </p:sp>
-      <p:pic>
-        <p:nvPicPr>
-          <p:cNvPr id="369" name="Google Shape;369;p41"/>
-          <p:cNvPicPr preferRelativeResize="0"/>
-          <p:nvPr/>
-        </p:nvPicPr>
-        <p:blipFill>
-          <a:blip r:embed="rId5">
-            <a:alphaModFix/>
-          </a:blip>
-          <a:stretch>
-            <a:fillRect/>
-          </a:stretch>
-        </p:blipFill>
-        <p:spPr>
-          <a:xfrm>
-            <a:off x="4750726" y="2068150"/>
-            <a:ext cx="4009099" cy="2922625"/>
-          </a:xfrm>
-          <a:prstGeom prst="rect">
-            <a:avLst/>
-          </a:prstGeom>
-          <a:noFill/>
-          <a:ln>
-            <a:noFill/>
-          </a:ln>
-        </p:spPr>
-      </p:pic>
-    </p:spTree>
-  </p:cSld>
-  <p:clrMapOvr>
-    <a:masterClrMapping/>
-  </p:clrMapOvr>
-  <p:timing>
-    <p:tnLst>
-      <p:par>
-        <p:cTn id="1" dur="indefinite" restart="never" nodeType="tmRoot">
-          <p:childTnLst>
-            <p:seq concurrent="1" nextAc="seek">
-              <p:cTn id="2" dur="indefinite" nodeType="mainSeq">
-                <p:childTnLst>
-                  <p:par>
-                    <p:cTn id="3" fill="hold">
-                      <p:stCondLst>
-                        <p:cond delay="indefinite"/>
-                        <p:cond evt="onBegin" delay="0">
-                          <p:tn val="2"/>
-                        </p:cond>
-                      </p:stCondLst>
-                      <p:childTnLst>
-                        <p:par>
-                          <p:cTn id="4" fill="hold">
-                            <p:stCondLst>
-                              <p:cond delay="0"/>
-                            </p:stCondLst>
-                            <p:childTnLst>
-                              <p:par>
-                                <p:cTn id="5" presetID="10" presetClass="entr" presetSubtype="0" fill="hold" nodeType="afterEffect">
-                                  <p:stCondLst>
-                                    <p:cond delay="0"/>
-                                  </p:stCondLst>
-                                  <p:childTnLst>
-                                    <p:set>
-                                      <p:cBhvr>
-                                        <p:cTn id="6" dur="1" fill="hold">
-                                          <p:stCondLst>
-                                            <p:cond delay="0"/>
-                                          </p:stCondLst>
-                                        </p:cTn>
-                                        <p:tgtEl>
-                                          <p:spTgt spid="364"/>
-                                        </p:tgtEl>
-                                        <p:attrNameLst>
-                                          <p:attrName>style.visibility</p:attrName>
-                                        </p:attrNameLst>
-                                      </p:cBhvr>
-                                      <p:to>
-                                        <p:strVal val="visible"/>
-                                      </p:to>
-                                    </p:set>
-                                    <p:animEffect transition="in" filter="fade">
-                                      <p:cBhvr>
-                                        <p:cTn id="7" dur="1000"/>
-                                        <p:tgtEl>
-                                          <p:spTgt spid="364"/>
-                                        </p:tgtEl>
-                                      </p:cBhvr>
-                                    </p:animEffect>
-                                  </p:childTnLst>
-                                </p:cTn>
-                              </p:par>
-                            </p:childTnLst>
-                          </p:cTn>
-                        </p:par>
-                        <p:par>
-                          <p:cTn id="8" fill="hold">
-                            <p:stCondLst>
-                              <p:cond delay="1000"/>
-                            </p:stCondLst>
-                            <p:childTnLst>
-                              <p:par>
-                                <p:cTn id="9" presetID="10" presetClass="entr" presetSubtype="0" fill="hold" nodeType="afterEffect">
-                                  <p:stCondLst>
-                                    <p:cond delay="0"/>
-                                  </p:stCondLst>
-                                  <p:childTnLst>
-                                    <p:set>
-                                      <p:cBhvr>
-                                        <p:cTn id="10" dur="1" fill="hold">
-                                          <p:stCondLst>
-                                            <p:cond delay="0"/>
-                                          </p:stCondLst>
-                                        </p:cTn>
-                                        <p:tgtEl>
-                                          <p:spTgt spid="366"/>
-                                        </p:tgtEl>
-                                        <p:attrNameLst>
-                                          <p:attrName>style.visibility</p:attrName>
-                                        </p:attrNameLst>
-                                      </p:cBhvr>
-                                      <p:to>
-                                        <p:strVal val="visible"/>
-                                      </p:to>
-                                    </p:set>
-                                    <p:animEffect transition="in" filter="fade">
-                                      <p:cBhvr>
-                                        <p:cTn id="11" dur="1000"/>
-                                        <p:tgtEl>
-                                          <p:spTgt spid="366"/>
-                                        </p:tgtEl>
-                                      </p:cBhvr>
-                                    </p:animEffect>
-                                  </p:childTnLst>
-                                </p:cTn>
-                              </p:par>
-                            </p:childTnLst>
-                          </p:cTn>
-                        </p:par>
-                      </p:childTnLst>
-                    </p:cTn>
-                  </p:par>
-                </p:childTnLst>
-              </p:cTn>
-              <p:prevCondLst>
-                <p:cond evt="onPrev" delay="0">
-                  <p:tgtEl>
-                    <p:sldTgt/>
-                  </p:tgtEl>
-                </p:cond>
-              </p:prevCondLst>
-              <p:nextCondLst>
-                <p:cond evt="onNext" delay="0">
-                  <p:tgtEl>
-                    <p:sldTgt/>
-                  </p:tgtEl>
-                </p:cond>
-              </p:nextCondLst>
-            </p:seq>
-          </p:childTnLst>
-        </p:cTn>
-      </p:par>
-    </p:tnLst>
-  </p:timing>
-</p:sld>
-</file>
-
-<file path=ppt/slides/slide3.xml><?xml version="1.0" encoding="utf-8"?>
-<p:sld xmlns:a="http://schemas.openxmlformats.org/drawingml/2006/main" xmlns:r="http://schemas.openxmlformats.org/officeDocument/2006/relationships" xmlns:p="http://schemas.openxmlformats.org/presentationml/2006/main">
-  <p:cSld>
-    <p:spTree>
-      <p:nvGrpSpPr>
-        <p:cNvPr id="1" name="Shape 146"/>
-        <p:cNvGrpSpPr/>
-        <p:nvPr/>
-      </p:nvGrpSpPr>
-      <p:grpSpPr>
-        <a:xfrm>
-          <a:off x="0" y="0"/>
-          <a:ext cx="0" cy="0"/>
-          <a:chOff x="0" y="0"/>
-          <a:chExt cx="0" cy="0"/>
-        </a:xfrm>
-      </p:grpSpPr>
-      <p:pic>
-        <p:nvPicPr>
-          <p:cNvPr id="147" name="Google Shape;147;p15"/>
-          <p:cNvPicPr preferRelativeResize="0"/>
-          <p:nvPr/>
-        </p:nvPicPr>
-        <p:blipFill rotWithShape="1">
-          <a:blip r:embed="rId3">
-            <a:alphaModFix amt="21000"/>
-          </a:blip>
-          <a:srcRect l="-110" t="9719" r="-110" b="2714"/>
-          <a:stretch/>
-        </p:blipFill>
-        <p:spPr>
-          <a:xfrm>
-            <a:off x="0" y="0"/>
-            <a:ext cx="9144000" cy="5143500"/>
-          </a:xfrm>
-          <a:prstGeom prst="rect">
-            <a:avLst/>
-          </a:prstGeom>
-          <a:noFill/>
-          <a:ln>
-            <a:noFill/>
-          </a:ln>
-        </p:spPr>
-      </p:pic>
-      <p:sp>
-        <p:nvSpPr>
-          <p:cNvPr id="148" name="Google Shape;148;p15"/>
-          <p:cNvSpPr txBox="1"/>
-          <p:nvPr/>
-        </p:nvSpPr>
-        <p:spPr>
-          <a:xfrm>
-            <a:off x="228300" y="1248000"/>
-            <a:ext cx="8729100" cy="2216400"/>
-          </a:xfrm>
-          <a:prstGeom prst="rect">
-            <a:avLst/>
-          </a:prstGeom>
-          <a:noFill/>
-          <a:ln>
-            <a:noFill/>
-          </a:ln>
-        </p:spPr>
-        <p:txBody>
-          <a:bodyPr spcFirstLastPara="1" wrap="square" lIns="91425" tIns="91425" rIns="91425" bIns="91425" anchor="t" anchorCtr="0">
-            <a:spAutoFit/>
-          </a:bodyPr>
-          <a:lstStyle/>
-          <a:p>
-            <a:pPr marL="0" lvl="0" indent="0" algn="ctr" rtl="0">
-              <a:spcBef>
-                <a:spcPts val="0"/>
-              </a:spcBef>
-              <a:spcAft>
-                <a:spcPts val="0"/>
-              </a:spcAft>
-              <a:buNone/>
-            </a:pPr>
-            <a:r>
-              <a:rPr lang="es" sz="3300" b="1" i="1">
-                <a:solidFill>
-                  <a:schemeClr val="lt1"/>
-                </a:solidFill>
-                <a:latin typeface="Lora"/>
-                <a:ea typeface="Lora"/>
-                <a:cs typeface="Lora"/>
-                <a:sym typeface="Lora"/>
-              </a:rPr>
-              <a:t>¿ES POSIBLE PREDECIR CUÁL ES EL MEJOR PRODUCTO QUE LE PODEMOS OFRECER A UN NUEVO CLIENTE EN BASE A SUS CARACTERÍSTICAS?</a:t>
-            </a:r>
-            <a:endParaRPr sz="3300" b="1" i="1">
-              <a:solidFill>
-                <a:schemeClr val="lt1"/>
-              </a:solidFill>
-              <a:latin typeface="Lora"/>
-              <a:ea typeface="Lora"/>
-              <a:cs typeface="Lora"/>
-              <a:sym typeface="Lora"/>
-            </a:endParaRPr>
-          </a:p>
-        </p:txBody>
-      </p:sp>
-    </p:spTree>
-  </p:cSld>
-  <p:clrMapOvr>
-    <a:masterClrMapping/>
-  </p:clrMapOvr>
-  <p:timing>
-    <p:tnLst>
-      <p:par>
-        <p:cTn id="1" dur="indefinite" restart="never" nodeType="tmRoot">
-          <p:childTnLst>
-            <p:seq concurrent="1" nextAc="seek">
-              <p:cTn id="2" dur="indefinite" nodeType="mainSeq">
-                <p:childTnLst>
-                  <p:par>
-                    <p:cTn id="3" fill="hold">
-                      <p:stCondLst>
-                        <p:cond delay="indefinite"/>
-                        <p:cond evt="onBegin" delay="0">
-                          <p:tn val="2"/>
-                        </p:cond>
-                      </p:stCondLst>
-                      <p:childTnLst>
-                        <p:par>
-                          <p:cTn id="4" fill="hold">
-                            <p:stCondLst>
-                              <p:cond delay="0"/>
-                            </p:stCondLst>
-                            <p:childTnLst>
-                              <p:par>
-                                <p:cTn id="5" presetID="10" presetClass="entr" presetSubtype="0" fill="hold" nodeType="afterEffect">
-                                  <p:stCondLst>
-                                    <p:cond delay="0"/>
-                                  </p:stCondLst>
-                                  <p:childTnLst>
-                                    <p:set>
-                                      <p:cBhvr>
-                                        <p:cTn id="6" dur="1" fill="hold">
-                                          <p:stCondLst>
-                                            <p:cond delay="0"/>
-                                          </p:stCondLst>
-                                        </p:cTn>
-                                        <p:tgtEl>
-                                          <p:spTgt spid="148"/>
-                                        </p:tgtEl>
-                                        <p:attrNameLst>
-                                          <p:attrName>style.visibility</p:attrName>
-                                        </p:attrNameLst>
-                                      </p:cBhvr>
-                                      <p:to>
-                                        <p:strVal val="visible"/>
-                                      </p:to>
-                                    </p:set>
-                                    <p:animEffect transition="in" filter="fade">
-                                      <p:cBhvr>
-                                        <p:cTn id="7" dur="1000"/>
-                                        <p:tgtEl>
-                                          <p:spTgt spid="148"/>
-                                        </p:tgtEl>
-                                      </p:cBhvr>
-                                    </p:animEffect>
-                                  </p:childTnLst>
-                                </p:cTn>
-                              </p:par>
-                            </p:childTnLst>
-                          </p:cTn>
-                        </p:par>
-                      </p:childTnLst>
-                    </p:cTn>
-                  </p:par>
-                </p:childTnLst>
-              </p:cTn>
-              <p:prevCondLst>
-                <p:cond evt="onPrev" delay="0">
-                  <p:tgtEl>
-                    <p:sldTgt/>
-                  </p:tgtEl>
-                </p:cond>
-              </p:prevCondLst>
-              <p:nextCondLst>
-                <p:cond evt="onNext" delay="0">
-                  <p:tgtEl>
-                    <p:sldTgt/>
-                  </p:tgtEl>
-                </p:cond>
-              </p:nextCondLst>
-            </p:seq>
-          </p:childTnLst>
-        </p:cTn>
-      </p:par>
-    </p:tnLst>
-  </p:timing>
-</p:sld>
-</file>
-
-<file path=ppt/slides/slide30.xml><?xml version="1.0" encoding="utf-8"?>
-<p:sld xmlns:a="http://schemas.openxmlformats.org/drawingml/2006/main" xmlns:r="http://schemas.openxmlformats.org/officeDocument/2006/relationships" xmlns:p="http://schemas.openxmlformats.org/presentationml/2006/main">
-  <p:cSld>
-    <p:spTree>
-      <p:nvGrpSpPr>
-        <p:cNvPr id="1" name="Shape 362"/>
-        <p:cNvGrpSpPr/>
-        <p:nvPr/>
-      </p:nvGrpSpPr>
-      <p:grpSpPr>
-        <a:xfrm>
-          <a:off x="0" y="0"/>
-          <a:ext cx="0" cy="0"/>
-          <a:chOff x="0" y="0"/>
-          <a:chExt cx="0" cy="0"/>
-        </a:xfrm>
-      </p:grpSpPr>
-      <p:pic>
-        <p:nvPicPr>
-          <p:cNvPr id="363" name="Google Shape;363;p41"/>
-          <p:cNvPicPr preferRelativeResize="0"/>
-          <p:nvPr/>
-        </p:nvPicPr>
-        <p:blipFill rotWithShape="1">
-          <a:blip r:embed="rId3">
-            <a:alphaModFix amt="21000"/>
-          </a:blip>
-          <a:srcRect l="-110" t="9719" r="-110" b="2714"/>
-          <a:stretch/>
-        </p:blipFill>
-        <p:spPr>
-          <a:xfrm>
-            <a:off x="0" y="0"/>
-            <a:ext cx="9144000" cy="5143500"/>
-          </a:xfrm>
-          <a:prstGeom prst="rect">
-            <a:avLst/>
-          </a:prstGeom>
-          <a:noFill/>
-          <a:ln>
-            <a:noFill/>
-          </a:ln>
-        </p:spPr>
-      </p:pic>
-      <p:sp>
-        <p:nvSpPr>
-          <p:cNvPr id="364" name="Google Shape;364;p41"/>
-          <p:cNvSpPr txBox="1">
-            <a:spLocks noGrp="1"/>
-          </p:cNvSpPr>
-          <p:nvPr>
-            <p:ph type="title"/>
-          </p:nvPr>
-        </p:nvSpPr>
-        <p:spPr>
-          <a:xfrm>
-            <a:off x="235500" y="555600"/>
-            <a:ext cx="843300" cy="755700"/>
-          </a:xfrm>
-          <a:prstGeom prst="rect">
-            <a:avLst/>
-          </a:prstGeom>
-        </p:spPr>
-        <p:txBody>
-          <a:bodyPr spcFirstLastPara="1" wrap="square" lIns="91425" tIns="91425" rIns="91425" bIns="91425" anchor="t" anchorCtr="0">
-            <a:noAutofit/>
-          </a:bodyPr>
-          <a:lstStyle/>
-          <a:p>
-            <a:pPr marL="0" lvl="0" indent="0" algn="l" rtl="0">
-              <a:spcBef>
-                <a:spcPts val="0"/>
-              </a:spcBef>
-              <a:spcAft>
-                <a:spcPts val="0"/>
-              </a:spcAft>
-              <a:buNone/>
-            </a:pPr>
-            <a:r>
-              <a:rPr lang="es" sz="4600">
-                <a:latin typeface="Oswald SemiBold"/>
-                <a:ea typeface="Oswald SemiBold"/>
-                <a:cs typeface="Oswald SemiBold"/>
-                <a:sym typeface="Oswald SemiBold"/>
-              </a:rPr>
-              <a:t>05</a:t>
-            </a:r>
-            <a:endParaRPr sz="4600">
-              <a:latin typeface="Oswald SemiBold"/>
-              <a:ea typeface="Oswald SemiBold"/>
-              <a:cs typeface="Oswald SemiBold"/>
-              <a:sym typeface="Oswald SemiBold"/>
-            </a:endParaRPr>
-          </a:p>
-        </p:txBody>
-      </p:sp>
-      <p:sp>
-        <p:nvSpPr>
-          <p:cNvPr id="365" name="Google Shape;365;p41"/>
-          <p:cNvSpPr txBox="1">
-            <a:spLocks noGrp="1"/>
-          </p:cNvSpPr>
-          <p:nvPr>
-            <p:ph type="title"/>
-          </p:nvPr>
-        </p:nvSpPr>
-        <p:spPr>
-          <a:xfrm>
-            <a:off x="1154925" y="633900"/>
-            <a:ext cx="5307600" cy="755700"/>
-          </a:xfrm>
-          <a:prstGeom prst="rect">
-            <a:avLst/>
-          </a:prstGeom>
-        </p:spPr>
-        <p:txBody>
-          <a:bodyPr spcFirstLastPara="1" wrap="square" lIns="91425" tIns="91425" rIns="91425" bIns="91425" anchor="t" anchorCtr="0">
-            <a:normAutofit/>
-          </a:bodyPr>
-          <a:lstStyle/>
-          <a:p>
-            <a:pPr marL="0" lvl="0" indent="0" algn="l" rtl="0">
-              <a:spcBef>
-                <a:spcPts val="0"/>
-              </a:spcBef>
-              <a:spcAft>
-                <a:spcPts val="0"/>
-              </a:spcAft>
-              <a:buNone/>
-            </a:pPr>
-            <a:r>
-              <a:rPr lang="es" sz="2600" dirty="0">
-                <a:latin typeface="Lora"/>
-                <a:ea typeface="Lora"/>
-                <a:cs typeface="Lora"/>
-                <a:sym typeface="Lora"/>
-              </a:rPr>
-              <a:t>3) </a:t>
-            </a:r>
-            <a:r>
-              <a:rPr lang="es-AR" sz="2600" dirty="0">
-                <a:latin typeface="Lora"/>
-                <a:ea typeface="Lora"/>
-                <a:cs typeface="Lora"/>
-                <a:sym typeface="Lora"/>
-              </a:rPr>
-              <a:t>K-NEAREST NEIGHBOR (KNN)</a:t>
-            </a:r>
-            <a:endParaRPr dirty="0">
-              <a:latin typeface="Oswald SemiBold"/>
-              <a:ea typeface="Oswald SemiBold"/>
-              <a:cs typeface="Oswald SemiBold"/>
-              <a:sym typeface="Oswald SemiBold"/>
-            </a:endParaRPr>
-          </a:p>
-        </p:txBody>
-      </p:sp>
-      <p:sp>
-        <p:nvSpPr>
-          <p:cNvPr id="366" name="Google Shape;366;p41"/>
-          <p:cNvSpPr txBox="1">
-            <a:spLocks noGrp="1"/>
-          </p:cNvSpPr>
-          <p:nvPr>
-            <p:ph type="body" idx="1"/>
-          </p:nvPr>
-        </p:nvSpPr>
-        <p:spPr>
-          <a:xfrm>
-            <a:off x="540299" y="1598100"/>
-            <a:ext cx="8316621" cy="3282244"/>
-          </a:xfrm>
-          <a:prstGeom prst="rect">
-            <a:avLst/>
-          </a:prstGeom>
-        </p:spPr>
-        <p:txBody>
-          <a:bodyPr spcFirstLastPara="1" wrap="square" lIns="91425" tIns="91425" rIns="91425" bIns="91425" anchor="t" anchorCtr="0">
-            <a:normAutofit/>
-          </a:bodyPr>
-          <a:lstStyle/>
-          <a:p>
-            <a:pPr marL="0" lvl="0" indent="0">
-              <a:buNone/>
-            </a:pPr>
-            <a:r>
-              <a:rPr lang="es-AR" sz="1500" dirty="0">
-                <a:latin typeface="Lora" pitchFamily="2" charset="0"/>
-              </a:rPr>
-              <a:t>Es un método que simplemente busca en las observaciones más cercanas a la que se está tratando de predecir y clasifica el punto de interés basado en la mayoría de los datos que le rodean</a:t>
-            </a:r>
-          </a:p>
-          <a:p>
-            <a:pPr marL="0" lvl="0" indent="0">
-              <a:buNone/>
-            </a:pPr>
-            <a:endParaRPr lang="es-AR" sz="1500" dirty="0">
-              <a:latin typeface="Lora" pitchFamily="2" charset="0"/>
-            </a:endParaRPr>
-          </a:p>
-          <a:p>
-            <a:pPr marL="0" indent="0">
-              <a:buNone/>
-            </a:pPr>
-            <a:r>
-              <a:rPr lang="es-AR" sz="1400" dirty="0">
-                <a:latin typeface="Lora"/>
-                <a:ea typeface="Lora"/>
-                <a:cs typeface="Lora"/>
-                <a:sym typeface="Lora"/>
-              </a:rPr>
-              <a:t>1) Se buscaron cuáles son los clientes más rentables para cada producto → </a:t>
-            </a:r>
-            <a:r>
-              <a:rPr lang="es-AR" sz="1400" i="1" dirty="0">
-                <a:latin typeface="Lora"/>
-                <a:ea typeface="Lora"/>
-                <a:cs typeface="Lora"/>
-                <a:sym typeface="Lora"/>
-              </a:rPr>
-              <a:t>Supuesto: un cliente es rentable cuando tiene POINT_RENTABLE entre 8 y 10</a:t>
-            </a:r>
-          </a:p>
-          <a:p>
-            <a:pPr marL="0" lvl="0" indent="0">
-              <a:buNone/>
-            </a:pPr>
-            <a:endParaRPr lang="es-AR" sz="1500" dirty="0">
-              <a:latin typeface="Lora" pitchFamily="2" charset="0"/>
-            </a:endParaRPr>
-          </a:p>
-          <a:p>
-            <a:pPr marL="0" indent="0">
-              <a:buNone/>
-            </a:pPr>
-            <a:r>
-              <a:rPr lang="es-AR" sz="1500" dirty="0">
-                <a:latin typeface="Lora" pitchFamily="2" charset="0"/>
-              </a:rPr>
-              <a:t>2) </a:t>
-            </a:r>
-            <a:r>
-              <a:rPr lang="es-AR" sz="1400" dirty="0">
-                <a:latin typeface="Lora"/>
-                <a:ea typeface="Lora"/>
-                <a:cs typeface="Lora"/>
-              </a:rPr>
-              <a:t>Creamos nuestro X e y de entrada y los sets de entrenamiento y test:</a:t>
-            </a:r>
-          </a:p>
-          <a:p>
-            <a:pPr marL="146050" indent="0">
-              <a:buNone/>
-            </a:pPr>
-            <a:r>
-              <a:rPr lang="es-AR" sz="1200" dirty="0">
-                <a:latin typeface="Courier New"/>
-                <a:ea typeface="Courier New"/>
-                <a:cs typeface="Courier New"/>
-              </a:rPr>
-              <a:t>	X = </a:t>
-            </a:r>
-            <a:r>
-              <a:rPr lang="es-AR" sz="1200" dirty="0" err="1">
-                <a:latin typeface="Courier New"/>
-                <a:ea typeface="Courier New"/>
-                <a:cs typeface="Courier New"/>
-              </a:rPr>
-              <a:t>df_prod_accpersonales_KNN</a:t>
-            </a:r>
-            <a:r>
-              <a:rPr lang="es-AR" sz="1200" dirty="0">
-                <a:latin typeface="Courier New"/>
-                <a:ea typeface="Courier New"/>
-                <a:cs typeface="Courier New"/>
-              </a:rPr>
-              <a:t>[['SEGMENTO','CANAL']].</a:t>
-            </a:r>
-            <a:r>
-              <a:rPr lang="es-AR" sz="1200" dirty="0" err="1">
-                <a:latin typeface="Courier New"/>
-                <a:ea typeface="Courier New"/>
-                <a:cs typeface="Courier New"/>
-              </a:rPr>
-              <a:t>values</a:t>
-            </a:r>
-            <a:r>
-              <a:rPr lang="es-AR" sz="1200" dirty="0">
-                <a:latin typeface="Courier New"/>
-                <a:ea typeface="Courier New"/>
-                <a:cs typeface="Courier New"/>
-              </a:rPr>
-              <a:t> </a:t>
-            </a:r>
-          </a:p>
-          <a:p>
-            <a:pPr marL="146050" indent="0">
-              <a:buNone/>
-            </a:pPr>
-            <a:r>
-              <a:rPr lang="es-AR" sz="1200" dirty="0">
-                <a:latin typeface="Courier New"/>
-                <a:ea typeface="Courier New"/>
-                <a:cs typeface="Courier New"/>
-              </a:rPr>
-              <a:t>	y = </a:t>
-            </a:r>
-            <a:r>
-              <a:rPr lang="es-AR" sz="1200" dirty="0" err="1">
-                <a:latin typeface="Courier New"/>
-                <a:ea typeface="Courier New"/>
-                <a:cs typeface="Courier New"/>
-              </a:rPr>
-              <a:t>df_prod_accpersonales_KNN</a:t>
-            </a:r>
-            <a:r>
-              <a:rPr lang="es-AR" sz="1200" dirty="0">
-                <a:latin typeface="Courier New"/>
-                <a:ea typeface="Courier New"/>
-                <a:cs typeface="Courier New"/>
-              </a:rPr>
-              <a:t>['POINT_RENTABLE'].</a:t>
-            </a:r>
-            <a:r>
-              <a:rPr lang="es-AR" sz="1200" dirty="0" err="1">
-                <a:latin typeface="Courier New"/>
-                <a:ea typeface="Courier New"/>
-                <a:cs typeface="Courier New"/>
-              </a:rPr>
-              <a:t>values</a:t>
-            </a:r>
-            <a:endParaRPr lang="es-AR" sz="1200" dirty="0">
-              <a:latin typeface="Courier New"/>
-              <a:ea typeface="Courier New"/>
-              <a:cs typeface="Courier New"/>
-            </a:endParaRPr>
-          </a:p>
-          <a:p>
-            <a:pPr marL="285750" indent="-285750"/>
-            <a:endParaRPr lang="es-AR" sz="1400" dirty="0">
-              <a:latin typeface="Lora"/>
-              <a:ea typeface="Lora"/>
-              <a:cs typeface="Lora"/>
-            </a:endParaRPr>
-          </a:p>
-          <a:p>
-            <a:pPr marL="0" lvl="0" indent="0">
-              <a:buNone/>
-            </a:pPr>
-            <a:endParaRPr lang="es-AR" sz="1500" dirty="0">
-              <a:latin typeface="Lora" pitchFamily="2" charset="0"/>
-            </a:endParaRPr>
-          </a:p>
-          <a:p>
-            <a:pPr marL="0" lvl="0" indent="0">
-              <a:buNone/>
-            </a:pPr>
-            <a:endParaRPr lang="es-AR" sz="1500" dirty="0">
-              <a:latin typeface="Lora" pitchFamily="2" charset="0"/>
-              <a:ea typeface="Lora"/>
-              <a:cs typeface="Lora"/>
-              <a:sym typeface="Lora"/>
-            </a:endParaRPr>
-          </a:p>
-          <a:p>
-            <a:pPr marL="0" lvl="0" indent="0">
-              <a:buNone/>
-            </a:pPr>
-            <a:endParaRPr lang="es-AR" sz="1500" dirty="0">
-              <a:latin typeface="Lora" pitchFamily="2" charset="0"/>
-              <a:ea typeface="Lora"/>
-              <a:cs typeface="Lora"/>
-              <a:sym typeface="Lora"/>
-            </a:endParaRPr>
-          </a:p>
-          <a:p>
-            <a:pPr marL="0" lvl="0" indent="0">
-              <a:buNone/>
-            </a:pPr>
-            <a:endParaRPr sz="1500" dirty="0">
-              <a:latin typeface="Lora" pitchFamily="2" charset="0"/>
-              <a:ea typeface="Lora"/>
-              <a:cs typeface="Lora"/>
-              <a:sym typeface="Lora"/>
-            </a:endParaRPr>
-          </a:p>
-          <a:p>
-            <a:pPr marL="0" lvl="0" indent="0" algn="l" rtl="0">
-              <a:spcBef>
-                <a:spcPts val="1200"/>
-              </a:spcBef>
-              <a:spcAft>
-                <a:spcPts val="0"/>
-              </a:spcAft>
-              <a:buNone/>
-            </a:pPr>
-            <a:endParaRPr sz="1600" dirty="0">
-              <a:latin typeface="Lora"/>
-              <a:ea typeface="Lora"/>
-              <a:cs typeface="Lora"/>
-              <a:sym typeface="Lora"/>
-            </a:endParaRPr>
-          </a:p>
-          <a:p>
-            <a:pPr marL="0" lvl="0" indent="0" algn="l" rtl="0">
-              <a:spcBef>
-                <a:spcPts val="1200"/>
-              </a:spcBef>
-              <a:spcAft>
-                <a:spcPts val="0"/>
-              </a:spcAft>
-              <a:buNone/>
-            </a:pPr>
-            <a:endParaRPr sz="1600" b="1" dirty="0">
-              <a:latin typeface="Lora"/>
-              <a:ea typeface="Lora"/>
-              <a:cs typeface="Lora"/>
-              <a:sym typeface="Lora"/>
-            </a:endParaRPr>
-          </a:p>
-          <a:p>
-            <a:pPr marL="0" lvl="0" indent="0" algn="l" rtl="0">
-              <a:lnSpc>
-                <a:spcPct val="105000"/>
-              </a:lnSpc>
-              <a:spcBef>
-                <a:spcPts val="1200"/>
-              </a:spcBef>
-              <a:spcAft>
-                <a:spcPts val="1200"/>
-              </a:spcAft>
-              <a:buNone/>
-            </a:pPr>
-            <a:endParaRPr sz="1600" dirty="0">
-              <a:latin typeface="Lora"/>
-              <a:ea typeface="Lora"/>
-              <a:cs typeface="Lora"/>
-              <a:sym typeface="Lora"/>
-            </a:endParaRPr>
-          </a:p>
-        </p:txBody>
-      </p:sp>
-    </p:spTree>
-    <p:extLst>
-      <p:ext uri="{BB962C8B-B14F-4D97-AF65-F5344CB8AC3E}">
-        <p14:creationId xmlns:p14="http://schemas.microsoft.com/office/powerpoint/2010/main" val="1959541006"/>
-      </p:ext>
-    </p:extLst>
-  </p:cSld>
-  <p:clrMapOvr>
-    <a:masterClrMapping/>
-  </p:clrMapOvr>
-  <p:timing>
-    <p:tnLst>
-      <p:par>
-        <p:cTn id="1" dur="indefinite" restart="never" nodeType="tmRoot">
-          <p:childTnLst>
-            <p:seq concurrent="1" nextAc="seek">
-              <p:cTn id="2" dur="indefinite" nodeType="mainSeq">
-                <p:childTnLst>
-                  <p:par>
-                    <p:cTn id="3" fill="hold">
-                      <p:stCondLst>
-                        <p:cond delay="indefinite"/>
-                        <p:cond evt="onBegin" delay="0">
-                          <p:tn val="2"/>
-                        </p:cond>
-                      </p:stCondLst>
-                      <p:childTnLst>
-                        <p:par>
-                          <p:cTn id="4" fill="hold">
-                            <p:stCondLst>
-                              <p:cond delay="0"/>
-                            </p:stCondLst>
-                            <p:childTnLst>
-                              <p:par>
-                                <p:cTn id="5" presetID="10" presetClass="entr" presetSubtype="0" fill="hold" nodeType="afterEffect">
-                                  <p:stCondLst>
-                                    <p:cond delay="0"/>
-                                  </p:stCondLst>
-                                  <p:childTnLst>
-                                    <p:set>
-                                      <p:cBhvr>
-                                        <p:cTn id="6" dur="1" fill="hold">
-                                          <p:stCondLst>
-                                            <p:cond delay="0"/>
-                                          </p:stCondLst>
-                                        </p:cTn>
-                                        <p:tgtEl>
-                                          <p:spTgt spid="364"/>
-                                        </p:tgtEl>
-                                        <p:attrNameLst>
-                                          <p:attrName>style.visibility</p:attrName>
-                                        </p:attrNameLst>
-                                      </p:cBhvr>
-                                      <p:to>
-                                        <p:strVal val="visible"/>
-                                      </p:to>
-                                    </p:set>
-                                    <p:animEffect transition="in" filter="fade">
-                                      <p:cBhvr>
-                                        <p:cTn id="7" dur="1000"/>
-                                        <p:tgtEl>
-                                          <p:spTgt spid="364"/>
-                                        </p:tgtEl>
-                                      </p:cBhvr>
-                                    </p:animEffect>
-                                  </p:childTnLst>
-                                </p:cTn>
-                              </p:par>
-                            </p:childTnLst>
-                          </p:cTn>
-                        </p:par>
-                        <p:par>
-                          <p:cTn id="8" fill="hold">
-                            <p:stCondLst>
-                              <p:cond delay="1000"/>
-                            </p:stCondLst>
-                            <p:childTnLst>
-                              <p:par>
-                                <p:cTn id="9" presetID="10" presetClass="entr" presetSubtype="0" fill="hold" nodeType="afterEffect">
-                                  <p:stCondLst>
-                                    <p:cond delay="0"/>
-                                  </p:stCondLst>
-                                  <p:childTnLst>
-                                    <p:set>
-                                      <p:cBhvr>
-                                        <p:cTn id="10" dur="1" fill="hold">
-                                          <p:stCondLst>
-                                            <p:cond delay="0"/>
-                                          </p:stCondLst>
-                                        </p:cTn>
-                                        <p:tgtEl>
-                                          <p:spTgt spid="366"/>
-                                        </p:tgtEl>
-                                        <p:attrNameLst>
-                                          <p:attrName>style.visibility</p:attrName>
-                                        </p:attrNameLst>
-                                      </p:cBhvr>
-                                      <p:to>
-                                        <p:strVal val="visible"/>
-                                      </p:to>
-                                    </p:set>
-                                    <p:animEffect transition="in" filter="fade">
-                                      <p:cBhvr>
-                                        <p:cTn id="11" dur="1000"/>
-                                        <p:tgtEl>
-                                          <p:spTgt spid="366"/>
-                                        </p:tgtEl>
-                                      </p:cBhvr>
-                                    </p:animEffect>
-                                  </p:childTnLst>
-                                </p:cTn>
-                              </p:par>
-                            </p:childTnLst>
-                          </p:cTn>
-                        </p:par>
-                      </p:childTnLst>
-                    </p:cTn>
-                  </p:par>
-                </p:childTnLst>
-              </p:cTn>
-              <p:prevCondLst>
-                <p:cond evt="onPrev" delay="0">
-                  <p:tgtEl>
-                    <p:sldTgt/>
-                  </p:tgtEl>
-                </p:cond>
-              </p:prevCondLst>
-              <p:nextCondLst>
-                <p:cond evt="onNext" delay="0">
-                  <p:tgtEl>
-                    <p:sldTgt/>
-                  </p:tgtEl>
-                </p:cond>
-              </p:nextCondLst>
-            </p:seq>
-          </p:childTnLst>
-        </p:cTn>
-      </p:par>
-    </p:tnLst>
-  </p:timing>
-</p:sld>
-</file>
-
 <file path=ppt/slides/slide31.xml><?xml version="1.0" encoding="utf-8"?>
 <p:sld xmlns:a="http://schemas.openxmlformats.org/drawingml/2006/main" xmlns:r="http://schemas.openxmlformats.org/officeDocument/2006/relationships" xmlns:p="http://schemas.openxmlformats.org/presentationml/2006/main">
   <p:cSld>
@@ -23813,24 +23821,15 @@
               <a:buNone/>
             </a:pPr>
             <a:r>
-              <a:rPr lang="es" sz="2600" dirty="0">
+              <a:rPr lang="es" sz="2600">
                 <a:latin typeface="Lora"/>
                 <a:ea typeface="Lora"/>
                 <a:cs typeface="Lora"/>
                 <a:sym typeface="Lora"/>
               </a:rPr>
-              <a:t>3) </a:t>
-            </a:r>
-            <a:r>
-              <a:rPr lang="es-AR" sz="2600" dirty="0">
-                <a:latin typeface="Lora"/>
-                <a:ea typeface="Lora"/>
-                <a:cs typeface="Lora"/>
-                <a:sym typeface="Lora"/>
-              </a:rPr>
-              <a:t>K-NEAREST NEIGHBOR (KNN)</a:t>
-            </a:r>
-            <a:endParaRPr dirty="0">
+              <a:t>2)  RANDOM FOREST</a:t>
+            </a:r>
+            <a:endParaRPr>
               <a:latin typeface="Oswald SemiBold"/>
               <a:ea typeface="Oswald SemiBold"/>
               <a:cs typeface="Oswald SemiBold"/>
@@ -23851,8 +23850,8 @@
         </p:nvSpPr>
         <p:spPr>
           <a:xfrm>
-            <a:off x="235500" y="1370362"/>
-            <a:ext cx="8738379" cy="3282244"/>
+            <a:off x="540300" y="1598100"/>
+            <a:ext cx="4336500" cy="2700300"/>
           </a:xfrm>
           <a:prstGeom prst="rect">
             <a:avLst/>
@@ -23864,103 +23863,25 @@
           </a:bodyPr>
           <a:lstStyle/>
           <a:p>
-            <a:pPr marL="0" indent="0">
-              <a:buNone/>
-            </a:pPr>
-            <a:r>
-              <a:rPr lang="es-AR" sz="1400" dirty="0">
+            <a:pPr marL="0" lvl="0" indent="0" algn="l" rtl="0">
+              <a:spcBef>
+                <a:spcPts val="0"/>
+              </a:spcBef>
+              <a:spcAft>
+                <a:spcPts val="0"/>
+              </a:spcAft>
+              <a:buNone/>
+            </a:pPr>
+            <a:r>
+              <a:rPr lang="es" sz="1600" dirty="0">
                 <a:latin typeface="Lora"/>
                 <a:ea typeface="Lora"/>
                 <a:cs typeface="Lora"/>
                 <a:sym typeface="Lora"/>
               </a:rPr>
-              <a:t>3) Definimos el valor de k en 100 y creamos nuestro clasificador para luego obtener el porcentaje de </a:t>
-            </a:r>
-            <a:r>
-              <a:rPr lang="es-AR" sz="1400" dirty="0" err="1">
-                <a:latin typeface="Lora"/>
-                <a:ea typeface="Lora"/>
-                <a:cs typeface="Lora"/>
-                <a:sym typeface="Lora"/>
-              </a:rPr>
-              <a:t>accuracy</a:t>
-            </a:r>
-            <a:r>
-              <a:rPr lang="es-AR" sz="1400" dirty="0">
-                <a:latin typeface="Lora"/>
-                <a:ea typeface="Lora"/>
-                <a:cs typeface="Lora"/>
-                <a:sym typeface="Lora"/>
-              </a:rPr>
-              <a:t> del modelo:</a:t>
-            </a:r>
-          </a:p>
-          <a:p>
-            <a:pPr marL="0" indent="0">
-              <a:buNone/>
-            </a:pPr>
-            <a:r>
-              <a:rPr lang="en-US" sz="1200" dirty="0">
-                <a:latin typeface="Courier New"/>
-                <a:ea typeface="Courier New"/>
-                <a:cs typeface="Courier New"/>
-              </a:rPr>
-              <a:t>	Accuracy of K-NN classifier on training set: 0.68 </a:t>
-            </a:r>
-          </a:p>
-          <a:p>
-            <a:pPr marL="0" indent="0">
-              <a:buNone/>
-            </a:pPr>
-            <a:r>
-              <a:rPr lang="en-US" sz="1200" dirty="0">
-                <a:latin typeface="Courier New"/>
-                <a:ea typeface="Courier New"/>
-                <a:cs typeface="Courier New"/>
-              </a:rPr>
-              <a:t>	Accuracy of K-NN classifier on test set: 0.68</a:t>
-            </a:r>
-            <a:endParaRPr sz="1200" dirty="0">
-              <a:latin typeface="Courier New"/>
-              <a:ea typeface="Courier New"/>
-              <a:cs typeface="Courier New"/>
-              <a:sym typeface="Lora"/>
-            </a:endParaRPr>
-          </a:p>
-          <a:p>
-            <a:pPr marL="0" lvl="0" indent="0">
-              <a:spcBef>
-                <a:spcPts val="1200"/>
-              </a:spcBef>
-              <a:buNone/>
-            </a:pPr>
-            <a:r>
-              <a:rPr lang="es-AR" sz="1600" dirty="0">
-                <a:latin typeface="Lora"/>
-                <a:ea typeface="Lora"/>
-                <a:cs typeface="Lora"/>
-                <a:sym typeface="Lora"/>
-              </a:rPr>
-              <a:t>4) </a:t>
-            </a:r>
-            <a:r>
-              <a:rPr lang="es-AR" sz="1400" dirty="0">
-                <a:latin typeface="Lora"/>
-                <a:ea typeface="Lora"/>
-                <a:cs typeface="Lora"/>
-                <a:sym typeface="Lora"/>
-              </a:rPr>
-              <a:t>Calculamos la precisión del modelo a través de la matriz de confusión:</a:t>
-            </a:r>
-          </a:p>
-          <a:p>
-            <a:pPr marL="0" lvl="0" indent="0">
-              <a:spcBef>
-                <a:spcPts val="1200"/>
-              </a:spcBef>
-              <a:buNone/>
-            </a:pPr>
-            <a:endParaRPr lang="es-AR" sz="1400" dirty="0">
+              <a:t>6) Creamos la matriz de confusión</a:t>
+            </a:r>
+            <a:endParaRPr sz="1600" dirty="0">
               <a:latin typeface="Lora"/>
               <a:ea typeface="Lora"/>
               <a:cs typeface="Lora"/>
@@ -23968,13 +23889,16 @@
             </a:endParaRPr>
           </a:p>
           <a:p>
-            <a:pPr marL="0" lvl="0" indent="0">
+            <a:pPr marL="0" lvl="0" indent="0" algn="l" rtl="0">
               <a:spcBef>
                 <a:spcPts val="1200"/>
               </a:spcBef>
-              <a:buNone/>
-            </a:pPr>
-            <a:endParaRPr lang="es-AR" sz="1400" dirty="0">
+              <a:spcAft>
+                <a:spcPts val="0"/>
+              </a:spcAft>
+              <a:buNone/>
+            </a:pPr>
+            <a:endParaRPr sz="1600" dirty="0">
               <a:latin typeface="Lora"/>
               <a:ea typeface="Lora"/>
               <a:cs typeface="Lora"/>
@@ -23982,13 +23906,16 @@
             </a:endParaRPr>
           </a:p>
           <a:p>
-            <a:pPr marL="0" lvl="0" indent="0">
+            <a:pPr marL="0" lvl="0" indent="0" algn="l" rtl="0">
               <a:spcBef>
                 <a:spcPts val="1200"/>
               </a:spcBef>
-              <a:buNone/>
-            </a:pPr>
-            <a:endParaRPr sz="1400" dirty="0">
+              <a:spcAft>
+                <a:spcPts val="0"/>
+              </a:spcAft>
+              <a:buNone/>
+            </a:pPr>
+            <a:endParaRPr sz="1600" dirty="0">
               <a:latin typeface="Lora"/>
               <a:ea typeface="Lora"/>
               <a:cs typeface="Lora"/>
@@ -24036,40 +23963,142 @@
       </p:sp>
       <p:pic>
         <p:nvPicPr>
-          <p:cNvPr id="5" name="Imagen 4">
-            <a:extLst>
-              <a:ext uri="{FF2B5EF4-FFF2-40B4-BE49-F238E27FC236}">
-                <a16:creationId xmlns:a16="http://schemas.microsoft.com/office/drawing/2014/main" id="{EC482734-A296-F302-7A5D-916097AB26C3}"/>
-              </a:ext>
-            </a:extLst>
-          </p:cNvPr>
-          <p:cNvPicPr>
-            <a:picLocks noChangeAspect="1"/>
-          </p:cNvPicPr>
+          <p:cNvPr id="367" name="Google Shape;367;p41"/>
+          <p:cNvPicPr preferRelativeResize="0"/>
           <p:nvPr/>
         </p:nvPicPr>
         <p:blipFill>
-          <a:blip r:embed="rId4"/>
+          <a:blip r:embed="rId4">
+            <a:alphaModFix/>
+          </a:blip>
           <a:stretch>
             <a:fillRect/>
           </a:stretch>
         </p:blipFill>
         <p:spPr>
           <a:xfrm>
-            <a:off x="2998380" y="2802494"/>
-            <a:ext cx="2752725" cy="2276475"/>
+            <a:off x="540400" y="2068150"/>
+            <a:ext cx="3600862" cy="2922625"/>
           </a:xfrm>
           <a:prstGeom prst="rect">
             <a:avLst/>
           </a:prstGeom>
+          <a:noFill/>
+          <a:ln>
+            <a:noFill/>
+          </a:ln>
+        </p:spPr>
+      </p:pic>
+      <p:sp>
+        <p:nvSpPr>
+          <p:cNvPr id="368" name="Google Shape;368;p41"/>
+          <p:cNvSpPr txBox="1"/>
+          <p:nvPr/>
+        </p:nvSpPr>
+        <p:spPr>
+          <a:xfrm>
+            <a:off x="4953000" y="1598100"/>
+            <a:ext cx="4667700" cy="837300"/>
+          </a:xfrm>
+          <a:prstGeom prst="rect">
+            <a:avLst/>
+          </a:prstGeom>
+          <a:noFill/>
+          <a:ln>
+            <a:noFill/>
+          </a:ln>
+        </p:spPr>
+        <p:txBody>
+          <a:bodyPr spcFirstLastPara="1" wrap="square" lIns="91425" tIns="91425" rIns="91425" bIns="91425" anchor="t" anchorCtr="0">
+            <a:spAutoFit/>
+          </a:bodyPr>
+          <a:lstStyle/>
+          <a:p>
+            <a:pPr marL="0" lvl="0" indent="0" algn="l" rtl="0">
+              <a:lnSpc>
+                <a:spcPct val="115000"/>
+              </a:lnSpc>
+              <a:spcBef>
+                <a:spcPts val="0"/>
+              </a:spcBef>
+              <a:spcAft>
+                <a:spcPts val="0"/>
+              </a:spcAft>
+              <a:buNone/>
+            </a:pPr>
+            <a:r>
+              <a:rPr lang="es" sz="1600" dirty="0">
+                <a:solidFill>
+                  <a:schemeClr val="lt1"/>
+                </a:solidFill>
+                <a:latin typeface="Lora"/>
+                <a:ea typeface="Lora"/>
+                <a:cs typeface="Lora"/>
+                <a:sym typeface="Lora"/>
+              </a:rPr>
+              <a:t>7) Construimos la curva de ROC</a:t>
+            </a:r>
+            <a:endParaRPr sz="1600" i="1" dirty="0">
+              <a:solidFill>
+                <a:schemeClr val="lt1"/>
+              </a:solidFill>
+              <a:latin typeface="Lora"/>
+              <a:ea typeface="Lora"/>
+              <a:cs typeface="Lora"/>
+              <a:sym typeface="Lora"/>
+            </a:endParaRPr>
+          </a:p>
+          <a:p>
+            <a:pPr marL="0" lvl="0" indent="0" algn="l" rtl="0">
+              <a:lnSpc>
+                <a:spcPct val="115000"/>
+              </a:lnSpc>
+              <a:spcBef>
+                <a:spcPts val="1200"/>
+              </a:spcBef>
+              <a:spcAft>
+                <a:spcPts val="1200"/>
+              </a:spcAft>
+              <a:buNone/>
+            </a:pPr>
+            <a:endParaRPr dirty="0">
+              <a:latin typeface="Lato"/>
+              <a:ea typeface="Lato"/>
+              <a:cs typeface="Lato"/>
+              <a:sym typeface="Lato"/>
+            </a:endParaRPr>
+          </a:p>
+        </p:txBody>
+      </p:sp>
+      <p:pic>
+        <p:nvPicPr>
+          <p:cNvPr id="369" name="Google Shape;369;p41"/>
+          <p:cNvPicPr preferRelativeResize="0"/>
+          <p:nvPr/>
+        </p:nvPicPr>
+        <p:blipFill>
+          <a:blip r:embed="rId5">
+            <a:alphaModFix/>
+          </a:blip>
+          <a:stretch>
+            <a:fillRect/>
+          </a:stretch>
+        </p:blipFill>
+        <p:spPr>
+          <a:xfrm>
+            <a:off x="4750726" y="2068150"/>
+            <a:ext cx="4009099" cy="2922625"/>
+          </a:xfrm>
+          <a:prstGeom prst="rect">
+            <a:avLst/>
+          </a:prstGeom>
+          <a:noFill/>
+          <a:ln>
+            <a:noFill/>
+          </a:ln>
         </p:spPr>
       </p:pic>
     </p:spTree>
-    <p:extLst>
-      <p:ext uri="{BB962C8B-B14F-4D97-AF65-F5344CB8AC3E}">
-        <p14:creationId xmlns:p14="http://schemas.microsoft.com/office/powerpoint/2010/main" val="2360961784"/>
-      </p:ext>
-    </p:extLst>
   </p:cSld>
   <p:clrMapOvr>
     <a:masterClrMapping/>
@@ -24376,8 +24405,8 @@
         </p:nvSpPr>
         <p:spPr>
           <a:xfrm>
-            <a:off x="235500" y="1370362"/>
-            <a:ext cx="8738379" cy="3282244"/>
+            <a:off x="265820" y="1598100"/>
+            <a:ext cx="8729329" cy="3282244"/>
           </a:xfrm>
           <a:prstGeom prst="rect">
             <a:avLst/>
@@ -24385,9 +24414,28 @@
         </p:spPr>
         <p:txBody>
           <a:bodyPr spcFirstLastPara="1" wrap="square" lIns="91425" tIns="91425" rIns="91425" bIns="91425" anchor="t" anchorCtr="0">
-            <a:normAutofit lnSpcReduction="10000"/>
+            <a:normAutofit/>
           </a:bodyPr>
           <a:lstStyle/>
+          <a:p>
+            <a:pPr marL="0" lvl="0" indent="0">
+              <a:buNone/>
+            </a:pPr>
+            <a:r>
+              <a:rPr lang="es-AR" sz="1500" dirty="0">
+                <a:latin typeface="Lora" pitchFamily="2" charset="0"/>
+              </a:rPr>
+              <a:t>Es un método que simplemente busca en las observaciones más cercanas a la que se está tratando de predecir y clasifica el punto de interés basado en la mayoría de los datos que le rodean</a:t>
+            </a:r>
+          </a:p>
+          <a:p>
+            <a:pPr marL="0" lvl="0" indent="0">
+              <a:buNone/>
+            </a:pPr>
+            <a:endParaRPr lang="es-AR" sz="1500" dirty="0">
+              <a:latin typeface="Lora" pitchFamily="2" charset="0"/>
+            </a:endParaRPr>
+          </a:p>
           <a:p>
             <a:pPr marL="0" indent="0">
               <a:buNone/>
@@ -24399,57 +24447,146 @@
                 <a:cs typeface="Lora"/>
                 <a:sym typeface="Lora"/>
               </a:rPr>
-              <a:t>Y el reporte sobre el conjunto de test, que nos detalla los aciertos y fallos</a:t>
-            </a:r>
-          </a:p>
-          <a:p>
-            <a:pPr marL="0" indent="0">
-              <a:buNone/>
-            </a:pPr>
-            <a:endParaRPr lang="es-AR" sz="1400" dirty="0">
-              <a:latin typeface="Lora"/>
-              <a:ea typeface="Lora"/>
-              <a:cs typeface="Lora"/>
-              <a:sym typeface="Lora"/>
-            </a:endParaRPr>
-          </a:p>
-          <a:p>
-            <a:pPr marL="0" indent="0">
-              <a:buNone/>
-            </a:pPr>
-            <a:r>
-              <a:rPr lang="es-AR" sz="1400" u="sng" dirty="0">
+              <a:t>1) Se buscaron cuáles son los clientes más rentables para cada producto → </a:t>
+            </a:r>
+            <a:r>
+              <a:rPr lang="es-AR" sz="1400" i="1" dirty="0">
                 <a:latin typeface="Lora"/>
                 <a:ea typeface="Lora"/>
                 <a:cs typeface="Lora"/>
                 <a:sym typeface="Lora"/>
               </a:rPr>
-              <a:t>Resultado producto Autos:</a:t>
-            </a:r>
+              <a:t>Supuesto: un cliente es rentable cuando tiene POINT_RENTABLE entre 9 y 10</a:t>
+            </a:r>
+          </a:p>
+          <a:p>
+            <a:pPr marL="0" lvl="0" indent="0">
+              <a:buNone/>
+            </a:pPr>
+            <a:endParaRPr lang="es-AR" sz="1500" dirty="0">
+              <a:latin typeface="Lora" pitchFamily="2" charset="0"/>
+            </a:endParaRPr>
           </a:p>
           <a:p>
             <a:pPr marL="0" indent="0">
               <a:buNone/>
             </a:pPr>
+            <a:r>
+              <a:rPr lang="es-AR" sz="1500" dirty="0">
+                <a:latin typeface="Lora" pitchFamily="2" charset="0"/>
+              </a:rPr>
+              <a:t>2) </a:t>
+            </a:r>
             <a:r>
               <a:rPr lang="es-AR" sz="1400" dirty="0">
                 <a:latin typeface="Lora"/>
                 <a:ea typeface="Lora"/>
                 <a:cs typeface="Lora"/>
-                <a:sym typeface="Lora"/>
               </a:rPr>
-              <a:t> </a:t>
-            </a:r>
+              <a:t>Creamos nuestro X e y de entrada y los sets de entrenamiento y test:</a:t>
+            </a:r>
+          </a:p>
+          <a:p>
+            <a:pPr marL="146050" indent="0">
+              <a:buNone/>
+            </a:pPr>
+            <a:r>
+              <a:rPr lang="es-AR" sz="1000" dirty="0">
+                <a:latin typeface="Courier New"/>
+                <a:ea typeface="Courier New"/>
+                <a:cs typeface="Courier New"/>
+              </a:rPr>
+              <a:t>X = </a:t>
+            </a:r>
+            <a:r>
+              <a:rPr lang="es-AR" sz="1000" dirty="0" err="1">
+                <a:latin typeface="Courier New"/>
+                <a:ea typeface="Courier New"/>
+                <a:cs typeface="Courier New"/>
+              </a:rPr>
+              <a:t>df_prod_autos_KNN</a:t>
+            </a:r>
+            <a:r>
+              <a:rPr lang="es-AR" sz="1000" dirty="0">
+                <a:latin typeface="Courier New"/>
+                <a:ea typeface="Courier New"/>
+                <a:cs typeface="Courier New"/>
+              </a:rPr>
+              <a:t>[['EDAD', 'ANTIGUEDAD_CLIENTE',  'SEGMENTO',  'ANTIGUEDAD_POLIZA', 'EDAD_CONTRATACION', 'SUBCANAL', 'CANAL', 'POINT_CONFIABLE', 'POINT_DIGITAL' ,'SCORE_INTERNO', 'SCORE_EXTERNO']].</a:t>
+            </a:r>
+            <a:r>
+              <a:rPr lang="es-AR" sz="1000" dirty="0" err="1">
+                <a:latin typeface="Courier New"/>
+                <a:ea typeface="Courier New"/>
+                <a:cs typeface="Courier New"/>
+              </a:rPr>
+              <a:t>values</a:t>
+            </a:r>
+            <a:r>
+              <a:rPr lang="es-AR" sz="1000" dirty="0">
+                <a:latin typeface="Courier New"/>
+                <a:ea typeface="Courier New"/>
+                <a:cs typeface="Courier New"/>
+              </a:rPr>
+              <a:t>  </a:t>
+            </a:r>
+          </a:p>
+          <a:p>
+            <a:pPr marL="146050" indent="0">
+              <a:buNone/>
+            </a:pPr>
+            <a:endParaRPr lang="es-AR" sz="1000" dirty="0">
+              <a:latin typeface="Courier New"/>
+              <a:ea typeface="Courier New"/>
+              <a:cs typeface="Courier New"/>
+            </a:endParaRPr>
+          </a:p>
+          <a:p>
+            <a:pPr marL="146050" indent="0">
+              <a:buNone/>
+            </a:pPr>
+            <a:r>
+              <a:rPr lang="es-AR" sz="1000" dirty="0">
+                <a:latin typeface="Courier New"/>
+                <a:ea typeface="Courier New"/>
+                <a:cs typeface="Courier New"/>
+              </a:rPr>
+              <a:t>y = </a:t>
+            </a:r>
+            <a:r>
+              <a:rPr lang="es-AR" sz="1000" dirty="0" err="1">
+                <a:latin typeface="Courier New"/>
+                <a:ea typeface="Courier New"/>
+                <a:cs typeface="Courier New"/>
+              </a:rPr>
+              <a:t>df_prod_autos_KNN</a:t>
+            </a:r>
+            <a:r>
+              <a:rPr lang="es-AR" sz="1000" dirty="0">
+                <a:latin typeface="Courier New"/>
+                <a:ea typeface="Courier New"/>
+                <a:cs typeface="Courier New"/>
+              </a:rPr>
+              <a:t>['POINT_RENTABLE'].</a:t>
+            </a:r>
+            <a:r>
+              <a:rPr lang="es-AR" sz="1000" dirty="0" err="1">
+                <a:latin typeface="Courier New"/>
+                <a:ea typeface="Courier New"/>
+                <a:cs typeface="Courier New"/>
+              </a:rPr>
+              <a:t>values</a:t>
+            </a:r>
+            <a:endParaRPr lang="es-AR" sz="1100" dirty="0">
+              <a:latin typeface="Lora" pitchFamily="2" charset="0"/>
+            </a:endParaRPr>
           </a:p>
           <a:p>
             <a:pPr marL="0" lvl="0" indent="0">
-              <a:spcBef>
-                <a:spcPts val="1200"/>
-              </a:spcBef>
-              <a:buNone/>
-            </a:pPr>
-            <a:endParaRPr lang="es-AR" sz="1400" dirty="0">
-              <a:latin typeface="Lora"/>
+              <a:buNone/>
+            </a:pPr>
+            <a:endParaRPr lang="es-AR" sz="1500" dirty="0">
+              <a:latin typeface="Lora" pitchFamily="2" charset="0"/>
               <a:ea typeface="Lora"/>
               <a:cs typeface="Lora"/>
               <a:sym typeface="Lora"/>
@@ -24457,19 +24594,27 @@
           </a:p>
           <a:p>
             <a:pPr marL="0" lvl="0" indent="0">
-              <a:spcBef>
-                <a:spcPts val="1200"/>
-              </a:spcBef>
-              <a:buNone/>
-            </a:pPr>
-            <a:endParaRPr sz="1400" dirty="0">
-              <a:latin typeface="Lora"/>
+              <a:buNone/>
+            </a:pPr>
+            <a:endParaRPr lang="es-AR" sz="1500" dirty="0">
+              <a:latin typeface="Lora" pitchFamily="2" charset="0"/>
               <a:ea typeface="Lora"/>
               <a:cs typeface="Lora"/>
               <a:sym typeface="Lora"/>
             </a:endParaRPr>
           </a:p>
           <a:p>
+            <a:pPr marL="0" lvl="0" indent="0">
+              <a:buNone/>
+            </a:pPr>
+            <a:endParaRPr sz="1500" dirty="0">
+              <a:latin typeface="Lora" pitchFamily="2" charset="0"/>
+              <a:ea typeface="Lora"/>
+              <a:cs typeface="Lora"/>
+              <a:sym typeface="Lora"/>
+            </a:endParaRPr>
+          </a:p>
+          <a:p>
             <a:pPr marL="0" lvl="0" indent="0" algn="l" rtl="0">
               <a:spcBef>
                 <a:spcPts val="1200"/>
@@ -24479,7 +24624,7 @@
               </a:spcAft>
               <a:buNone/>
             </a:pPr>
-            <a:endParaRPr lang="es-AR" sz="1600" b="1" dirty="0">
+            <a:endParaRPr sz="1600" dirty="0">
               <a:latin typeface="Lora"/>
               <a:ea typeface="Lora"/>
               <a:cs typeface="Lora"/>
@@ -24504,36 +24649,7 @@
             </a:endParaRPr>
           </a:p>
           <a:p>
-            <a:pPr marL="0" indent="0">
-              <a:lnSpc>
-                <a:spcPct val="105000"/>
-              </a:lnSpc>
-              <a:spcBef>
-                <a:spcPts val="1200"/>
-              </a:spcBef>
-              <a:spcAft>
-                <a:spcPts val="1200"/>
-              </a:spcAft>
-              <a:buNone/>
-            </a:pPr>
-            <a:r>
-              <a:rPr lang="es-AR" sz="1600" dirty="0">
-                <a:latin typeface="Lora"/>
-                <a:ea typeface="Lora"/>
-                <a:cs typeface="Lora"/>
-                <a:sym typeface="Lora"/>
-              </a:rPr>
-              <a:t>5) </a:t>
-            </a:r>
-            <a:r>
-              <a:rPr lang="es-AR" sz="1400" dirty="0">
-                <a:latin typeface="Lora" pitchFamily="2" charset="0"/>
-              </a:rPr>
-              <a:t>Graficamos la clasificación obtenida para ver dónde caerán las predicciones:</a:t>
-            </a:r>
-          </a:p>
-          <a:p>
-            <a:pPr marL="0" lvl="0" indent="0">
+            <a:pPr marL="0" lvl="0" indent="0" algn="l" rtl="0">
               <a:lnSpc>
                 <a:spcPct val="105000"/>
               </a:lnSpc>
@@ -24554,40 +24670,10 @@
           </a:p>
         </p:txBody>
       </p:sp>
-      <p:pic>
-        <p:nvPicPr>
-          <p:cNvPr id="4" name="Imagen 3">
-            <a:extLst>
-              <a:ext uri="{FF2B5EF4-FFF2-40B4-BE49-F238E27FC236}">
-                <a16:creationId xmlns:a16="http://schemas.microsoft.com/office/drawing/2014/main" id="{A345D072-078B-A78C-7A57-E9C8E80453A5}"/>
-              </a:ext>
-            </a:extLst>
-          </p:cNvPr>
-          <p:cNvPicPr>
-            <a:picLocks noChangeAspect="1"/>
-          </p:cNvPicPr>
-          <p:nvPr/>
-        </p:nvPicPr>
-        <p:blipFill>
-          <a:blip r:embed="rId4"/>
-          <a:stretch>
-            <a:fillRect/>
-          </a:stretch>
-        </p:blipFill>
-        <p:spPr>
-          <a:xfrm>
-            <a:off x="2194738" y="2321015"/>
-            <a:ext cx="3733800" cy="1400175"/>
-          </a:xfrm>
-          <a:prstGeom prst="rect">
-            <a:avLst/>
-          </a:prstGeom>
-        </p:spPr>
-      </p:pic>
     </p:spTree>
     <p:extLst>
       <p:ext uri="{BB962C8B-B14F-4D97-AF65-F5344CB8AC3E}">
-        <p14:creationId xmlns:p14="http://schemas.microsoft.com/office/powerpoint/2010/main" val="3589022728"/>
+        <p14:creationId xmlns:p14="http://schemas.microsoft.com/office/powerpoint/2010/main" val="1959541006"/>
       </p:ext>
     </p:extLst>
   </p:cSld>
@@ -24896,8 +24982,8 @@
         </p:nvSpPr>
         <p:spPr>
           <a:xfrm>
-            <a:off x="235500" y="1370362"/>
-            <a:ext cx="8738379" cy="3282244"/>
+            <a:off x="327648" y="1389600"/>
+            <a:ext cx="8316621" cy="3282244"/>
           </a:xfrm>
           <a:prstGeom prst="rect">
             <a:avLst/>
@@ -24909,15 +24995,125 @@
           </a:bodyPr>
           <a:lstStyle/>
           <a:p>
-            <a:pPr marL="0" indent="0">
-              <a:buNone/>
-            </a:pPr>
-            <a:endParaRPr lang="es-AR" sz="1400" dirty="0">
+            <a:pPr marL="0" lvl="0" indent="0">
+              <a:buNone/>
+            </a:pPr>
+            <a:r>
+              <a:rPr lang="es-AR" sz="1400" dirty="0">
+                <a:latin typeface="Lora" pitchFamily="2" charset="0"/>
+              </a:rPr>
+              <a:t>3) Se busca obtener un máximo de 10 grupos. Para optimizar el modelo, vamos a buscar qué ‘k’ &lt; 11 tiene mejor </a:t>
+            </a:r>
+            <a:r>
+              <a:rPr lang="es-AR" sz="1400" i="1" dirty="0" err="1">
+                <a:latin typeface="Lora" pitchFamily="2" charset="0"/>
+              </a:rPr>
+              <a:t>accuracy</a:t>
+            </a:r>
+            <a:r>
+              <a:rPr lang="es-AR" sz="1400" i="1" dirty="0">
+                <a:latin typeface="Lora" pitchFamily="2" charset="0"/>
+              </a:rPr>
+              <a:t>. </a:t>
+            </a:r>
+            <a:r>
+              <a:rPr lang="es-AR" sz="1400" dirty="0">
+                <a:latin typeface="Lora" pitchFamily="2" charset="0"/>
+              </a:rPr>
+              <a:t>El resultado logrado fue k=9</a:t>
+            </a:r>
+            <a:r>
+              <a:rPr lang="es-AR" sz="1400" i="1" dirty="0">
+                <a:latin typeface="Lora" pitchFamily="2" charset="0"/>
+              </a:rPr>
+              <a:t>:</a:t>
+            </a:r>
+          </a:p>
+          <a:p>
+            <a:pPr marL="0" lvl="0" indent="0">
+              <a:buNone/>
+            </a:pPr>
+            <a:endParaRPr lang="es-AR" sz="1400" i="1" dirty="0">
               <a:latin typeface="Lora" pitchFamily="2" charset="0"/>
             </a:endParaRPr>
           </a:p>
           <a:p>
             <a:pPr marL="0" lvl="0" indent="0">
+              <a:buNone/>
+            </a:pPr>
+            <a:endParaRPr lang="es-AR" sz="1400" i="1" dirty="0">
+              <a:latin typeface="Lora" pitchFamily="2" charset="0"/>
+            </a:endParaRPr>
+          </a:p>
+          <a:p>
+            <a:pPr marL="0" lvl="0" indent="0">
+              <a:buNone/>
+            </a:pPr>
+            <a:endParaRPr lang="es-AR" sz="1500" dirty="0">
+              <a:latin typeface="Lora" pitchFamily="2" charset="0"/>
+              <a:ea typeface="Lora"/>
+              <a:cs typeface="Lora"/>
+              <a:sym typeface="Lora"/>
+            </a:endParaRPr>
+          </a:p>
+          <a:p>
+            <a:pPr marL="0" lvl="0" indent="0">
+              <a:buNone/>
+            </a:pPr>
+            <a:endParaRPr lang="es-AR" sz="1500" dirty="0">
+              <a:latin typeface="Lora" pitchFamily="2" charset="0"/>
+              <a:ea typeface="Lora"/>
+              <a:cs typeface="Lora"/>
+              <a:sym typeface="Lora"/>
+            </a:endParaRPr>
+          </a:p>
+          <a:p>
+            <a:pPr marL="0" lvl="0" indent="0">
+              <a:buNone/>
+            </a:pPr>
+            <a:endParaRPr sz="1500" dirty="0">
+              <a:latin typeface="Lora" pitchFamily="2" charset="0"/>
+              <a:ea typeface="Lora"/>
+              <a:cs typeface="Lora"/>
+              <a:sym typeface="Lora"/>
+            </a:endParaRPr>
+          </a:p>
+          <a:p>
+            <a:pPr marL="0" lvl="0" indent="0" algn="l" rtl="0">
+              <a:spcBef>
+                <a:spcPts val="1200"/>
+              </a:spcBef>
+              <a:spcAft>
+                <a:spcPts val="0"/>
+              </a:spcAft>
+              <a:buNone/>
+            </a:pPr>
+            <a:endParaRPr sz="1600" dirty="0">
+              <a:latin typeface="Lora"/>
+              <a:ea typeface="Lora"/>
+              <a:cs typeface="Lora"/>
+              <a:sym typeface="Lora"/>
+            </a:endParaRPr>
+          </a:p>
+          <a:p>
+            <a:pPr marL="0" lvl="0" indent="0" algn="l" rtl="0">
+              <a:spcBef>
+                <a:spcPts val="1200"/>
+              </a:spcBef>
+              <a:spcAft>
+                <a:spcPts val="0"/>
+              </a:spcAft>
+              <a:buNone/>
+            </a:pPr>
+            <a:endParaRPr sz="1600" b="1" dirty="0">
+              <a:latin typeface="Lora"/>
+              <a:ea typeface="Lora"/>
+              <a:cs typeface="Lora"/>
+              <a:sym typeface="Lora"/>
+            </a:endParaRPr>
+          </a:p>
+          <a:p>
+            <a:pPr marL="0" lvl="0" indent="0" algn="l" rtl="0">
               <a:lnSpc>
                 <a:spcPct val="105000"/>
               </a:lnSpc>
@@ -24943,7 +25139,7 @@
           <p:cNvPr id="3" name="Imagen 2">
             <a:extLst>
               <a:ext uri="{FF2B5EF4-FFF2-40B4-BE49-F238E27FC236}">
-                <a16:creationId xmlns:a16="http://schemas.microsoft.com/office/drawing/2014/main" id="{07E15E0A-EF7E-645D-0866-3508D94AC07C}"/>
+                <a16:creationId xmlns:a16="http://schemas.microsoft.com/office/drawing/2014/main" id="{8855918D-57F7-6B27-E7F2-91DF740D95DB}"/>
               </a:ext>
             </a:extLst>
           </p:cNvPr>
@@ -24960,8 +25156,8 @@
         </p:blipFill>
         <p:spPr>
           <a:xfrm>
-            <a:off x="1702345" y="1615808"/>
-            <a:ext cx="5571876" cy="3282245"/>
+            <a:off x="288665" y="2251630"/>
+            <a:ext cx="4567244" cy="2692514"/>
           </a:xfrm>
           <a:prstGeom prst="rect">
             <a:avLst/>
@@ -24970,10 +25166,10 @@
       </p:pic>
       <p:sp>
         <p:nvSpPr>
-          <p:cNvPr id="5" name="CuadroTexto 4">
+          <p:cNvPr id="4" name="CuadroTexto 3">
             <a:extLst>
               <a:ext uri="{FF2B5EF4-FFF2-40B4-BE49-F238E27FC236}">
-                <a16:creationId xmlns:a16="http://schemas.microsoft.com/office/drawing/2014/main" id="{3AEEFADD-D00C-9BA0-2938-CEA70697C0FC}"/>
+                <a16:creationId xmlns:a16="http://schemas.microsoft.com/office/drawing/2014/main" id="{97782DE9-C290-7DC8-9352-1F7FFA2850A9}"/>
               </a:ext>
             </a:extLst>
           </p:cNvPr>
@@ -24982,8 +25178,8 @@
         </p:nvSpPr>
         <p:spPr>
           <a:xfrm>
-            <a:off x="1799744" y="1278500"/>
-            <a:ext cx="4662781" cy="338554"/>
+            <a:off x="5091405" y="2830667"/>
+            <a:ext cx="3487478" cy="800219"/>
           </a:xfrm>
           <a:prstGeom prst="rect">
             <a:avLst/>
@@ -24997,22 +25193,80 @@
           <a:lstStyle/>
           <a:p>
             <a:r>
-              <a:rPr lang="es-AR" sz="1600" b="1" dirty="0">
+              <a:rPr lang="en-US" u="sng" dirty="0" err="1">
                 <a:solidFill>
-                  <a:schemeClr val="bg1"/>
+                  <a:schemeClr val="lt1"/>
                 </a:solidFill>
                 <a:latin typeface="Lora" pitchFamily="2" charset="0"/>
-                <a:ea typeface="HGSMinchoE" panose="020B0400000000000000" pitchFamily="18" charset="-128"/>
+                <a:ea typeface="Lato"/>
+                <a:cs typeface="Lato"/>
+                <a:sym typeface="Lato"/>
               </a:rPr>
-              <a:t>EN PROCESO</a:t>
-            </a:r>
+              <a:t>Resultados</a:t>
+            </a:r>
+            <a:r>
+              <a:rPr lang="en-US" dirty="0">
+                <a:solidFill>
+                  <a:schemeClr val="lt1"/>
+                </a:solidFill>
+                <a:latin typeface="Lora" pitchFamily="2" charset="0"/>
+                <a:ea typeface="Lato"/>
+                <a:cs typeface="Lato"/>
+                <a:sym typeface="Lato"/>
+              </a:rPr>
+              <a:t>:</a:t>
+            </a:r>
+          </a:p>
+          <a:p>
+            <a:endParaRPr lang="en-US" sz="1000" dirty="0">
+              <a:solidFill>
+                <a:schemeClr val="lt1"/>
+              </a:solidFill>
+              <a:latin typeface="Courier New"/>
+              <a:cs typeface="Courier New"/>
+              <a:sym typeface="Lato"/>
+            </a:endParaRPr>
+          </a:p>
+          <a:p>
+            <a:r>
+              <a:rPr lang="en-US" sz="1100" dirty="0">
+                <a:solidFill>
+                  <a:schemeClr val="lt1"/>
+                </a:solidFill>
+                <a:latin typeface="Courier New"/>
+                <a:cs typeface="Courier New"/>
+                <a:sym typeface="Lato"/>
+              </a:rPr>
+              <a:t>Accuracy on training set: 0.9075 </a:t>
+            </a:r>
+          </a:p>
+          <a:p>
+            <a:r>
+              <a:rPr lang="en-US" sz="1100" dirty="0">
+                <a:solidFill>
+                  <a:schemeClr val="lt1"/>
+                </a:solidFill>
+                <a:latin typeface="Courier New"/>
+                <a:cs typeface="Courier New"/>
+                <a:sym typeface="Lato"/>
+              </a:rPr>
+              <a:t>Accuracy on test set: 0.8863</a:t>
+            </a:r>
+            <a:endParaRPr lang="es-AR" sz="1100" dirty="0">
+              <a:solidFill>
+                <a:schemeClr val="lt1"/>
+              </a:solidFill>
+              <a:latin typeface="Courier New"/>
+              <a:cs typeface="Courier New"/>
+              <a:sym typeface="Lato"/>
+            </a:endParaRPr>
           </a:p>
         </p:txBody>
       </p:sp>
     </p:spTree>
     <p:extLst>
       <p:ext uri="{BB962C8B-B14F-4D97-AF65-F5344CB8AC3E}">
-        <p14:creationId xmlns:p14="http://schemas.microsoft.com/office/powerpoint/2010/main" val="3506239800"/>
+        <p14:creationId xmlns:p14="http://schemas.microsoft.com/office/powerpoint/2010/main" val="4140789877"/>
       </p:ext>
     </p:extLst>
   </p:cSld>
@@ -25157,6 +25411,1040 @@
   <p:cSld>
     <p:spTree>
       <p:nvGrpSpPr>
+        <p:cNvPr id="1" name="Shape 362"/>
+        <p:cNvGrpSpPr/>
+        <p:nvPr/>
+      </p:nvGrpSpPr>
+      <p:grpSpPr>
+        <a:xfrm>
+          <a:off x="0" y="0"/>
+          <a:ext cx="0" cy="0"/>
+          <a:chOff x="0" y="0"/>
+          <a:chExt cx="0" cy="0"/>
+        </a:xfrm>
+      </p:grpSpPr>
+      <p:pic>
+        <p:nvPicPr>
+          <p:cNvPr id="363" name="Google Shape;363;p41"/>
+          <p:cNvPicPr preferRelativeResize="0"/>
+          <p:nvPr/>
+        </p:nvPicPr>
+        <p:blipFill rotWithShape="1">
+          <a:blip r:embed="rId3">
+            <a:alphaModFix amt="21000"/>
+          </a:blip>
+          <a:srcRect l="-110" t="9719" r="-110" b="2714"/>
+          <a:stretch/>
+        </p:blipFill>
+        <p:spPr>
+          <a:xfrm>
+            <a:off x="0" y="0"/>
+            <a:ext cx="9144000" cy="5143500"/>
+          </a:xfrm>
+          <a:prstGeom prst="rect">
+            <a:avLst/>
+          </a:prstGeom>
+          <a:noFill/>
+          <a:ln>
+            <a:noFill/>
+          </a:ln>
+        </p:spPr>
+      </p:pic>
+      <p:sp>
+        <p:nvSpPr>
+          <p:cNvPr id="364" name="Google Shape;364;p41"/>
+          <p:cNvSpPr txBox="1">
+            <a:spLocks noGrp="1"/>
+          </p:cNvSpPr>
+          <p:nvPr>
+            <p:ph type="title"/>
+          </p:nvPr>
+        </p:nvSpPr>
+        <p:spPr>
+          <a:xfrm>
+            <a:off x="235500" y="555600"/>
+            <a:ext cx="843300" cy="755700"/>
+          </a:xfrm>
+          <a:prstGeom prst="rect">
+            <a:avLst/>
+          </a:prstGeom>
+        </p:spPr>
+        <p:txBody>
+          <a:bodyPr spcFirstLastPara="1" wrap="square" lIns="91425" tIns="91425" rIns="91425" bIns="91425" anchor="t" anchorCtr="0">
+            <a:noAutofit/>
+          </a:bodyPr>
+          <a:lstStyle/>
+          <a:p>
+            <a:pPr marL="0" lvl="0" indent="0" algn="l" rtl="0">
+              <a:spcBef>
+                <a:spcPts val="0"/>
+              </a:spcBef>
+              <a:spcAft>
+                <a:spcPts val="0"/>
+              </a:spcAft>
+              <a:buNone/>
+            </a:pPr>
+            <a:r>
+              <a:rPr lang="es" sz="4600">
+                <a:latin typeface="Oswald SemiBold"/>
+                <a:ea typeface="Oswald SemiBold"/>
+                <a:cs typeface="Oswald SemiBold"/>
+                <a:sym typeface="Oswald SemiBold"/>
+              </a:rPr>
+              <a:t>05</a:t>
+            </a:r>
+            <a:endParaRPr sz="4600">
+              <a:latin typeface="Oswald SemiBold"/>
+              <a:ea typeface="Oswald SemiBold"/>
+              <a:cs typeface="Oswald SemiBold"/>
+              <a:sym typeface="Oswald SemiBold"/>
+            </a:endParaRPr>
+          </a:p>
+        </p:txBody>
+      </p:sp>
+      <p:sp>
+        <p:nvSpPr>
+          <p:cNvPr id="365" name="Google Shape;365;p41"/>
+          <p:cNvSpPr txBox="1">
+            <a:spLocks noGrp="1"/>
+          </p:cNvSpPr>
+          <p:nvPr>
+            <p:ph type="title"/>
+          </p:nvPr>
+        </p:nvSpPr>
+        <p:spPr>
+          <a:xfrm>
+            <a:off x="1154925" y="633900"/>
+            <a:ext cx="5307600" cy="755700"/>
+          </a:xfrm>
+          <a:prstGeom prst="rect">
+            <a:avLst/>
+          </a:prstGeom>
+        </p:spPr>
+        <p:txBody>
+          <a:bodyPr spcFirstLastPara="1" wrap="square" lIns="91425" tIns="91425" rIns="91425" bIns="91425" anchor="t" anchorCtr="0">
+            <a:normAutofit/>
+          </a:bodyPr>
+          <a:lstStyle/>
+          <a:p>
+            <a:pPr marL="0" lvl="0" indent="0" algn="l" rtl="0">
+              <a:spcBef>
+                <a:spcPts val="0"/>
+              </a:spcBef>
+              <a:spcAft>
+                <a:spcPts val="0"/>
+              </a:spcAft>
+              <a:buNone/>
+            </a:pPr>
+            <a:r>
+              <a:rPr lang="es" sz="2600" dirty="0">
+                <a:latin typeface="Lora"/>
+                <a:ea typeface="Lora"/>
+                <a:cs typeface="Lora"/>
+                <a:sym typeface="Lora"/>
+              </a:rPr>
+              <a:t>3) </a:t>
+            </a:r>
+            <a:r>
+              <a:rPr lang="es-AR" sz="2600" dirty="0">
+                <a:latin typeface="Lora"/>
+                <a:ea typeface="Lora"/>
+                <a:cs typeface="Lora"/>
+                <a:sym typeface="Lora"/>
+              </a:rPr>
+              <a:t>K-NEAREST NEIGHBOR (KNN)</a:t>
+            </a:r>
+            <a:endParaRPr dirty="0">
+              <a:latin typeface="Oswald SemiBold"/>
+              <a:ea typeface="Oswald SemiBold"/>
+              <a:cs typeface="Oswald SemiBold"/>
+              <a:sym typeface="Oswald SemiBold"/>
+            </a:endParaRPr>
+          </a:p>
+        </p:txBody>
+      </p:sp>
+      <p:sp>
+        <p:nvSpPr>
+          <p:cNvPr id="366" name="Google Shape;366;p41"/>
+          <p:cNvSpPr txBox="1">
+            <a:spLocks noGrp="1"/>
+          </p:cNvSpPr>
+          <p:nvPr>
+            <p:ph type="body" idx="1"/>
+          </p:nvPr>
+        </p:nvSpPr>
+        <p:spPr>
+          <a:xfrm>
+            <a:off x="320565" y="1370362"/>
+            <a:ext cx="3730444" cy="3282244"/>
+          </a:xfrm>
+          <a:prstGeom prst="rect">
+            <a:avLst/>
+          </a:prstGeom>
+        </p:spPr>
+        <p:txBody>
+          <a:bodyPr spcFirstLastPara="1" wrap="square" lIns="91425" tIns="91425" rIns="91425" bIns="91425" anchor="t" anchorCtr="0">
+            <a:normAutofit/>
+          </a:bodyPr>
+          <a:lstStyle/>
+          <a:p>
+            <a:pPr marL="0" lvl="0" indent="0">
+              <a:spcBef>
+                <a:spcPts val="1200"/>
+              </a:spcBef>
+              <a:buNone/>
+            </a:pPr>
+            <a:r>
+              <a:rPr lang="es-AR" sz="1600" dirty="0">
+                <a:latin typeface="Lora"/>
+                <a:ea typeface="Lora"/>
+                <a:cs typeface="Lora"/>
+                <a:sym typeface="Lora"/>
+              </a:rPr>
+              <a:t>4) </a:t>
+            </a:r>
+            <a:r>
+              <a:rPr lang="es" sz="1400" dirty="0">
+                <a:latin typeface="Lora"/>
+                <a:ea typeface="Lora"/>
+                <a:cs typeface="Lora"/>
+                <a:sym typeface="Lora"/>
+              </a:rPr>
+              <a:t>Creamos la matriz de confusión</a:t>
+            </a:r>
+            <a:endParaRPr lang="es-AR" sz="1400" dirty="0">
+              <a:latin typeface="Lora"/>
+              <a:ea typeface="Lora"/>
+              <a:cs typeface="Lora"/>
+              <a:sym typeface="Lora"/>
+            </a:endParaRPr>
+          </a:p>
+          <a:p>
+            <a:pPr marL="0" lvl="0" indent="0">
+              <a:spcBef>
+                <a:spcPts val="1200"/>
+              </a:spcBef>
+              <a:buNone/>
+            </a:pPr>
+            <a:endParaRPr lang="es-AR" sz="1400" dirty="0">
+              <a:latin typeface="Lora"/>
+              <a:ea typeface="Lora"/>
+              <a:cs typeface="Lora"/>
+              <a:sym typeface="Lora"/>
+            </a:endParaRPr>
+          </a:p>
+          <a:p>
+            <a:pPr marL="0" lvl="0" indent="0">
+              <a:spcBef>
+                <a:spcPts val="1200"/>
+              </a:spcBef>
+              <a:buNone/>
+            </a:pPr>
+            <a:endParaRPr lang="es-AR" sz="1400" dirty="0">
+              <a:latin typeface="Lora"/>
+              <a:ea typeface="Lora"/>
+              <a:cs typeface="Lora"/>
+              <a:sym typeface="Lora"/>
+            </a:endParaRPr>
+          </a:p>
+          <a:p>
+            <a:pPr marL="0" lvl="0" indent="0">
+              <a:spcBef>
+                <a:spcPts val="1200"/>
+              </a:spcBef>
+              <a:buNone/>
+            </a:pPr>
+            <a:endParaRPr sz="1400" dirty="0">
+              <a:latin typeface="Lora"/>
+              <a:ea typeface="Lora"/>
+              <a:cs typeface="Lora"/>
+              <a:sym typeface="Lora"/>
+            </a:endParaRPr>
+          </a:p>
+          <a:p>
+            <a:pPr marL="0" lvl="0" indent="0" algn="l" rtl="0">
+              <a:spcBef>
+                <a:spcPts val="1200"/>
+              </a:spcBef>
+              <a:spcAft>
+                <a:spcPts val="0"/>
+              </a:spcAft>
+              <a:buNone/>
+            </a:pPr>
+            <a:endParaRPr sz="1600" b="1" dirty="0">
+              <a:latin typeface="Lora"/>
+              <a:ea typeface="Lora"/>
+              <a:cs typeface="Lora"/>
+              <a:sym typeface="Lora"/>
+            </a:endParaRPr>
+          </a:p>
+          <a:p>
+            <a:pPr marL="0" lvl="0" indent="0" algn="l" rtl="0">
+              <a:lnSpc>
+                <a:spcPct val="105000"/>
+              </a:lnSpc>
+              <a:spcBef>
+                <a:spcPts val="1200"/>
+              </a:spcBef>
+              <a:spcAft>
+                <a:spcPts val="1200"/>
+              </a:spcAft>
+              <a:buNone/>
+            </a:pPr>
+            <a:endParaRPr sz="1600" dirty="0">
+              <a:latin typeface="Lora"/>
+              <a:ea typeface="Lora"/>
+              <a:cs typeface="Lora"/>
+              <a:sym typeface="Lora"/>
+            </a:endParaRPr>
+          </a:p>
+        </p:txBody>
+      </p:sp>
+      <p:pic>
+        <p:nvPicPr>
+          <p:cNvPr id="5" name="Imagen 4">
+            <a:extLst>
+              <a:ext uri="{FF2B5EF4-FFF2-40B4-BE49-F238E27FC236}">
+                <a16:creationId xmlns:a16="http://schemas.microsoft.com/office/drawing/2014/main" id="{EC482734-A296-F302-7A5D-916097AB26C3}"/>
+              </a:ext>
+            </a:extLst>
+          </p:cNvPr>
+          <p:cNvPicPr>
+            <a:picLocks noChangeAspect="1"/>
+          </p:cNvPicPr>
+          <p:nvPr/>
+        </p:nvPicPr>
+        <p:blipFill>
+          <a:blip r:embed="rId4"/>
+          <a:stretch>
+            <a:fillRect/>
+          </a:stretch>
+        </p:blipFill>
+        <p:spPr>
+          <a:xfrm>
+            <a:off x="425068" y="2126062"/>
+            <a:ext cx="3055110" cy="2526544"/>
+          </a:xfrm>
+          <a:prstGeom prst="rect">
+            <a:avLst/>
+          </a:prstGeom>
+        </p:spPr>
+      </p:pic>
+      <p:sp>
+        <p:nvSpPr>
+          <p:cNvPr id="2" name="CuadroTexto 1">
+            <a:extLst>
+              <a:ext uri="{FF2B5EF4-FFF2-40B4-BE49-F238E27FC236}">
+                <a16:creationId xmlns:a16="http://schemas.microsoft.com/office/drawing/2014/main" id="{20B840A4-17D5-1A1F-8A9A-438DBD93276C}"/>
+              </a:ext>
+            </a:extLst>
+          </p:cNvPr>
+          <p:cNvSpPr txBox="1"/>
+          <p:nvPr/>
+        </p:nvSpPr>
+        <p:spPr>
+          <a:xfrm>
+            <a:off x="4465345" y="1603942"/>
+            <a:ext cx="4336499" cy="307777"/>
+          </a:xfrm>
+          <a:prstGeom prst="rect">
+            <a:avLst/>
+          </a:prstGeom>
+          <a:noFill/>
+        </p:spPr>
+        <p:txBody>
+          <a:bodyPr wrap="square" rtlCol="0">
+            <a:spAutoFit/>
+          </a:bodyPr>
+          <a:lstStyle/>
+          <a:p>
+            <a:r>
+              <a:rPr lang="es-AR" dirty="0">
+                <a:solidFill>
+                  <a:schemeClr val="bg1"/>
+                </a:solidFill>
+                <a:latin typeface="Lora" pitchFamily="2" charset="0"/>
+              </a:rPr>
+              <a:t>5) </a:t>
+            </a:r>
+            <a:r>
+              <a:rPr lang="es" sz="1400" dirty="0">
+                <a:solidFill>
+                  <a:schemeClr val="lt1"/>
+                </a:solidFill>
+                <a:latin typeface="Lora"/>
+                <a:ea typeface="Lora"/>
+                <a:cs typeface="Lora"/>
+                <a:sym typeface="Lora"/>
+              </a:rPr>
+              <a:t>Construimos la curva de ROC</a:t>
+            </a:r>
+            <a:r>
+              <a:rPr lang="es-AR" dirty="0">
+                <a:solidFill>
+                  <a:schemeClr val="bg1"/>
+                </a:solidFill>
+                <a:latin typeface="Lora" pitchFamily="2" charset="0"/>
+              </a:rPr>
+              <a:t> </a:t>
+            </a:r>
+          </a:p>
+        </p:txBody>
+      </p:sp>
+      <p:pic>
+        <p:nvPicPr>
+          <p:cNvPr id="4" name="Imagen 3">
+            <a:extLst>
+              <a:ext uri="{FF2B5EF4-FFF2-40B4-BE49-F238E27FC236}">
+                <a16:creationId xmlns:a16="http://schemas.microsoft.com/office/drawing/2014/main" id="{61499C95-C6FA-EF6A-740F-85DA576E4BC7}"/>
+              </a:ext>
+            </a:extLst>
+          </p:cNvPr>
+          <p:cNvPicPr>
+            <a:picLocks noChangeAspect="1"/>
+          </p:cNvPicPr>
+          <p:nvPr/>
+        </p:nvPicPr>
+        <p:blipFill>
+          <a:blip r:embed="rId5"/>
+          <a:stretch>
+            <a:fillRect/>
+          </a:stretch>
+        </p:blipFill>
+        <p:spPr>
+          <a:xfrm>
+            <a:off x="4545142" y="2152591"/>
+            <a:ext cx="4356037" cy="2478749"/>
+          </a:xfrm>
+          <a:prstGeom prst="rect">
+            <a:avLst/>
+          </a:prstGeom>
+        </p:spPr>
+      </p:pic>
+    </p:spTree>
+    <p:extLst>
+      <p:ext uri="{BB962C8B-B14F-4D97-AF65-F5344CB8AC3E}">
+        <p14:creationId xmlns:p14="http://schemas.microsoft.com/office/powerpoint/2010/main" val="2360961784"/>
+      </p:ext>
+    </p:extLst>
+  </p:cSld>
+  <p:clrMapOvr>
+    <a:masterClrMapping/>
+  </p:clrMapOvr>
+  <p:timing>
+    <p:tnLst>
+      <p:par>
+        <p:cTn id="1" dur="indefinite" restart="never" nodeType="tmRoot">
+          <p:childTnLst>
+            <p:seq concurrent="1" nextAc="seek">
+              <p:cTn id="2" dur="indefinite" nodeType="mainSeq">
+                <p:childTnLst>
+                  <p:par>
+                    <p:cTn id="3" fill="hold">
+                      <p:stCondLst>
+                        <p:cond delay="indefinite"/>
+                        <p:cond evt="onBegin" delay="0">
+                          <p:tn val="2"/>
+                        </p:cond>
+                      </p:stCondLst>
+                      <p:childTnLst>
+                        <p:par>
+                          <p:cTn id="4" fill="hold">
+                            <p:stCondLst>
+                              <p:cond delay="0"/>
+                            </p:stCondLst>
+                            <p:childTnLst>
+                              <p:par>
+                                <p:cTn id="5" presetID="10" presetClass="entr" presetSubtype="0" fill="hold" nodeType="afterEffect">
+                                  <p:stCondLst>
+                                    <p:cond delay="0"/>
+                                  </p:stCondLst>
+                                  <p:childTnLst>
+                                    <p:set>
+                                      <p:cBhvr>
+                                        <p:cTn id="6" dur="1" fill="hold">
+                                          <p:stCondLst>
+                                            <p:cond delay="0"/>
+                                          </p:stCondLst>
+                                        </p:cTn>
+                                        <p:tgtEl>
+                                          <p:spTgt spid="364"/>
+                                        </p:tgtEl>
+                                        <p:attrNameLst>
+                                          <p:attrName>style.visibility</p:attrName>
+                                        </p:attrNameLst>
+                                      </p:cBhvr>
+                                      <p:to>
+                                        <p:strVal val="visible"/>
+                                      </p:to>
+                                    </p:set>
+                                    <p:animEffect transition="in" filter="fade">
+                                      <p:cBhvr>
+                                        <p:cTn id="7" dur="1000"/>
+                                        <p:tgtEl>
+                                          <p:spTgt spid="364"/>
+                                        </p:tgtEl>
+                                      </p:cBhvr>
+                                    </p:animEffect>
+                                  </p:childTnLst>
+                                </p:cTn>
+                              </p:par>
+                            </p:childTnLst>
+                          </p:cTn>
+                        </p:par>
+                        <p:par>
+                          <p:cTn id="8" fill="hold">
+                            <p:stCondLst>
+                              <p:cond delay="1000"/>
+                            </p:stCondLst>
+                            <p:childTnLst>
+                              <p:par>
+                                <p:cTn id="9" presetID="10" presetClass="entr" presetSubtype="0" fill="hold" nodeType="afterEffect">
+                                  <p:stCondLst>
+                                    <p:cond delay="0"/>
+                                  </p:stCondLst>
+                                  <p:childTnLst>
+                                    <p:set>
+                                      <p:cBhvr>
+                                        <p:cTn id="10" dur="1" fill="hold">
+                                          <p:stCondLst>
+                                            <p:cond delay="0"/>
+                                          </p:stCondLst>
+                                        </p:cTn>
+                                        <p:tgtEl>
+                                          <p:spTgt spid="366"/>
+                                        </p:tgtEl>
+                                        <p:attrNameLst>
+                                          <p:attrName>style.visibility</p:attrName>
+                                        </p:attrNameLst>
+                                      </p:cBhvr>
+                                      <p:to>
+                                        <p:strVal val="visible"/>
+                                      </p:to>
+                                    </p:set>
+                                    <p:animEffect transition="in" filter="fade">
+                                      <p:cBhvr>
+                                        <p:cTn id="11" dur="1000"/>
+                                        <p:tgtEl>
+                                          <p:spTgt spid="366"/>
+                                        </p:tgtEl>
+                                      </p:cBhvr>
+                                    </p:animEffect>
+                                  </p:childTnLst>
+                                </p:cTn>
+                              </p:par>
+                            </p:childTnLst>
+                          </p:cTn>
+                        </p:par>
+                      </p:childTnLst>
+                    </p:cTn>
+                  </p:par>
+                </p:childTnLst>
+              </p:cTn>
+              <p:prevCondLst>
+                <p:cond evt="onPrev" delay="0">
+                  <p:tgtEl>
+                    <p:sldTgt/>
+                  </p:tgtEl>
+                </p:cond>
+              </p:prevCondLst>
+              <p:nextCondLst>
+                <p:cond evt="onNext" delay="0">
+                  <p:tgtEl>
+                    <p:sldTgt/>
+                  </p:tgtEl>
+                </p:cond>
+              </p:nextCondLst>
+            </p:seq>
+          </p:childTnLst>
+        </p:cTn>
+      </p:par>
+    </p:tnLst>
+  </p:timing>
+</p:sld>
+</file>
+
+<file path=ppt/slides/slide35.xml><?xml version="1.0" encoding="utf-8"?>
+<p:sld xmlns:a="http://schemas.openxmlformats.org/drawingml/2006/main" xmlns:r="http://schemas.openxmlformats.org/officeDocument/2006/relationships" xmlns:p="http://schemas.openxmlformats.org/presentationml/2006/main">
+  <p:cSld>
+    <p:spTree>
+      <p:nvGrpSpPr>
+        <p:cNvPr id="1" name="Shape 362"/>
+        <p:cNvGrpSpPr/>
+        <p:nvPr/>
+      </p:nvGrpSpPr>
+      <p:grpSpPr>
+        <a:xfrm>
+          <a:off x="0" y="0"/>
+          <a:ext cx="0" cy="0"/>
+          <a:chOff x="0" y="0"/>
+          <a:chExt cx="0" cy="0"/>
+        </a:xfrm>
+      </p:grpSpPr>
+      <p:pic>
+        <p:nvPicPr>
+          <p:cNvPr id="363" name="Google Shape;363;p41"/>
+          <p:cNvPicPr preferRelativeResize="0"/>
+          <p:nvPr/>
+        </p:nvPicPr>
+        <p:blipFill rotWithShape="1">
+          <a:blip r:embed="rId3">
+            <a:alphaModFix amt="21000"/>
+          </a:blip>
+          <a:srcRect l="-110" t="9719" r="-110" b="2714"/>
+          <a:stretch/>
+        </p:blipFill>
+        <p:spPr>
+          <a:xfrm>
+            <a:off x="0" y="0"/>
+            <a:ext cx="9144000" cy="5143500"/>
+          </a:xfrm>
+          <a:prstGeom prst="rect">
+            <a:avLst/>
+          </a:prstGeom>
+          <a:noFill/>
+          <a:ln>
+            <a:noFill/>
+          </a:ln>
+        </p:spPr>
+      </p:pic>
+      <p:sp>
+        <p:nvSpPr>
+          <p:cNvPr id="364" name="Google Shape;364;p41"/>
+          <p:cNvSpPr txBox="1">
+            <a:spLocks noGrp="1"/>
+          </p:cNvSpPr>
+          <p:nvPr>
+            <p:ph type="title"/>
+          </p:nvPr>
+        </p:nvSpPr>
+        <p:spPr>
+          <a:xfrm>
+            <a:off x="235500" y="555600"/>
+            <a:ext cx="843300" cy="755700"/>
+          </a:xfrm>
+          <a:prstGeom prst="rect">
+            <a:avLst/>
+          </a:prstGeom>
+        </p:spPr>
+        <p:txBody>
+          <a:bodyPr spcFirstLastPara="1" wrap="square" lIns="91425" tIns="91425" rIns="91425" bIns="91425" anchor="t" anchorCtr="0">
+            <a:noAutofit/>
+          </a:bodyPr>
+          <a:lstStyle/>
+          <a:p>
+            <a:pPr marL="0" lvl="0" indent="0" algn="l" rtl="0">
+              <a:spcBef>
+                <a:spcPts val="0"/>
+              </a:spcBef>
+              <a:spcAft>
+                <a:spcPts val="0"/>
+              </a:spcAft>
+              <a:buNone/>
+            </a:pPr>
+            <a:r>
+              <a:rPr lang="es" sz="4600">
+                <a:latin typeface="Oswald SemiBold"/>
+                <a:ea typeface="Oswald SemiBold"/>
+                <a:cs typeface="Oswald SemiBold"/>
+                <a:sym typeface="Oswald SemiBold"/>
+              </a:rPr>
+              <a:t>05</a:t>
+            </a:r>
+            <a:endParaRPr sz="4600">
+              <a:latin typeface="Oswald SemiBold"/>
+              <a:ea typeface="Oswald SemiBold"/>
+              <a:cs typeface="Oswald SemiBold"/>
+              <a:sym typeface="Oswald SemiBold"/>
+            </a:endParaRPr>
+          </a:p>
+        </p:txBody>
+      </p:sp>
+      <p:sp>
+        <p:nvSpPr>
+          <p:cNvPr id="365" name="Google Shape;365;p41"/>
+          <p:cNvSpPr txBox="1">
+            <a:spLocks noGrp="1"/>
+          </p:cNvSpPr>
+          <p:nvPr>
+            <p:ph type="title"/>
+          </p:nvPr>
+        </p:nvSpPr>
+        <p:spPr>
+          <a:xfrm>
+            <a:off x="1154925" y="633900"/>
+            <a:ext cx="5307600" cy="755700"/>
+          </a:xfrm>
+          <a:prstGeom prst="rect">
+            <a:avLst/>
+          </a:prstGeom>
+        </p:spPr>
+        <p:txBody>
+          <a:bodyPr spcFirstLastPara="1" wrap="square" lIns="91425" tIns="91425" rIns="91425" bIns="91425" anchor="t" anchorCtr="0">
+            <a:normAutofit/>
+          </a:bodyPr>
+          <a:lstStyle/>
+          <a:p>
+            <a:pPr marL="0" lvl="0" indent="0" algn="l" rtl="0">
+              <a:spcBef>
+                <a:spcPts val="0"/>
+              </a:spcBef>
+              <a:spcAft>
+                <a:spcPts val="0"/>
+              </a:spcAft>
+              <a:buNone/>
+            </a:pPr>
+            <a:r>
+              <a:rPr lang="es" sz="2600" dirty="0">
+                <a:latin typeface="Lora"/>
+                <a:ea typeface="Lora"/>
+                <a:cs typeface="Lora"/>
+                <a:sym typeface="Lora"/>
+              </a:rPr>
+              <a:t>3) </a:t>
+            </a:r>
+            <a:r>
+              <a:rPr lang="es-AR" sz="2600" dirty="0">
+                <a:latin typeface="Lora"/>
+                <a:ea typeface="Lora"/>
+                <a:cs typeface="Lora"/>
+                <a:sym typeface="Lora"/>
+              </a:rPr>
+              <a:t>K-NEAREST NEIGHBOR (KNN)</a:t>
+            </a:r>
+            <a:endParaRPr dirty="0">
+              <a:latin typeface="Oswald SemiBold"/>
+              <a:ea typeface="Oswald SemiBold"/>
+              <a:cs typeface="Oswald SemiBold"/>
+              <a:sym typeface="Oswald SemiBold"/>
+            </a:endParaRPr>
+          </a:p>
+        </p:txBody>
+      </p:sp>
+      <p:sp>
+        <p:nvSpPr>
+          <p:cNvPr id="366" name="Google Shape;366;p41"/>
+          <p:cNvSpPr txBox="1">
+            <a:spLocks noGrp="1"/>
+          </p:cNvSpPr>
+          <p:nvPr>
+            <p:ph type="body" idx="1"/>
+          </p:nvPr>
+        </p:nvSpPr>
+        <p:spPr>
+          <a:xfrm>
+            <a:off x="235500" y="1699973"/>
+            <a:ext cx="8738379" cy="2797602"/>
+          </a:xfrm>
+          <a:prstGeom prst="rect">
+            <a:avLst/>
+          </a:prstGeom>
+        </p:spPr>
+        <p:txBody>
+          <a:bodyPr spcFirstLastPara="1" wrap="square" lIns="91425" tIns="91425" rIns="91425" bIns="91425" anchor="t" anchorCtr="0">
+            <a:normAutofit/>
+          </a:bodyPr>
+          <a:lstStyle/>
+          <a:p>
+            <a:pPr marL="0" indent="0">
+              <a:buNone/>
+            </a:pPr>
+            <a:endParaRPr lang="es-AR" sz="1400" dirty="0">
+              <a:latin typeface="Lora"/>
+              <a:ea typeface="Lora"/>
+              <a:cs typeface="Lora"/>
+              <a:sym typeface="Lora"/>
+            </a:endParaRPr>
+          </a:p>
+          <a:p>
+            <a:pPr marL="0" indent="0">
+              <a:buNone/>
+            </a:pPr>
+            <a:r>
+              <a:rPr lang="es-AR" sz="1400" dirty="0">
+                <a:latin typeface="Lora"/>
+                <a:ea typeface="Lora"/>
+                <a:cs typeface="Lora"/>
+                <a:sym typeface="Lora"/>
+              </a:rPr>
+              <a:t>6) Y el reporte sobre el conjunto de test, que nos detalla los aciertos y fallos</a:t>
+            </a:r>
+          </a:p>
+          <a:p>
+            <a:pPr marL="0" indent="0">
+              <a:buNone/>
+            </a:pPr>
+            <a:endParaRPr lang="es-AR" sz="1400" dirty="0">
+              <a:latin typeface="Lora"/>
+              <a:ea typeface="Lora"/>
+              <a:cs typeface="Lora"/>
+              <a:sym typeface="Lora"/>
+            </a:endParaRPr>
+          </a:p>
+          <a:p>
+            <a:pPr marL="0" indent="0">
+              <a:buNone/>
+            </a:pPr>
+            <a:r>
+              <a:rPr lang="es-AR" sz="1400" u="sng" dirty="0">
+                <a:latin typeface="Lora"/>
+                <a:ea typeface="Lora"/>
+                <a:cs typeface="Lora"/>
+                <a:sym typeface="Lora"/>
+              </a:rPr>
+              <a:t>Resultado producto Autos:</a:t>
+            </a:r>
+            <a:endParaRPr lang="es-AR" sz="1400" dirty="0">
+              <a:latin typeface="Lora"/>
+              <a:ea typeface="Lora"/>
+              <a:cs typeface="Lora"/>
+              <a:sym typeface="Lora"/>
+            </a:endParaRPr>
+          </a:p>
+          <a:p>
+            <a:pPr marL="0" lvl="0" indent="0">
+              <a:spcBef>
+                <a:spcPts val="1200"/>
+              </a:spcBef>
+              <a:buNone/>
+            </a:pPr>
+            <a:r>
+              <a:rPr lang="es-AR" sz="1200" dirty="0">
+                <a:latin typeface="Courier New"/>
+                <a:ea typeface="Courier New"/>
+                <a:cs typeface="Courier New"/>
+              </a:rPr>
+              <a:t>% de aciertos sobre el set de entrenamiento: 0.907516 </a:t>
+            </a:r>
+          </a:p>
+          <a:p>
+            <a:pPr marL="0" lvl="0" indent="0">
+              <a:spcBef>
+                <a:spcPts val="1200"/>
+              </a:spcBef>
+              <a:buNone/>
+            </a:pPr>
+            <a:r>
+              <a:rPr lang="es-AR" sz="1200" dirty="0">
+                <a:latin typeface="Courier New"/>
+                <a:ea typeface="Courier New"/>
+                <a:cs typeface="Courier New"/>
+              </a:rPr>
+              <a:t>% de aciertos sobre el set de evaluación: 0.886344 </a:t>
+            </a:r>
+          </a:p>
+          <a:p>
+            <a:pPr marL="0" lvl="0" indent="0">
+              <a:spcBef>
+                <a:spcPts val="1200"/>
+              </a:spcBef>
+              <a:buNone/>
+            </a:pPr>
+            <a:r>
+              <a:rPr lang="es-AR" sz="1200" dirty="0" err="1">
+                <a:latin typeface="Courier New"/>
+                <a:ea typeface="Courier New"/>
+                <a:cs typeface="Courier New"/>
+              </a:rPr>
+              <a:t>Precision</a:t>
+            </a:r>
+            <a:r>
+              <a:rPr lang="es-AR" sz="1200" dirty="0">
+                <a:latin typeface="Courier New"/>
+                <a:ea typeface="Courier New"/>
+                <a:cs typeface="Courier New"/>
+              </a:rPr>
+              <a:t> : 0.880081 </a:t>
+            </a:r>
+            <a:r>
+              <a:rPr lang="es-AR" sz="1200" dirty="0" err="1">
+                <a:latin typeface="Courier New"/>
+                <a:ea typeface="Courier New"/>
+                <a:cs typeface="Courier New"/>
+              </a:rPr>
+              <a:t>Recall</a:t>
+            </a:r>
+            <a:r>
+              <a:rPr lang="es-AR" sz="1200" dirty="0">
+                <a:latin typeface="Courier New"/>
+                <a:ea typeface="Courier New"/>
+                <a:cs typeface="Courier New"/>
+              </a:rPr>
+              <a:t>: 0.874353</a:t>
+            </a:r>
+          </a:p>
+          <a:p>
+            <a:pPr marL="0" lvl="0" indent="0">
+              <a:spcBef>
+                <a:spcPts val="1200"/>
+              </a:spcBef>
+              <a:buNone/>
+            </a:pPr>
+            <a:r>
+              <a:rPr lang="es-AR" sz="1200" dirty="0">
+                <a:latin typeface="Courier New"/>
+                <a:ea typeface="Courier New"/>
+                <a:cs typeface="Courier New"/>
+              </a:rPr>
+              <a:t>F1 Score : 0.877208</a:t>
+            </a:r>
+            <a:endParaRPr sz="1200" dirty="0">
+              <a:latin typeface="Courier New"/>
+              <a:ea typeface="Courier New"/>
+              <a:cs typeface="Courier New"/>
+              <a:sym typeface="Lora"/>
+            </a:endParaRPr>
+          </a:p>
+        </p:txBody>
+      </p:sp>
+    </p:spTree>
+    <p:extLst>
+      <p:ext uri="{BB962C8B-B14F-4D97-AF65-F5344CB8AC3E}">
+        <p14:creationId xmlns:p14="http://schemas.microsoft.com/office/powerpoint/2010/main" val="3589022728"/>
+      </p:ext>
+    </p:extLst>
+  </p:cSld>
+  <p:clrMapOvr>
+    <a:masterClrMapping/>
+  </p:clrMapOvr>
+  <p:timing>
+    <p:tnLst>
+      <p:par>
+        <p:cTn id="1" dur="indefinite" restart="never" nodeType="tmRoot">
+          <p:childTnLst>
+            <p:seq concurrent="1" nextAc="seek">
+              <p:cTn id="2" dur="indefinite" nodeType="mainSeq">
+                <p:childTnLst>
+                  <p:par>
+                    <p:cTn id="3" fill="hold">
+                      <p:stCondLst>
+                        <p:cond delay="indefinite"/>
+                        <p:cond evt="onBegin" delay="0">
+                          <p:tn val="2"/>
+                        </p:cond>
+                      </p:stCondLst>
+                      <p:childTnLst>
+                        <p:par>
+                          <p:cTn id="4" fill="hold">
+                            <p:stCondLst>
+                              <p:cond delay="0"/>
+                            </p:stCondLst>
+                            <p:childTnLst>
+                              <p:par>
+                                <p:cTn id="5" presetID="10" presetClass="entr" presetSubtype="0" fill="hold" nodeType="afterEffect">
+                                  <p:stCondLst>
+                                    <p:cond delay="0"/>
+                                  </p:stCondLst>
+                                  <p:childTnLst>
+                                    <p:set>
+                                      <p:cBhvr>
+                                        <p:cTn id="6" dur="1" fill="hold">
+                                          <p:stCondLst>
+                                            <p:cond delay="0"/>
+                                          </p:stCondLst>
+                                        </p:cTn>
+                                        <p:tgtEl>
+                                          <p:spTgt spid="364"/>
+                                        </p:tgtEl>
+                                        <p:attrNameLst>
+                                          <p:attrName>style.visibility</p:attrName>
+                                        </p:attrNameLst>
+                                      </p:cBhvr>
+                                      <p:to>
+                                        <p:strVal val="visible"/>
+                                      </p:to>
+                                    </p:set>
+                                    <p:animEffect transition="in" filter="fade">
+                                      <p:cBhvr>
+                                        <p:cTn id="7" dur="1000"/>
+                                        <p:tgtEl>
+                                          <p:spTgt spid="364"/>
+                                        </p:tgtEl>
+                                      </p:cBhvr>
+                                    </p:animEffect>
+                                  </p:childTnLst>
+                                </p:cTn>
+                              </p:par>
+                            </p:childTnLst>
+                          </p:cTn>
+                        </p:par>
+                        <p:par>
+                          <p:cTn id="8" fill="hold">
+                            <p:stCondLst>
+                              <p:cond delay="1000"/>
+                            </p:stCondLst>
+                            <p:childTnLst>
+                              <p:par>
+                                <p:cTn id="9" presetID="10" presetClass="entr" presetSubtype="0" fill="hold" nodeType="afterEffect">
+                                  <p:stCondLst>
+                                    <p:cond delay="0"/>
+                                  </p:stCondLst>
+                                  <p:childTnLst>
+                                    <p:set>
+                                      <p:cBhvr>
+                                        <p:cTn id="10" dur="1" fill="hold">
+                                          <p:stCondLst>
+                                            <p:cond delay="0"/>
+                                          </p:stCondLst>
+                                        </p:cTn>
+                                        <p:tgtEl>
+                                          <p:spTgt spid="366"/>
+                                        </p:tgtEl>
+                                        <p:attrNameLst>
+                                          <p:attrName>style.visibility</p:attrName>
+                                        </p:attrNameLst>
+                                      </p:cBhvr>
+                                      <p:to>
+                                        <p:strVal val="visible"/>
+                                      </p:to>
+                                    </p:set>
+                                    <p:animEffect transition="in" filter="fade">
+                                      <p:cBhvr>
+                                        <p:cTn id="11" dur="1000"/>
+                                        <p:tgtEl>
+                                          <p:spTgt spid="366"/>
+                                        </p:tgtEl>
+                                      </p:cBhvr>
+                                    </p:animEffect>
+                                  </p:childTnLst>
+                                </p:cTn>
+                              </p:par>
+                            </p:childTnLst>
+                          </p:cTn>
+                        </p:par>
+                      </p:childTnLst>
+                    </p:cTn>
+                  </p:par>
+                </p:childTnLst>
+              </p:cTn>
+              <p:prevCondLst>
+                <p:cond evt="onPrev" delay="0">
+                  <p:tgtEl>
+                    <p:sldTgt/>
+                  </p:tgtEl>
+                </p:cond>
+              </p:prevCondLst>
+              <p:nextCondLst>
+                <p:cond evt="onNext" delay="0">
+                  <p:tgtEl>
+                    <p:sldTgt/>
+                  </p:tgtEl>
+                </p:cond>
+              </p:nextCondLst>
+            </p:seq>
+          </p:childTnLst>
+        </p:cTn>
+      </p:par>
+    </p:tnLst>
+  </p:timing>
+</p:sld>
+</file>
+
+<file path=ppt/slides/slide36.xml><?xml version="1.0" encoding="utf-8"?>
+<p:sld xmlns:a="http://schemas.openxmlformats.org/drawingml/2006/main" xmlns:r="http://schemas.openxmlformats.org/officeDocument/2006/relationships" xmlns:p="http://schemas.openxmlformats.org/presentationml/2006/main">
+  <p:cSld>
+    <p:spTree>
+      <p:nvGrpSpPr>
         <p:cNvPr id="1" name="Shape 373"/>
         <p:cNvGrpSpPr/>
         <p:nvPr/>
@@ -25260,8 +26548,8 @@
         </p:nvSpPr>
         <p:spPr>
           <a:xfrm>
-            <a:off x="1078725" y="633900"/>
-            <a:ext cx="7043700" cy="755700"/>
+            <a:off x="1068091" y="598132"/>
+            <a:ext cx="7714401" cy="755700"/>
           </a:xfrm>
           <a:prstGeom prst="rect">
             <a:avLst/>
@@ -25269,7 +26557,7 @@
         </p:spPr>
         <p:txBody>
           <a:bodyPr spcFirstLastPara="1" wrap="square" lIns="91425" tIns="91425" rIns="91425" bIns="91425" anchor="t" anchorCtr="0">
-            <a:normAutofit/>
+            <a:noAutofit/>
           </a:bodyPr>
           <a:lstStyle/>
           <a:p>
@@ -25283,15 +26571,15 @@
               <a:buNone/>
             </a:pPr>
             <a:r>
-              <a:rPr lang="es" sz="2600">
+              <a:rPr lang="es" dirty="0">
                 <a:latin typeface="Lora"/>
                 <a:ea typeface="Lora"/>
                 <a:cs typeface="Lora"/>
                 <a:sym typeface="Lora"/>
               </a:rPr>
-              <a:t>ÁRBOL DE DECISIÓN vs. RANDOM FOREST</a:t>
-            </a:r>
-            <a:endParaRPr>
+              <a:t>ÁRBOL DE DECISIÓN vs. RANDOM FOREST vs. KNN</a:t>
+            </a:r>
+            <a:endParaRPr dirty="0">
               <a:latin typeface="Oswald SemiBold"/>
               <a:ea typeface="Oswald SemiBold"/>
               <a:cs typeface="Oswald SemiBold"/>
@@ -25312,8 +26600,8 @@
         </p:nvSpPr>
         <p:spPr>
           <a:xfrm>
-            <a:off x="188850" y="1424225"/>
-            <a:ext cx="8820600" cy="3630300"/>
+            <a:off x="188850" y="1311300"/>
+            <a:ext cx="8820600" cy="3743225"/>
           </a:xfrm>
           <a:prstGeom prst="rect">
             <a:avLst/>
@@ -25321,20 +26609,40 @@
         </p:spPr>
         <p:txBody>
           <a:bodyPr spcFirstLastPara="1" wrap="square" lIns="91425" tIns="91425" rIns="91425" bIns="91425" anchor="t" anchorCtr="0">
-            <a:normAutofit/>
+            <a:normAutofit lnSpcReduction="10000"/>
           </a:bodyPr>
           <a:lstStyle/>
           <a:p>
             <a:pPr marL="0" lvl="0" indent="0" algn="l" rtl="0">
               <a:spcBef>
-                <a:spcPts val="0"/>
-              </a:spcBef>
-              <a:spcAft>
-                <a:spcPts val="0"/>
-              </a:spcAft>
-              <a:buNone/>
-            </a:pPr>
-            <a:endParaRPr sz="1500" u="sng">
+                <a:spcPts val="1200"/>
+              </a:spcBef>
+              <a:spcAft>
+                <a:spcPts val="0"/>
+              </a:spcAft>
+              <a:buNone/>
+            </a:pPr>
+            <a:r>
+              <a:rPr lang="es" sz="1400" dirty="0">
+                <a:latin typeface="Lora"/>
+                <a:ea typeface="Lora"/>
+                <a:cs typeface="Lora"/>
+                <a:sym typeface="Lora"/>
+              </a:rPr>
+              <a:t>Optimizamos el modelo KNN para descubrir qué ‘K’ nos arroja mejores resultados y en base a eso hacer la comparativa:</a:t>
+            </a:r>
+          </a:p>
+          <a:p>
+            <a:pPr marL="0" lvl="0" indent="0" algn="l" rtl="0">
+              <a:spcBef>
+                <a:spcPts val="1200"/>
+              </a:spcBef>
+              <a:spcAft>
+                <a:spcPts val="0"/>
+              </a:spcAft>
+              <a:buNone/>
+            </a:pPr>
+            <a:endParaRPr lang="es" sz="1400" dirty="0">
               <a:latin typeface="Lora"/>
               <a:ea typeface="Lora"/>
               <a:cs typeface="Lora"/>
@@ -25351,21 +26659,66 @@
               </a:spcAft>
               <a:buNone/>
             </a:pPr>
-            <a:r>
-              <a:rPr lang="es" sz="1500" u="sng">
+            <a:endParaRPr lang="es" sz="1400" dirty="0">
+              <a:latin typeface="Lora"/>
+              <a:ea typeface="Lora"/>
+              <a:cs typeface="Lora"/>
+              <a:sym typeface="Lora"/>
+            </a:endParaRPr>
+          </a:p>
+          <a:p>
+            <a:pPr marL="0" lvl="0" indent="0" algn="l" rtl="0">
+              <a:spcBef>
+                <a:spcPts val="1200"/>
+              </a:spcBef>
+              <a:spcAft>
+                <a:spcPts val="0"/>
+              </a:spcAft>
+              <a:buNone/>
+            </a:pPr>
+            <a:endParaRPr lang="es" sz="1400" dirty="0">
+              <a:latin typeface="Lora"/>
+              <a:ea typeface="Lora"/>
+              <a:cs typeface="Lora"/>
+              <a:sym typeface="Lora"/>
+            </a:endParaRPr>
+          </a:p>
+          <a:p>
+            <a:pPr marL="0" lvl="0" indent="0" algn="l" rtl="0">
+              <a:spcBef>
+                <a:spcPts val="1200"/>
+              </a:spcBef>
+              <a:spcAft>
+                <a:spcPts val="0"/>
+              </a:spcAft>
+              <a:buNone/>
+            </a:pPr>
+            <a:endParaRPr lang="es" sz="1400" dirty="0">
+              <a:latin typeface="Lora"/>
+              <a:ea typeface="Lora"/>
+              <a:cs typeface="Lora"/>
+              <a:sym typeface="Lora"/>
+            </a:endParaRPr>
+          </a:p>
+          <a:p>
+            <a:pPr marL="0" lvl="0" indent="0" algn="l" rtl="0">
+              <a:spcBef>
+                <a:spcPts val="1200"/>
+              </a:spcBef>
+              <a:spcAft>
+                <a:spcPts val="0"/>
+              </a:spcAft>
+              <a:buNone/>
+            </a:pPr>
+            <a:r>
+              <a:rPr lang="es" sz="1400" dirty="0">
                 <a:latin typeface="Lora"/>
                 <a:ea typeface="Lora"/>
                 <a:cs typeface="Lora"/>
                 <a:sym typeface="Lora"/>
               </a:rPr>
-              <a:t>CONCLUSIÓN</a:t>
-            </a:r>
-            <a:endParaRPr sz="1500" u="sng">
-              <a:latin typeface="Lora"/>
-              <a:ea typeface="Lora"/>
-              <a:cs typeface="Lora"/>
-              <a:sym typeface="Lora"/>
-            </a:endParaRPr>
+              <a:t>Observamos que a pesar de optimizar el modelo, los niveles de cada métrica siguen siendo más bajos en su mayoría, respecto a los otros dos, por lo tanto decidimos descartarlo.</a:t>
+            </a:r>
           </a:p>
           <a:p>
             <a:pPr marL="0" lvl="0" indent="0" algn="l" rtl="0">
@@ -25378,93 +26731,65 @@
               <a:buNone/>
             </a:pPr>
             <a:r>
-              <a:rPr lang="es" sz="1500">
+              <a:rPr lang="es" sz="1400" dirty="0">
                 <a:latin typeface="Lora"/>
                 <a:ea typeface="Lora"/>
                 <a:cs typeface="Lora"/>
                 <a:sym typeface="Lora"/>
               </a:rPr>
-              <a:t>El modelo Random Forest demostró levemente mejores resultados en casi todas las métricas, salvo en la precisión. </a:t>
-            </a:r>
-            <a:endParaRPr sz="1500">
-              <a:latin typeface="Lora"/>
-              <a:ea typeface="Lora"/>
-              <a:cs typeface="Lora"/>
-              <a:sym typeface="Lora"/>
-            </a:endParaRPr>
-          </a:p>
-          <a:p>
-            <a:pPr marL="0" lvl="0" indent="0" algn="l" rtl="0">
-              <a:spcBef>
-                <a:spcPts val="1200"/>
-              </a:spcBef>
-              <a:spcAft>
-                <a:spcPts val="0"/>
-              </a:spcAft>
-              <a:buNone/>
-            </a:pPr>
-            <a:r>
-              <a:rPr lang="es" sz="1500">
+              <a:t>El modelo </a:t>
+            </a:r>
+            <a:r>
+              <a:rPr lang="es" sz="1400" i="1" dirty="0">
                 <a:latin typeface="Lora"/>
                 <a:ea typeface="Lora"/>
                 <a:cs typeface="Lora"/>
                 <a:sym typeface="Lora"/>
               </a:rPr>
-              <a:t>La menor precisión produce en este modelo mayor cantidad de falsos positivos - error de tipo I.</a:t>
-            </a:r>
-            <a:endParaRPr sz="1500">
-              <a:latin typeface="Lora"/>
-              <a:ea typeface="Lora"/>
-              <a:cs typeface="Lora"/>
-              <a:sym typeface="Lora"/>
-            </a:endParaRPr>
-          </a:p>
-          <a:p>
-            <a:pPr marL="0" lvl="0" indent="0" algn="l" rtl="0">
-              <a:spcBef>
-                <a:spcPts val="1200"/>
-              </a:spcBef>
-              <a:spcAft>
-                <a:spcPts val="1200"/>
-              </a:spcAft>
-              <a:buNone/>
-            </a:pPr>
-            <a:r>
-              <a:rPr lang="es" sz="1500">
+              <a:t>Random Forest </a:t>
+            </a:r>
+            <a:r>
+              <a:rPr lang="es" sz="1400" dirty="0">
                 <a:latin typeface="Lora"/>
                 <a:ea typeface="Lora"/>
                 <a:cs typeface="Lora"/>
                 <a:sym typeface="Lora"/>
               </a:rPr>
-              <a:t>Continuaremos trabajando en otros modelos </a:t>
-            </a:r>
-            <a:r>
-              <a:rPr lang="es" sz="1500" i="1">
-                <a:latin typeface="Lora"/>
-                <a:ea typeface="Lora"/>
-                <a:cs typeface="Lora"/>
-                <a:sym typeface="Lora"/>
-              </a:rPr>
-              <a:t>(KNN, K-Means, SMV)</a:t>
-            </a:r>
-            <a:r>
-              <a:rPr lang="es" sz="1500">
-                <a:latin typeface="Lora"/>
-                <a:ea typeface="Lora"/>
-                <a:cs typeface="Lora"/>
-                <a:sym typeface="Lora"/>
-              </a:rPr>
-              <a:t> para ver cuál es el que mejor se adecua y genera mejores resultados</a:t>
-            </a:r>
-            <a:endParaRPr sz="1500">
-              <a:latin typeface="Lora"/>
-              <a:ea typeface="Lora"/>
-              <a:cs typeface="Lora"/>
-              <a:sym typeface="Lora"/>
-            </a:endParaRPr>
+              <a:t>demostró levemente mejores resultados en casi todas las métricas para los tres productos, salvo en la precisión. Esta menor precisión se asocia con mayor cantidad de falsos positivos - error de tipo I.</a:t>
+            </a:r>
           </a:p>
         </p:txBody>
       </p:sp>
+      <p:pic>
+        <p:nvPicPr>
+          <p:cNvPr id="9" name="Imagen 8">
+            <a:extLst>
+              <a:ext uri="{FF2B5EF4-FFF2-40B4-BE49-F238E27FC236}">
+                <a16:creationId xmlns:a16="http://schemas.microsoft.com/office/drawing/2014/main" id="{6C233C5B-BABC-ACCC-1079-38BEB0CA80AC}"/>
+              </a:ext>
+            </a:extLst>
+          </p:cNvPr>
+          <p:cNvPicPr>
+            <a:picLocks noChangeAspect="1"/>
+          </p:cNvPicPr>
+          <p:nvPr/>
+        </p:nvPicPr>
+        <p:blipFill>
+          <a:blip r:embed="rId4"/>
+          <a:stretch>
+            <a:fillRect/>
+          </a:stretch>
+        </p:blipFill>
+        <p:spPr>
+          <a:xfrm>
+            <a:off x="123917" y="2150778"/>
+            <a:ext cx="8908500" cy="1306826"/>
+          </a:xfrm>
+          <a:prstGeom prst="rect">
+            <a:avLst/>
+          </a:prstGeom>
+        </p:spPr>
+      </p:pic>
     </p:spTree>
   </p:cSld>
   <p:clrMapOvr>
@@ -25734,7 +27059,7 @@
               <a:buNone/>
             </a:pPr>
             <a:r>
-              <a:rPr lang="es" sz="1900">
+              <a:rPr lang="es" sz="1900" dirty="0">
                 <a:latin typeface="Lora Medium"/>
                 <a:ea typeface="Lora Medium"/>
                 <a:cs typeface="Lora Medium"/>
@@ -25743,7 +27068,7 @@
               <a:t>El archivo </a:t>
             </a:r>
             <a:r>
-              <a:rPr lang="es" sz="1900" i="1">
+              <a:rPr lang="es" sz="1900" i="1" dirty="0">
                 <a:uFill>
                   <a:noFill/>
                 </a:uFill>
@@ -25756,7 +27081,7 @@
               <a:t>Vigentes_dataset_100.xlsx</a:t>
             </a:r>
             <a:r>
-              <a:rPr lang="es" sz="1900">
+              <a:rPr lang="es" sz="1900" dirty="0">
                 <a:latin typeface="Lora Medium"/>
                 <a:ea typeface="Lora Medium"/>
                 <a:cs typeface="Lora Medium"/>
@@ -25764,7 +27089,7 @@
               </a:rPr>
               <a:t> contiene las pólizas vigentes a junio 2022 de los tres principales productos de una empresa de banca-seguros de la Argentina:</a:t>
             </a:r>
-            <a:endParaRPr sz="1900">
+            <a:endParaRPr sz="1900" dirty="0">
               <a:latin typeface="Lora Medium"/>
               <a:ea typeface="Lora Medium"/>
               <a:cs typeface="Lora Medium"/>
@@ -25784,7 +27109,7 @@
               <a:buAutoNum type="alphaUcParenR"/>
             </a:pPr>
             <a:r>
-              <a:rPr lang="es" sz="1900">
+              <a:rPr lang="es" sz="1900" dirty="0">
                 <a:latin typeface="Lora Medium"/>
                 <a:ea typeface="Lora Medium"/>
                 <a:cs typeface="Lora Medium"/>
@@ -25792,7 +27117,7 @@
               </a:rPr>
               <a:t>Autos</a:t>
             </a:r>
-            <a:endParaRPr sz="1900">
+            <a:endParaRPr sz="1900" dirty="0">
               <a:latin typeface="Lora Medium"/>
               <a:ea typeface="Lora Medium"/>
               <a:cs typeface="Lora Medium"/>
@@ -25812,7 +27137,7 @@
               <a:buAutoNum type="alphaUcParenR"/>
             </a:pPr>
             <a:r>
-              <a:rPr lang="es" sz="1900">
+              <a:rPr lang="es" sz="1900" dirty="0">
                 <a:latin typeface="Lora Medium"/>
                 <a:ea typeface="Lora Medium"/>
                 <a:cs typeface="Lora Medium"/>
@@ -25820,7 +27145,7 @@
               </a:rPr>
               <a:t>Vivienda</a:t>
             </a:r>
-            <a:endParaRPr sz="1900">
+            <a:endParaRPr sz="1900" dirty="0">
               <a:latin typeface="Lora Medium"/>
               <a:ea typeface="Lora Medium"/>
               <a:cs typeface="Lora Medium"/>
@@ -25840,7 +27165,7 @@
               <a:buAutoNum type="alphaUcParenR"/>
             </a:pPr>
             <a:r>
-              <a:rPr lang="es" sz="1900">
+              <a:rPr lang="es" sz="1900" dirty="0">
                 <a:latin typeface="Lora Medium"/>
                 <a:ea typeface="Lora Medium"/>
                 <a:cs typeface="Lora Medium"/>
@@ -25848,7 +27173,7 @@
               </a:rPr>
               <a:t>Accidentes Personales</a:t>
             </a:r>
-            <a:endParaRPr sz="1900">
+            <a:endParaRPr sz="1900" dirty="0">
               <a:latin typeface="Lora Medium"/>
               <a:ea typeface="Lora Medium"/>
               <a:cs typeface="Lora Medium"/>
@@ -25866,7 +27191,7 @@
               <a:buNone/>
             </a:pPr>
             <a:r>
-              <a:rPr lang="es" sz="1900">
+              <a:rPr lang="es" sz="1900" dirty="0">
                 <a:latin typeface="Lora Medium"/>
                 <a:ea typeface="Lora Medium"/>
                 <a:cs typeface="Lora Medium"/>
@@ -25874,7 +27199,7 @@
               </a:rPr>
               <a:t> junto a las características más importantes de cada cliente</a:t>
             </a:r>
-            <a:endParaRPr sz="1900">
+            <a:endParaRPr sz="1900" dirty="0">
               <a:latin typeface="Lora Medium"/>
               <a:ea typeface="Lora Medium"/>
               <a:cs typeface="Lora Medium"/>
